--- a/Presentation Slides new.pptx
+++ b/Presentation Slides new.pptx
@@ -1,26 +1,22 @@
 
 <file path=ppt/presentation.xml><?xml version="1.0" encoding="utf-8"?>
-<p:presentation xmlns:a="http://schemas.openxmlformats.org/drawingml/2006/main" xmlns:r="http://schemas.openxmlformats.org/officeDocument/2006/relationships" xmlns:p="http://schemas.openxmlformats.org/presentationml/2006/main" xmlns:m="http://schemas.openxmlformats.org/officeDocument/2006/math" xmlns:a14="http://schemas.microsoft.com/office/drawing/2010/main">
+<p:presentation xmlns:a="http://schemas.openxmlformats.org/drawingml/2006/main" xmlns:r="http://schemas.openxmlformats.org/officeDocument/2006/relationships" xmlns:p="http://schemas.openxmlformats.org/presentationml/2006/main">
   <p:sldMasterIdLst>
-    <p:sldMasterId id="2147483648" r:id="rId5"/>
+    <p:sldMasterId id="2147483648" r:id="rId1"/>
   </p:sldMasterIdLst>
   <p:notesMasterIdLst>
-    <p:notesMasterId r:id="rId7"/>
+    <p:notesMasterId r:id="rId11"/>
   </p:notesMasterIdLst>
   <p:sldIdLst>
-    <p:sldId id="256" r:id="rId8"/>
-    <p:sldId id="257" r:id="rId9"/>
-    <p:sldId id="258" r:id="rId10"/>
-    <p:sldId id="259" r:id="rId11"/>
-    <p:sldId id="260" r:id="rId12"/>
-    <p:sldId id="261" r:id="rId13"/>
-    <p:sldId id="262" r:id="rId14"/>
-    <p:sldId id="263" r:id="rId15"/>
-    <p:sldId id="264" r:id="rId16"/>
-    <p:sldId id="265" r:id="rId17"/>
-    <p:sldId id="266" r:id="rId18"/>
-    <p:sldId id="267" r:id="rId19"/>
-    <p:sldId id="268" r:id="rId20"/>
+    <p:sldId id="256" r:id="rId2"/>
+    <p:sldId id="257" r:id="rId3"/>
+    <p:sldId id="258" r:id="rId4"/>
+    <p:sldId id="259" r:id="rId5"/>
+    <p:sldId id="260" r:id="rId6"/>
+    <p:sldId id="263" r:id="rId7"/>
+    <p:sldId id="265" r:id="rId8"/>
+    <p:sldId id="267" r:id="rId9"/>
+    <p:sldId id="268" r:id="rId10"/>
   </p:sldIdLst>
   <p:sldSz cx="12192000" cy="6858000"/>
   <p:notesSz cx="6858000" cy="9144000"/>
@@ -40,7 +36,7 @@
       <a:buFontTx/>
       <a:buNone/>
       <a:tabLst/>
-      <a:defRPr b="0" baseline="0" cap="none" i="0" spc="0" strike="noStrike" sz="1800" u="none" kumimoji="0" normalizeH="0">
+      <a:defRPr kumimoji="0" sz="1800" b="0" i="0" u="none" strike="noStrike" cap="none" spc="0" normalizeH="0" baseline="0">
         <a:ln>
           <a:noFill/>
         </a:ln>
@@ -66,7 +62,7 @@
       <a:buFontTx/>
       <a:buNone/>
       <a:tabLst/>
-      <a:defRPr b="0" baseline="0" cap="none" i="0" spc="0" strike="noStrike" sz="1800" u="none" kumimoji="0" normalizeH="0">
+      <a:defRPr kumimoji="0" sz="1800" b="0" i="0" u="none" strike="noStrike" cap="none" spc="0" normalizeH="0" baseline="0">
         <a:ln>
           <a:noFill/>
         </a:ln>
@@ -96,7 +92,7 @@
       <a:buFontTx/>
       <a:buNone/>
       <a:tabLst/>
-      <a:defRPr b="0" baseline="0" cap="none" i="0" spc="0" strike="noStrike" sz="1800" u="none" kumimoji="0" normalizeH="0">
+      <a:defRPr kumimoji="0" sz="1800" b="0" i="0" u="none" strike="noStrike" cap="none" spc="0" normalizeH="0" baseline="0">
         <a:ln>
           <a:noFill/>
         </a:ln>
@@ -126,7 +122,7 @@
       <a:buFontTx/>
       <a:buNone/>
       <a:tabLst/>
-      <a:defRPr b="0" baseline="0" cap="none" i="0" spc="0" strike="noStrike" sz="1800" u="none" kumimoji="0" normalizeH="0">
+      <a:defRPr kumimoji="0" sz="1800" b="0" i="0" u="none" strike="noStrike" cap="none" spc="0" normalizeH="0" baseline="0">
         <a:ln>
           <a:noFill/>
         </a:ln>
@@ -156,7 +152,7 @@
       <a:buFontTx/>
       <a:buNone/>
       <a:tabLst/>
-      <a:defRPr b="0" baseline="0" cap="none" i="0" spc="0" strike="noStrike" sz="1800" u="none" kumimoji="0" normalizeH="0">
+      <a:defRPr kumimoji="0" sz="1800" b="0" i="0" u="none" strike="noStrike" cap="none" spc="0" normalizeH="0" baseline="0">
         <a:ln>
           <a:noFill/>
         </a:ln>
@@ -186,7 +182,7 @@
       <a:buFontTx/>
       <a:buNone/>
       <a:tabLst/>
-      <a:defRPr b="0" baseline="0" cap="none" i="0" spc="0" strike="noStrike" sz="1800" u="none" kumimoji="0" normalizeH="0">
+      <a:defRPr kumimoji="0" sz="1800" b="0" i="0" u="none" strike="noStrike" cap="none" spc="0" normalizeH="0" baseline="0">
         <a:ln>
           <a:noFill/>
         </a:ln>
@@ -216,7 +212,7 @@
       <a:buFontTx/>
       <a:buNone/>
       <a:tabLst/>
-      <a:defRPr b="0" baseline="0" cap="none" i="0" spc="0" strike="noStrike" sz="1800" u="none" kumimoji="0" normalizeH="0">
+      <a:defRPr kumimoji="0" sz="1800" b="0" i="0" u="none" strike="noStrike" cap="none" spc="0" normalizeH="0" baseline="0">
         <a:ln>
           <a:noFill/>
         </a:ln>
@@ -246,7 +242,7 @@
       <a:buFontTx/>
       <a:buNone/>
       <a:tabLst/>
-      <a:defRPr b="0" baseline="0" cap="none" i="0" spc="0" strike="noStrike" sz="1800" u="none" kumimoji="0" normalizeH="0">
+      <a:defRPr kumimoji="0" sz="1800" b="0" i="0" u="none" strike="noStrike" cap="none" spc="0" normalizeH="0" baseline="0">
         <a:ln>
           <a:noFill/>
         </a:ln>
@@ -276,7 +272,7 @@
       <a:buFontTx/>
       <a:buNone/>
       <a:tabLst/>
-      <a:defRPr b="0" baseline="0" cap="none" i="0" spc="0" strike="noStrike" sz="1800" u="none" kumimoji="0" normalizeH="0">
+      <a:defRPr kumimoji="0" sz="1800" b="0" i="0" u="none" strike="noStrike" cap="none" spc="0" normalizeH="0" baseline="0">
         <a:ln>
           <a:noFill/>
         </a:ln>
@@ -306,7 +302,7 @@
       <a:buFontTx/>
       <a:buNone/>
       <a:tabLst/>
-      <a:defRPr b="0" baseline="0" cap="none" i="0" spc="0" strike="noStrike" sz="1800" u="none" kumimoji="0" normalizeH="0">
+      <a:defRPr kumimoji="0" sz="1800" b="0" i="0" u="none" strike="noStrike" cap="none" spc="0" normalizeH="0" baseline="0">
         <a:ln>
           <a:noFill/>
         </a:ln>
@@ -325,13 +321,14 @@
 </p:presentation>
 </file>
 
-<file path=ppt/commentAuthors.xml><?xml version="1.0" encoding="utf-8"?>
-<p:cmAuthorLst xmlns:a="http://schemas.openxmlformats.org/drawingml/2006/main" xmlns:r="http://schemas.openxmlformats.org/officeDocument/2006/relationships" xmlns:p="http://schemas.openxmlformats.org/presentationml/2006/main" xmlns:m="http://schemas.openxmlformats.org/officeDocument/2006/math" xmlns:a14="http://schemas.microsoft.com/office/drawing/2010/main"/>
-</file>
-
 <file path=ppt/notesMasters/notesMaster1.xml><?xml version="1.0" encoding="utf-8"?>
-<p:notesMaster xmlns:a="http://schemas.openxmlformats.org/drawingml/2006/main" xmlns:r="http://schemas.openxmlformats.org/officeDocument/2006/relationships" xmlns:p="http://schemas.openxmlformats.org/presentationml/2006/main" xmlns:m="http://schemas.openxmlformats.org/officeDocument/2006/math" xmlns:a14="http://schemas.microsoft.com/office/drawing/2010/main">
+<p:notesMaster xmlns:a="http://schemas.openxmlformats.org/drawingml/2006/main" xmlns:r="http://schemas.openxmlformats.org/officeDocument/2006/relationships" xmlns:p="http://schemas.openxmlformats.org/presentationml/2006/main">
   <p:cSld>
+    <p:bg>
+      <p:bgRef idx="1001">
+        <a:schemeClr val="bg1"/>
+      </p:bgRef>
+    </p:bg>
     <p:spTree>
       <p:nvGrpSpPr>
         <p:cNvPr id="1" name=""/>
@@ -349,7 +346,9 @@
       <p:sp>
         <p:nvSpPr>
           <p:cNvPr id="183" name="Shape 183"/>
-          <p:cNvSpPr/>
+          <p:cNvSpPr>
+            <a:spLocks noGrp="1" noRot="1" noChangeAspect="1"/>
+          </p:cNvSpPr>
           <p:nvPr>
             <p:ph type="sldImg"/>
           </p:nvPr>
@@ -367,14 +366,16 @@
           <a:bodyPr/>
           <a:lstStyle/>
           <a:p>
-            <a:pPr/>
+            <a:endParaRPr/>
           </a:p>
         </p:txBody>
       </p:sp>
       <p:sp>
         <p:nvSpPr>
           <p:cNvPr id="184" name="Shape 184"/>
-          <p:cNvSpPr/>
+          <p:cNvSpPr>
+            <a:spLocks noGrp="1"/>
+          </p:cNvSpPr>
           <p:nvPr>
             <p:ph type="body" sz="quarter" idx="1"/>
           </p:nvPr>
@@ -392,7 +393,7 @@
           <a:bodyPr/>
           <a:lstStyle/>
           <a:p>
-            <a:pPr/>
+            <a:endParaRPr/>
           </a:p>
         </p:txBody>
       </p:sp>
@@ -477,7 +478,7 @@
 </file>
 
 <file path=ppt/slideLayouts/slideLayout1.xml><?xml version="1.0" encoding="utf-8"?>
-<p:sldLayout xmlns:a="http://schemas.openxmlformats.org/drawingml/2006/main" xmlns:r="http://schemas.openxmlformats.org/officeDocument/2006/relationships" xmlns:p="http://schemas.openxmlformats.org/presentationml/2006/main" xmlns:m="http://schemas.openxmlformats.org/officeDocument/2006/math" xmlns:a14="http://schemas.microsoft.com/office/drawing/2010/main" type="title" showMasterSp="0" showMasterPhAnim="1">
+<p:sldLayout xmlns:a="http://schemas.openxmlformats.org/drawingml/2006/main" xmlns:r="http://schemas.openxmlformats.org/officeDocument/2006/relationships" xmlns:p="http://schemas.openxmlformats.org/presentationml/2006/main" showMasterSp="0" type="title">
   <p:cSld name="Title Slide">
     <p:spTree>
       <p:nvGrpSpPr>
@@ -537,7 +538,7 @@
             </a:bodyPr>
             <a:lstStyle/>
             <a:p>
-              <a:pPr/>
+              <a:endParaRPr/>
             </a:p>
           </p:txBody>
         </p:sp>
@@ -571,7 +572,7 @@
             </a:bodyPr>
             <a:lstStyle/>
             <a:p>
-              <a:pPr/>
+              <a:endParaRPr/>
             </a:p>
           </p:txBody>
         </p:sp>
@@ -606,7 +607,7 @@
               </a:cxnLst>
               <a:rect l="0" t="0" r="r" b="b"/>
               <a:pathLst>
-                <a:path w="21600" h="21600" fill="norm" stroke="1" extrusionOk="0">
+                <a:path w="21600" h="21600" extrusionOk="0">
                   <a:moveTo>
                     <a:pt x="14692" y="0"/>
                   </a:moveTo>
@@ -643,7 +644,7 @@
             </a:bodyPr>
             <a:lstStyle/>
             <a:p>
-              <a:pPr/>
+              <a:endParaRPr/>
             </a:p>
           </p:txBody>
         </p:sp>
@@ -678,7 +679,7 @@
               </a:cxnLst>
               <a:rect l="0" t="0" r="r" b="b"/>
               <a:pathLst>
-                <a:path w="21600" h="21600" fill="norm" stroke="1" extrusionOk="0">
+                <a:path w="21600" h="21600" extrusionOk="0">
                   <a:moveTo>
                     <a:pt x="0" y="0"/>
                   </a:moveTo>
@@ -715,7 +716,7 @@
             </a:bodyPr>
             <a:lstStyle/>
             <a:p>
-              <a:pPr/>
+              <a:endParaRPr/>
             </a:p>
           </p:txBody>
         </p:sp>
@@ -750,7 +751,7 @@
               </a:cxnLst>
               <a:rect l="0" t="0" r="r" b="b"/>
               <a:pathLst>
-                <a:path w="21600" h="21600" fill="norm" stroke="1" extrusionOk="0">
+                <a:path w="21600" h="21600" extrusionOk="0">
                   <a:moveTo>
                     <a:pt x="0" y="21600"/>
                   </a:moveTo>
@@ -781,7 +782,7 @@
             </a:bodyPr>
             <a:lstStyle/>
             <a:p>
-              <a:pPr/>
+              <a:endParaRPr/>
             </a:p>
           </p:txBody>
         </p:sp>
@@ -816,7 +817,7 @@
               </a:cxnLst>
               <a:rect l="0" t="0" r="r" b="b"/>
               <a:pathLst>
-                <a:path w="21600" h="21600" fill="norm" stroke="1" extrusionOk="0">
+                <a:path w="21600" h="21600" extrusionOk="0">
                   <a:moveTo>
                     <a:pt x="0" y="0"/>
                   </a:moveTo>
@@ -853,7 +854,7 @@
             </a:bodyPr>
             <a:lstStyle/>
             <a:p>
-              <a:pPr/>
+              <a:endParaRPr/>
             </a:p>
           </p:txBody>
         </p:sp>
@@ -888,7 +889,7 @@
               </a:cxnLst>
               <a:rect l="0" t="0" r="r" b="b"/>
               <a:pathLst>
-                <a:path w="21600" h="21600" fill="norm" stroke="1" extrusionOk="0">
+                <a:path w="21600" h="21600" extrusionOk="0">
                   <a:moveTo>
                     <a:pt x="17073" y="0"/>
                   </a:moveTo>
@@ -925,7 +926,7 @@
             </a:bodyPr>
             <a:lstStyle/>
             <a:p>
-              <a:pPr/>
+              <a:endParaRPr/>
             </a:p>
           </p:txBody>
         </p:sp>
@@ -960,7 +961,7 @@
               </a:cxnLst>
               <a:rect l="0" t="0" r="r" b="b"/>
               <a:pathLst>
-                <a:path w="21600" h="21600" fill="norm" stroke="1" extrusionOk="0">
+                <a:path w="21600" h="21600" extrusionOk="0">
                   <a:moveTo>
                     <a:pt x="0" y="0"/>
                   </a:moveTo>
@@ -997,7 +998,7 @@
             </a:bodyPr>
             <a:lstStyle/>
             <a:p>
-              <a:pPr/>
+              <a:endParaRPr/>
             </a:p>
           </p:txBody>
         </p:sp>
@@ -1032,7 +1033,7 @@
               </a:cxnLst>
               <a:rect l="0" t="0" r="r" b="b"/>
               <a:pathLst>
-                <a:path w="21600" h="21600" fill="norm" stroke="1" extrusionOk="0">
+                <a:path w="21600" h="21600" extrusionOk="0">
                   <a:moveTo>
                     <a:pt x="0" y="21600"/>
                   </a:moveTo>
@@ -1063,7 +1064,7 @@
             </a:bodyPr>
             <a:lstStyle/>
             <a:p>
-              <a:pPr/>
+              <a:endParaRPr/>
             </a:p>
           </p:txBody>
         </p:sp>
@@ -1098,7 +1099,7 @@
               </a:cxnLst>
               <a:rect l="0" t="0" r="r" b="b"/>
               <a:pathLst>
-                <a:path w="21600" h="21600" fill="norm" stroke="1" extrusionOk="0">
+                <a:path w="21600" h="21600" extrusionOk="0">
                   <a:moveTo>
                     <a:pt x="0" y="21600"/>
                   </a:moveTo>
@@ -1129,7 +1130,7 @@
             </a:bodyPr>
             <a:lstStyle/>
             <a:p>
-              <a:pPr/>
+              <a:endParaRPr/>
             </a:p>
           </p:txBody>
         </p:sp>
@@ -1137,7 +1138,9 @@
       <p:sp>
         <p:nvSpPr>
           <p:cNvPr id="33" name="Title Text"/>
-          <p:cNvSpPr txBox="1"/>
+          <p:cNvSpPr txBox="1">
+            <a:spLocks noGrp="1"/>
+          </p:cNvSpPr>
           <p:nvPr>
             <p:ph type="title"/>
           </p:nvPr>
@@ -1159,7 +1162,6 @@
             </a:lvl1pPr>
           </a:lstStyle>
           <a:p>
-            <a:pPr/>
             <a:r>
               <a:t>Title Text</a:t>
             </a:r>
@@ -1169,7 +1171,9 @@
       <p:sp>
         <p:nvSpPr>
           <p:cNvPr id="34" name="Body Level One…"/>
-          <p:cNvSpPr txBox="1"/>
+          <p:cNvSpPr txBox="1">
+            <a:spLocks noGrp="1"/>
+          </p:cNvSpPr>
           <p:nvPr>
             <p:ph type="body" sz="quarter" idx="1"/>
           </p:nvPr>
@@ -1238,7 +1242,6 @@
             </a:lvl5pPr>
           </a:lstStyle>
           <a:p>
-            <a:pPr/>
             <a:r>
               <a:t>Body Level One</a:t>
             </a:r>
@@ -1272,7 +1275,9 @@
       <p:sp>
         <p:nvSpPr>
           <p:cNvPr id="35" name="Slide Number"/>
-          <p:cNvSpPr txBox="1"/>
+          <p:cNvSpPr txBox="1">
+            <a:spLocks noGrp="1"/>
+          </p:cNvSpPr>
           <p:nvPr>
             <p:ph type="sldNum" sz="quarter" idx="2"/>
           </p:nvPr>
@@ -1286,8 +1291,10 @@
           <a:bodyPr/>
           <a:lstStyle/>
           <a:p>
-            <a:pPr/>
-            <a:fld id="{86CB4B4D-7CA3-9044-876B-883B54F8677D}" type="slidenum"/>
+            <a:fld id="{86CB4B4D-7CA3-9044-876B-883B54F8677D}" type="slidenum">
+              <a:t>‹#›</a:t>
+            </a:fld>
+            <a:endParaRPr/>
           </a:p>
         </p:txBody>
       </p:sp>
@@ -1296,12 +1303,12 @@
   <p:clrMapOvr>
     <a:masterClrMapping/>
   </p:clrMapOvr>
-  <p:transition xmlns:p14="http://schemas.microsoft.com/office/powerpoint/2010/main" spd="med" advClick="1"/>
+  <p:transition spd="med"/>
 </p:sldLayout>
 </file>
 
 <file path=ppt/slideLayouts/slideLayout10.xml><?xml version="1.0" encoding="utf-8"?>
-<p:sldLayout xmlns:a="http://schemas.openxmlformats.org/drawingml/2006/main" xmlns:r="http://schemas.openxmlformats.org/officeDocument/2006/relationships" xmlns:p="http://schemas.openxmlformats.org/presentationml/2006/main" xmlns:m="http://schemas.openxmlformats.org/officeDocument/2006/math" xmlns:a14="http://schemas.microsoft.com/office/drawing/2010/main" type="tx" showMasterSp="1" showMasterPhAnim="1">
+<p:sldLayout xmlns:a="http://schemas.openxmlformats.org/drawingml/2006/main" xmlns:r="http://schemas.openxmlformats.org/officeDocument/2006/relationships" xmlns:p="http://schemas.openxmlformats.org/presentationml/2006/main" type="tx">
   <p:cSld name="Title and Caption">
     <p:spTree>
       <p:nvGrpSpPr>
@@ -1320,7 +1327,9 @@
       <p:sp>
         <p:nvSpPr>
           <p:cNvPr id="114" name="Title Text"/>
-          <p:cNvSpPr txBox="1"/>
+          <p:cNvSpPr txBox="1">
+            <a:spLocks noGrp="1"/>
+          </p:cNvSpPr>
           <p:nvPr>
             <p:ph type="title"/>
           </p:nvPr>
@@ -1342,7 +1351,6 @@
             </a:lvl1pPr>
           </a:lstStyle>
           <a:p>
-            <a:pPr/>
             <a:r>
               <a:t>Title Text</a:t>
             </a:r>
@@ -1352,7 +1360,9 @@
       <p:sp>
         <p:nvSpPr>
           <p:cNvPr id="115" name="Body Level One…"/>
-          <p:cNvSpPr txBox="1"/>
+          <p:cNvSpPr txBox="1">
+            <a:spLocks noGrp="1"/>
+          </p:cNvSpPr>
           <p:nvPr>
             <p:ph type="body" sz="quarter" idx="1"/>
           </p:nvPr>
@@ -1396,7 +1406,6 @@
             </a:lvl5pPr>
           </a:lstStyle>
           <a:p>
-            <a:pPr/>
             <a:r>
               <a:t>Body Level One</a:t>
             </a:r>
@@ -1430,7 +1439,9 @@
       <p:sp>
         <p:nvSpPr>
           <p:cNvPr id="116" name="Slide Number"/>
-          <p:cNvSpPr txBox="1"/>
+          <p:cNvSpPr txBox="1">
+            <a:spLocks noGrp="1"/>
+          </p:cNvSpPr>
           <p:nvPr>
             <p:ph type="sldNum" sz="quarter" idx="2"/>
           </p:nvPr>
@@ -1444,8 +1455,10 @@
           <a:bodyPr/>
           <a:lstStyle/>
           <a:p>
-            <a:pPr/>
-            <a:fld id="{86CB4B4D-7CA3-9044-876B-883B54F8677D}" type="slidenum"/>
+            <a:fld id="{86CB4B4D-7CA3-9044-876B-883B54F8677D}" type="slidenum">
+              <a:t>‹#›</a:t>
+            </a:fld>
+            <a:endParaRPr/>
           </a:p>
         </p:txBody>
       </p:sp>
@@ -1454,12 +1467,12 @@
   <p:clrMapOvr>
     <a:masterClrMapping/>
   </p:clrMapOvr>
-  <p:transition xmlns:p14="http://schemas.microsoft.com/office/powerpoint/2010/main" spd="med" advClick="1"/>
+  <p:transition spd="med"/>
 </p:sldLayout>
 </file>
 
 <file path=ppt/slideLayouts/slideLayout11.xml><?xml version="1.0" encoding="utf-8"?>
-<p:sldLayout xmlns:a="http://schemas.openxmlformats.org/drawingml/2006/main" xmlns:r="http://schemas.openxmlformats.org/officeDocument/2006/relationships" xmlns:p="http://schemas.openxmlformats.org/presentationml/2006/main" xmlns:m="http://schemas.openxmlformats.org/officeDocument/2006/math" xmlns:a14="http://schemas.microsoft.com/office/drawing/2010/main" type="tx" showMasterSp="1" showMasterPhAnim="1">
+<p:sldLayout xmlns:a="http://schemas.openxmlformats.org/drawingml/2006/main" xmlns:r="http://schemas.openxmlformats.org/officeDocument/2006/relationships" xmlns:p="http://schemas.openxmlformats.org/presentationml/2006/main" type="tx">
   <p:cSld name="Quote with Caption">
     <p:spTree>
       <p:nvGrpSpPr>
@@ -1478,7 +1491,9 @@
       <p:sp>
         <p:nvSpPr>
           <p:cNvPr id="123" name="Title Text"/>
-          <p:cNvSpPr txBox="1"/>
+          <p:cNvSpPr txBox="1">
+            <a:spLocks noGrp="1"/>
+          </p:cNvSpPr>
           <p:nvPr>
             <p:ph type="title"/>
           </p:nvPr>
@@ -1500,7 +1515,6 @@
             </a:lvl1pPr>
           </a:lstStyle>
           <a:p>
-            <a:pPr/>
             <a:r>
               <a:t>Title Text</a:t>
             </a:r>
@@ -1510,7 +1524,9 @@
       <p:sp>
         <p:nvSpPr>
           <p:cNvPr id="124" name="Body Level One…"/>
-          <p:cNvSpPr txBox="1"/>
+          <p:cNvSpPr txBox="1">
+            <a:spLocks noGrp="1"/>
+          </p:cNvSpPr>
           <p:nvPr>
             <p:ph type="body" sz="quarter" idx="1"/>
           </p:nvPr>
@@ -1579,7 +1595,6 @@
             </a:lvl5pPr>
           </a:lstStyle>
           <a:p>
-            <a:pPr/>
             <a:r>
               <a:t>Body Level One</a:t>
             </a:r>
@@ -1613,7 +1628,9 @@
       <p:sp>
         <p:nvSpPr>
           <p:cNvPr id="125" name="Text Placeholder 2"/>
-          <p:cNvSpPr/>
+          <p:cNvSpPr>
+            <a:spLocks noGrp="1"/>
+          </p:cNvSpPr>
           <p:nvPr>
             <p:ph type="body" sz="quarter" idx="13"/>
           </p:nvPr>
@@ -1636,6 +1653,7 @@
               <a:buSzTx/>
               <a:buNone/>
             </a:pPr>
+            <a:endParaRPr/>
           </a:p>
         </p:txBody>
       </p:sp>
@@ -1658,7 +1676,7 @@
           </a:ln>
           <a:extLst>
             <a:ext uri="{C572A759-6A51-4108-AA02-DFA0A04FC94B}">
-              <ma14:wrappingTextBoxFlag xmlns:ma14="http://schemas.microsoft.com/office/mac/drawingml/2011/main" val="1"/>
+              <ma14:wrappingTextBoxFlag xmlns:ma14="http://schemas.microsoft.com/office/mac/drawingml/2011/main" xmlns:a14="http://schemas.microsoft.com/office/drawing/2010/main" xmlns:m="http://schemas.openxmlformats.org/officeDocument/2006/math" xmlns="" val="1"/>
             </a:ext>
           </a:extLst>
         </p:spPr>
@@ -1680,7 +1698,6 @@
             </a:lvl1pPr>
           </a:lstStyle>
           <a:p>
-            <a:pPr/>
             <a:r>
               <a:t>“</a:t>
             </a:r>
@@ -1706,7 +1723,7 @@
           </a:ln>
           <a:extLst>
             <a:ext uri="{C572A759-6A51-4108-AA02-DFA0A04FC94B}">
-              <ma14:wrappingTextBoxFlag xmlns:ma14="http://schemas.microsoft.com/office/mac/drawingml/2011/main" val="1"/>
+              <ma14:wrappingTextBoxFlag xmlns:ma14="http://schemas.microsoft.com/office/mac/drawingml/2011/main" xmlns:a14="http://schemas.microsoft.com/office/drawing/2010/main" xmlns:m="http://schemas.openxmlformats.org/officeDocument/2006/math" xmlns="" val="1"/>
             </a:ext>
           </a:extLst>
         </p:spPr>
@@ -1728,7 +1745,6 @@
             </a:lvl1pPr>
           </a:lstStyle>
           <a:p>
-            <a:pPr/>
             <a:r>
               <a:t>”</a:t>
             </a:r>
@@ -1738,7 +1754,9 @@
       <p:sp>
         <p:nvSpPr>
           <p:cNvPr id="128" name="Slide Number"/>
-          <p:cNvSpPr txBox="1"/>
+          <p:cNvSpPr txBox="1">
+            <a:spLocks noGrp="1"/>
+          </p:cNvSpPr>
           <p:nvPr>
             <p:ph type="sldNum" sz="quarter" idx="2"/>
           </p:nvPr>
@@ -1752,8 +1770,10 @@
           <a:bodyPr/>
           <a:lstStyle/>
           <a:p>
-            <a:pPr/>
-            <a:fld id="{86CB4B4D-7CA3-9044-876B-883B54F8677D}" type="slidenum"/>
+            <a:fld id="{86CB4B4D-7CA3-9044-876B-883B54F8677D}" type="slidenum">
+              <a:t>‹#›</a:t>
+            </a:fld>
+            <a:endParaRPr/>
           </a:p>
         </p:txBody>
       </p:sp>
@@ -1762,12 +1782,12 @@
   <p:clrMapOvr>
     <a:masterClrMapping/>
   </p:clrMapOvr>
-  <p:transition xmlns:p14="http://schemas.microsoft.com/office/powerpoint/2010/main" spd="med" advClick="1"/>
+  <p:transition spd="med"/>
 </p:sldLayout>
 </file>
 
 <file path=ppt/slideLayouts/slideLayout12.xml><?xml version="1.0" encoding="utf-8"?>
-<p:sldLayout xmlns:a="http://schemas.openxmlformats.org/drawingml/2006/main" xmlns:r="http://schemas.openxmlformats.org/officeDocument/2006/relationships" xmlns:p="http://schemas.openxmlformats.org/presentationml/2006/main" xmlns:m="http://schemas.openxmlformats.org/officeDocument/2006/math" xmlns:a14="http://schemas.microsoft.com/office/drawing/2010/main" type="tx" showMasterSp="1" showMasterPhAnim="1">
+<p:sldLayout xmlns:a="http://schemas.openxmlformats.org/drawingml/2006/main" xmlns:r="http://schemas.openxmlformats.org/officeDocument/2006/relationships" xmlns:p="http://schemas.openxmlformats.org/presentationml/2006/main" type="tx">
   <p:cSld name="Name Card">
     <p:spTree>
       <p:nvGrpSpPr>
@@ -1786,7 +1806,9 @@
       <p:sp>
         <p:nvSpPr>
           <p:cNvPr id="135" name="Title Text"/>
-          <p:cNvSpPr txBox="1"/>
+          <p:cNvSpPr txBox="1">
+            <a:spLocks noGrp="1"/>
+          </p:cNvSpPr>
           <p:nvPr>
             <p:ph type="title"/>
           </p:nvPr>
@@ -1808,7 +1830,6 @@
             </a:lvl1pPr>
           </a:lstStyle>
           <a:p>
-            <a:pPr/>
             <a:r>
               <a:t>Title Text</a:t>
             </a:r>
@@ -1818,7 +1839,9 @@
       <p:sp>
         <p:nvSpPr>
           <p:cNvPr id="136" name="Body Level One…"/>
-          <p:cNvSpPr txBox="1"/>
+          <p:cNvSpPr txBox="1">
+            <a:spLocks noGrp="1"/>
+          </p:cNvSpPr>
           <p:nvPr>
             <p:ph type="body" sz="quarter" idx="1"/>
           </p:nvPr>
@@ -1862,7 +1885,6 @@
             </a:lvl5pPr>
           </a:lstStyle>
           <a:p>
-            <a:pPr/>
             <a:r>
               <a:t>Body Level One</a:t>
             </a:r>
@@ -1896,7 +1918,9 @@
       <p:sp>
         <p:nvSpPr>
           <p:cNvPr id="137" name="Slide Number"/>
-          <p:cNvSpPr txBox="1"/>
+          <p:cNvSpPr txBox="1">
+            <a:spLocks noGrp="1"/>
+          </p:cNvSpPr>
           <p:nvPr>
             <p:ph type="sldNum" sz="quarter" idx="2"/>
           </p:nvPr>
@@ -1910,8 +1934,10 @@
           <a:bodyPr/>
           <a:lstStyle/>
           <a:p>
-            <a:pPr/>
-            <a:fld id="{86CB4B4D-7CA3-9044-876B-883B54F8677D}" type="slidenum"/>
+            <a:fld id="{86CB4B4D-7CA3-9044-876B-883B54F8677D}" type="slidenum">
+              <a:t>‹#›</a:t>
+            </a:fld>
+            <a:endParaRPr/>
           </a:p>
         </p:txBody>
       </p:sp>
@@ -1920,12 +1946,12 @@
   <p:clrMapOvr>
     <a:masterClrMapping/>
   </p:clrMapOvr>
-  <p:transition xmlns:p14="http://schemas.microsoft.com/office/powerpoint/2010/main" spd="med" advClick="1"/>
+  <p:transition spd="med"/>
 </p:sldLayout>
 </file>
 
 <file path=ppt/slideLayouts/slideLayout13.xml><?xml version="1.0" encoding="utf-8"?>
-<p:sldLayout xmlns:a="http://schemas.openxmlformats.org/drawingml/2006/main" xmlns:r="http://schemas.openxmlformats.org/officeDocument/2006/relationships" xmlns:p="http://schemas.openxmlformats.org/presentationml/2006/main" xmlns:m="http://schemas.openxmlformats.org/officeDocument/2006/math" xmlns:a14="http://schemas.microsoft.com/office/drawing/2010/main" type="tx" showMasterSp="1" showMasterPhAnim="1">
+<p:sldLayout xmlns:a="http://schemas.openxmlformats.org/drawingml/2006/main" xmlns:r="http://schemas.openxmlformats.org/officeDocument/2006/relationships" xmlns:p="http://schemas.openxmlformats.org/presentationml/2006/main" type="tx">
   <p:cSld name="Quote Name Card">
     <p:spTree>
       <p:nvGrpSpPr>
@@ -1944,7 +1970,9 @@
       <p:sp>
         <p:nvSpPr>
           <p:cNvPr id="144" name="Title Text"/>
-          <p:cNvSpPr txBox="1"/>
+          <p:cNvSpPr txBox="1">
+            <a:spLocks noGrp="1"/>
+          </p:cNvSpPr>
           <p:nvPr>
             <p:ph type="title"/>
           </p:nvPr>
@@ -1966,7 +1994,6 @@
             </a:lvl1pPr>
           </a:lstStyle>
           <a:p>
-            <a:pPr/>
             <a:r>
               <a:t>Title Text</a:t>
             </a:r>
@@ -1976,7 +2003,9 @@
       <p:sp>
         <p:nvSpPr>
           <p:cNvPr id="145" name="Body Level One…"/>
-          <p:cNvSpPr txBox="1"/>
+          <p:cNvSpPr txBox="1">
+            <a:spLocks noGrp="1"/>
+          </p:cNvSpPr>
           <p:nvPr>
             <p:ph type="body" sz="quarter" idx="1"/>
           </p:nvPr>
@@ -2025,7 +2054,6 @@
             </a:lvl5pPr>
           </a:lstStyle>
           <a:p>
-            <a:pPr/>
             <a:r>
               <a:t>Body Level One</a:t>
             </a:r>
@@ -2059,7 +2087,9 @@
       <p:sp>
         <p:nvSpPr>
           <p:cNvPr id="146" name="Text Placeholder 2"/>
-          <p:cNvSpPr/>
+          <p:cNvSpPr>
+            <a:spLocks noGrp="1"/>
+          </p:cNvSpPr>
           <p:nvPr>
             <p:ph type="body" sz="quarter" idx="13"/>
           </p:nvPr>
@@ -2087,6 +2117,7 @@
                 </a:solidFill>
               </a:defRPr>
             </a:pPr>
+            <a:endParaRPr/>
           </a:p>
         </p:txBody>
       </p:sp>
@@ -2109,7 +2140,7 @@
           </a:ln>
           <a:extLst>
             <a:ext uri="{C572A759-6A51-4108-AA02-DFA0A04FC94B}">
-              <ma14:wrappingTextBoxFlag xmlns:ma14="http://schemas.microsoft.com/office/mac/drawingml/2011/main" val="1"/>
+              <ma14:wrappingTextBoxFlag xmlns:ma14="http://schemas.microsoft.com/office/mac/drawingml/2011/main" xmlns:a14="http://schemas.microsoft.com/office/drawing/2010/main" xmlns:m="http://schemas.openxmlformats.org/officeDocument/2006/math" xmlns="" val="1"/>
             </a:ext>
           </a:extLst>
         </p:spPr>
@@ -2131,7 +2162,6 @@
             </a:lvl1pPr>
           </a:lstStyle>
           <a:p>
-            <a:pPr/>
             <a:r>
               <a:t>“</a:t>
             </a:r>
@@ -2157,7 +2187,7 @@
           </a:ln>
           <a:extLst>
             <a:ext uri="{C572A759-6A51-4108-AA02-DFA0A04FC94B}">
-              <ma14:wrappingTextBoxFlag xmlns:ma14="http://schemas.microsoft.com/office/mac/drawingml/2011/main" val="1"/>
+              <ma14:wrappingTextBoxFlag xmlns:ma14="http://schemas.microsoft.com/office/mac/drawingml/2011/main" xmlns:a14="http://schemas.microsoft.com/office/drawing/2010/main" xmlns:m="http://schemas.openxmlformats.org/officeDocument/2006/math" xmlns="" val="1"/>
             </a:ext>
           </a:extLst>
         </p:spPr>
@@ -2179,7 +2209,6 @@
             </a:lvl1pPr>
           </a:lstStyle>
           <a:p>
-            <a:pPr/>
             <a:r>
               <a:t>”</a:t>
             </a:r>
@@ -2189,7 +2218,9 @@
       <p:sp>
         <p:nvSpPr>
           <p:cNvPr id="149" name="Slide Number"/>
-          <p:cNvSpPr txBox="1"/>
+          <p:cNvSpPr txBox="1">
+            <a:spLocks noGrp="1"/>
+          </p:cNvSpPr>
           <p:nvPr>
             <p:ph type="sldNum" sz="quarter" idx="2"/>
           </p:nvPr>
@@ -2203,8 +2234,10 @@
           <a:bodyPr/>
           <a:lstStyle/>
           <a:p>
-            <a:pPr/>
-            <a:fld id="{86CB4B4D-7CA3-9044-876B-883B54F8677D}" type="slidenum"/>
+            <a:fld id="{86CB4B4D-7CA3-9044-876B-883B54F8677D}" type="slidenum">
+              <a:t>‹#›</a:t>
+            </a:fld>
+            <a:endParaRPr/>
           </a:p>
         </p:txBody>
       </p:sp>
@@ -2213,12 +2246,12 @@
   <p:clrMapOvr>
     <a:masterClrMapping/>
   </p:clrMapOvr>
-  <p:transition xmlns:p14="http://schemas.microsoft.com/office/powerpoint/2010/main" spd="med" advClick="1"/>
+  <p:transition spd="med"/>
 </p:sldLayout>
 </file>
 
 <file path=ppt/slideLayouts/slideLayout14.xml><?xml version="1.0" encoding="utf-8"?>
-<p:sldLayout xmlns:a="http://schemas.openxmlformats.org/drawingml/2006/main" xmlns:r="http://schemas.openxmlformats.org/officeDocument/2006/relationships" xmlns:p="http://schemas.openxmlformats.org/presentationml/2006/main" xmlns:m="http://schemas.openxmlformats.org/officeDocument/2006/math" xmlns:a14="http://schemas.microsoft.com/office/drawing/2010/main" type="tx" showMasterSp="1" showMasterPhAnim="1">
+<p:sldLayout xmlns:a="http://schemas.openxmlformats.org/drawingml/2006/main" xmlns:r="http://schemas.openxmlformats.org/officeDocument/2006/relationships" xmlns:p="http://schemas.openxmlformats.org/presentationml/2006/main" type="tx">
   <p:cSld name="True or False">
     <p:spTree>
       <p:nvGrpSpPr>
@@ -2237,7 +2270,9 @@
       <p:sp>
         <p:nvSpPr>
           <p:cNvPr id="156" name="Title Text"/>
-          <p:cNvSpPr txBox="1"/>
+          <p:cNvSpPr txBox="1">
+            <a:spLocks noGrp="1"/>
+          </p:cNvSpPr>
           <p:nvPr>
             <p:ph type="title"/>
           </p:nvPr>
@@ -2259,7 +2294,6 @@
             </a:lvl1pPr>
           </a:lstStyle>
           <a:p>
-            <a:pPr/>
             <a:r>
               <a:t>Title Text</a:t>
             </a:r>
@@ -2269,7 +2303,9 @@
       <p:sp>
         <p:nvSpPr>
           <p:cNvPr id="157" name="Body Level One…"/>
-          <p:cNvSpPr txBox="1"/>
+          <p:cNvSpPr txBox="1">
+            <a:spLocks noGrp="1"/>
+          </p:cNvSpPr>
           <p:nvPr>
             <p:ph type="body" sz="quarter" idx="1"/>
           </p:nvPr>
@@ -2338,7 +2374,6 @@
             </a:lvl5pPr>
           </a:lstStyle>
           <a:p>
-            <a:pPr/>
             <a:r>
               <a:t>Body Level One</a:t>
             </a:r>
@@ -2372,7 +2407,9 @@
       <p:sp>
         <p:nvSpPr>
           <p:cNvPr id="158" name="Text Placeholder 2"/>
-          <p:cNvSpPr/>
+          <p:cNvSpPr>
+            <a:spLocks noGrp="1"/>
+          </p:cNvSpPr>
           <p:nvPr>
             <p:ph type="body" sz="quarter" idx="13"/>
           </p:nvPr>
@@ -2400,13 +2437,16 @@
                 </a:solidFill>
               </a:defRPr>
             </a:pPr>
+            <a:endParaRPr/>
           </a:p>
         </p:txBody>
       </p:sp>
       <p:sp>
         <p:nvSpPr>
           <p:cNvPr id="159" name="Slide Number"/>
-          <p:cNvSpPr txBox="1"/>
+          <p:cNvSpPr txBox="1">
+            <a:spLocks noGrp="1"/>
+          </p:cNvSpPr>
           <p:nvPr>
             <p:ph type="sldNum" sz="quarter" idx="2"/>
           </p:nvPr>
@@ -2420,8 +2460,10 @@
           <a:bodyPr/>
           <a:lstStyle/>
           <a:p>
-            <a:pPr/>
-            <a:fld id="{86CB4B4D-7CA3-9044-876B-883B54F8677D}" type="slidenum"/>
+            <a:fld id="{86CB4B4D-7CA3-9044-876B-883B54F8677D}" type="slidenum">
+              <a:t>‹#›</a:t>
+            </a:fld>
+            <a:endParaRPr/>
           </a:p>
         </p:txBody>
       </p:sp>
@@ -2430,12 +2472,12 @@
   <p:clrMapOvr>
     <a:masterClrMapping/>
   </p:clrMapOvr>
-  <p:transition xmlns:p14="http://schemas.microsoft.com/office/powerpoint/2010/main" spd="med" advClick="1"/>
+  <p:transition spd="med"/>
 </p:sldLayout>
 </file>
 
 <file path=ppt/slideLayouts/slideLayout15.xml><?xml version="1.0" encoding="utf-8"?>
-<p:sldLayout xmlns:a="http://schemas.openxmlformats.org/drawingml/2006/main" xmlns:r="http://schemas.openxmlformats.org/officeDocument/2006/relationships" xmlns:p="http://schemas.openxmlformats.org/presentationml/2006/main" xmlns:m="http://schemas.openxmlformats.org/officeDocument/2006/math" xmlns:a14="http://schemas.microsoft.com/office/drawing/2010/main" type="tx" showMasterSp="1" showMasterPhAnim="1">
+<p:sldLayout xmlns:a="http://schemas.openxmlformats.org/drawingml/2006/main" xmlns:r="http://schemas.openxmlformats.org/officeDocument/2006/relationships" xmlns:p="http://schemas.openxmlformats.org/presentationml/2006/main" type="tx">
   <p:cSld name="Title and Vertical Text">
     <p:spTree>
       <p:nvGrpSpPr>
@@ -2454,7 +2496,9 @@
       <p:sp>
         <p:nvSpPr>
           <p:cNvPr id="166" name="Title Text"/>
-          <p:cNvSpPr txBox="1"/>
+          <p:cNvSpPr txBox="1">
+            <a:spLocks noGrp="1"/>
+          </p:cNvSpPr>
           <p:nvPr>
             <p:ph type="title"/>
           </p:nvPr>
@@ -2472,7 +2516,6 @@
           <a:bodyPr/>
           <a:lstStyle/>
           <a:p>
-            <a:pPr/>
             <a:r>
               <a:t>Title Text</a:t>
             </a:r>
@@ -2482,7 +2525,9 @@
       <p:sp>
         <p:nvSpPr>
           <p:cNvPr id="167" name="Body Level One…"/>
-          <p:cNvSpPr txBox="1"/>
+          <p:cNvSpPr txBox="1">
+            <a:spLocks noGrp="1"/>
+          </p:cNvSpPr>
           <p:nvPr>
             <p:ph type="body" sz="half" idx="1"/>
           </p:nvPr>
@@ -2500,7 +2545,6 @@
           <a:bodyPr/>
           <a:lstStyle/>
           <a:p>
-            <a:pPr/>
             <a:r>
               <a:t>Body Level One</a:t>
             </a:r>
@@ -2534,7 +2578,9 @@
       <p:sp>
         <p:nvSpPr>
           <p:cNvPr id="168" name="Slide Number"/>
-          <p:cNvSpPr txBox="1"/>
+          <p:cNvSpPr txBox="1">
+            <a:spLocks noGrp="1"/>
+          </p:cNvSpPr>
           <p:nvPr>
             <p:ph type="sldNum" sz="quarter" idx="2"/>
           </p:nvPr>
@@ -2548,8 +2594,10 @@
           <a:bodyPr/>
           <a:lstStyle/>
           <a:p>
-            <a:pPr/>
-            <a:fld id="{86CB4B4D-7CA3-9044-876B-883B54F8677D}" type="slidenum"/>
+            <a:fld id="{86CB4B4D-7CA3-9044-876B-883B54F8677D}" type="slidenum">
+              <a:t>‹#›</a:t>
+            </a:fld>
+            <a:endParaRPr/>
           </a:p>
         </p:txBody>
       </p:sp>
@@ -2558,12 +2606,12 @@
   <p:clrMapOvr>
     <a:masterClrMapping/>
   </p:clrMapOvr>
-  <p:transition xmlns:p14="http://schemas.microsoft.com/office/powerpoint/2010/main" spd="med" advClick="1"/>
+  <p:transition spd="med"/>
 </p:sldLayout>
 </file>
 
 <file path=ppt/slideLayouts/slideLayout16.xml><?xml version="1.0" encoding="utf-8"?>
-<p:sldLayout xmlns:a="http://schemas.openxmlformats.org/drawingml/2006/main" xmlns:r="http://schemas.openxmlformats.org/officeDocument/2006/relationships" xmlns:p="http://schemas.openxmlformats.org/presentationml/2006/main" xmlns:m="http://schemas.openxmlformats.org/officeDocument/2006/math" xmlns:a14="http://schemas.microsoft.com/office/drawing/2010/main" type="tx" showMasterSp="1" showMasterPhAnim="1">
+<p:sldLayout xmlns:a="http://schemas.openxmlformats.org/drawingml/2006/main" xmlns:r="http://schemas.openxmlformats.org/officeDocument/2006/relationships" xmlns:p="http://schemas.openxmlformats.org/presentationml/2006/main" type="tx">
   <p:cSld name="Vertical Title and Text">
     <p:spTree>
       <p:nvGrpSpPr>
@@ -2582,7 +2630,9 @@
       <p:sp>
         <p:nvSpPr>
           <p:cNvPr id="175" name="Title Text"/>
-          <p:cNvSpPr txBox="1"/>
+          <p:cNvSpPr txBox="1">
+            <a:spLocks noGrp="1"/>
+          </p:cNvSpPr>
           <p:nvPr>
             <p:ph type="title"/>
           </p:nvPr>
@@ -2600,7 +2650,6 @@
           <a:bodyPr anchor="ctr"/>
           <a:lstStyle/>
           <a:p>
-            <a:pPr/>
             <a:r>
               <a:t>Title Text</a:t>
             </a:r>
@@ -2610,7 +2659,9 @@
       <p:sp>
         <p:nvSpPr>
           <p:cNvPr id="176" name="Body Level One…"/>
-          <p:cNvSpPr txBox="1"/>
+          <p:cNvSpPr txBox="1">
+            <a:spLocks noGrp="1"/>
+          </p:cNvSpPr>
           <p:nvPr>
             <p:ph type="body" idx="1"/>
           </p:nvPr>
@@ -2628,7 +2679,6 @@
           <a:bodyPr/>
           <a:lstStyle/>
           <a:p>
-            <a:pPr/>
             <a:r>
               <a:t>Body Level One</a:t>
             </a:r>
@@ -2662,7 +2712,9 @@
       <p:sp>
         <p:nvSpPr>
           <p:cNvPr id="177" name="Slide Number"/>
-          <p:cNvSpPr txBox="1"/>
+          <p:cNvSpPr txBox="1">
+            <a:spLocks noGrp="1"/>
+          </p:cNvSpPr>
           <p:nvPr>
             <p:ph type="sldNum" sz="quarter" idx="2"/>
           </p:nvPr>
@@ -2676,8 +2728,10 @@
           <a:bodyPr/>
           <a:lstStyle/>
           <a:p>
-            <a:pPr/>
-            <a:fld id="{86CB4B4D-7CA3-9044-876B-883B54F8677D}" type="slidenum"/>
+            <a:fld id="{86CB4B4D-7CA3-9044-876B-883B54F8677D}" type="slidenum">
+              <a:t>‹#›</a:t>
+            </a:fld>
+            <a:endParaRPr/>
           </a:p>
         </p:txBody>
       </p:sp>
@@ -2686,12 +2740,12 @@
   <p:clrMapOvr>
     <a:masterClrMapping/>
   </p:clrMapOvr>
-  <p:transition xmlns:p14="http://schemas.microsoft.com/office/powerpoint/2010/main" spd="med" advClick="1"/>
+  <p:transition spd="med"/>
 </p:sldLayout>
 </file>
 
 <file path=ppt/slideLayouts/slideLayout2.xml><?xml version="1.0" encoding="utf-8"?>
-<p:sldLayout xmlns:a="http://schemas.openxmlformats.org/drawingml/2006/main" xmlns:r="http://schemas.openxmlformats.org/officeDocument/2006/relationships" xmlns:p="http://schemas.openxmlformats.org/presentationml/2006/main" xmlns:m="http://schemas.openxmlformats.org/officeDocument/2006/math" xmlns:a14="http://schemas.microsoft.com/office/drawing/2010/main" type="tx" showMasterSp="1" showMasterPhAnim="1">
+<p:sldLayout xmlns:a="http://schemas.openxmlformats.org/drawingml/2006/main" xmlns:r="http://schemas.openxmlformats.org/officeDocument/2006/relationships" xmlns:p="http://schemas.openxmlformats.org/presentationml/2006/main" type="tx">
   <p:cSld name="Title and Content">
     <p:spTree>
       <p:nvGrpSpPr>
@@ -2710,7 +2764,9 @@
       <p:sp>
         <p:nvSpPr>
           <p:cNvPr id="42" name="Title Text"/>
-          <p:cNvSpPr txBox="1"/>
+          <p:cNvSpPr txBox="1">
+            <a:spLocks noGrp="1"/>
+          </p:cNvSpPr>
           <p:nvPr>
             <p:ph type="title"/>
           </p:nvPr>
@@ -2728,7 +2784,6 @@
           <a:bodyPr/>
           <a:lstStyle/>
           <a:p>
-            <a:pPr/>
             <a:r>
               <a:t>Title Text</a:t>
             </a:r>
@@ -2738,7 +2793,9 @@
       <p:sp>
         <p:nvSpPr>
           <p:cNvPr id="43" name="Body Level One…"/>
-          <p:cNvSpPr txBox="1"/>
+          <p:cNvSpPr txBox="1">
+            <a:spLocks noGrp="1"/>
+          </p:cNvSpPr>
           <p:nvPr>
             <p:ph type="body" sz="half" idx="1"/>
           </p:nvPr>
@@ -2756,7 +2813,6 @@
           <a:bodyPr/>
           <a:lstStyle/>
           <a:p>
-            <a:pPr/>
             <a:r>
               <a:t>Body Level One</a:t>
             </a:r>
@@ -2790,7 +2846,9 @@
       <p:sp>
         <p:nvSpPr>
           <p:cNvPr id="44" name="Slide Number"/>
-          <p:cNvSpPr txBox="1"/>
+          <p:cNvSpPr txBox="1">
+            <a:spLocks noGrp="1"/>
+          </p:cNvSpPr>
           <p:nvPr>
             <p:ph type="sldNum" sz="quarter" idx="2"/>
           </p:nvPr>
@@ -2804,8 +2862,10 @@
           <a:bodyPr/>
           <a:lstStyle/>
           <a:p>
-            <a:pPr/>
-            <a:fld id="{86CB4B4D-7CA3-9044-876B-883B54F8677D}" type="slidenum"/>
+            <a:fld id="{86CB4B4D-7CA3-9044-876B-883B54F8677D}" type="slidenum">
+              <a:t>‹#›</a:t>
+            </a:fld>
+            <a:endParaRPr/>
           </a:p>
         </p:txBody>
       </p:sp>
@@ -2814,12 +2874,12 @@
   <p:clrMapOvr>
     <a:masterClrMapping/>
   </p:clrMapOvr>
-  <p:transition xmlns:p14="http://schemas.microsoft.com/office/powerpoint/2010/main" spd="med" advClick="1"/>
+  <p:transition spd="med"/>
 </p:sldLayout>
 </file>
 
 <file path=ppt/slideLayouts/slideLayout3.xml><?xml version="1.0" encoding="utf-8"?>
-<p:sldLayout xmlns:a="http://schemas.openxmlformats.org/drawingml/2006/main" xmlns:r="http://schemas.openxmlformats.org/officeDocument/2006/relationships" xmlns:p="http://schemas.openxmlformats.org/presentationml/2006/main" xmlns:m="http://schemas.openxmlformats.org/officeDocument/2006/math" xmlns:a14="http://schemas.microsoft.com/office/drawing/2010/main" type="tx" showMasterSp="1" showMasterPhAnim="1">
+<p:sldLayout xmlns:a="http://schemas.openxmlformats.org/drawingml/2006/main" xmlns:r="http://schemas.openxmlformats.org/officeDocument/2006/relationships" xmlns:p="http://schemas.openxmlformats.org/presentationml/2006/main" type="tx">
   <p:cSld name="Section Header">
     <p:spTree>
       <p:nvGrpSpPr>
@@ -2838,7 +2898,9 @@
       <p:sp>
         <p:nvSpPr>
           <p:cNvPr id="51" name="Title Text"/>
-          <p:cNvSpPr txBox="1"/>
+          <p:cNvSpPr txBox="1">
+            <a:spLocks noGrp="1"/>
+          </p:cNvSpPr>
           <p:nvPr>
             <p:ph type="title"/>
           </p:nvPr>
@@ -2860,7 +2922,6 @@
             </a:lvl1pPr>
           </a:lstStyle>
           <a:p>
-            <a:pPr/>
             <a:r>
               <a:t>Title Text</a:t>
             </a:r>
@@ -2870,7 +2931,9 @@
       <p:sp>
         <p:nvSpPr>
           <p:cNvPr id="52" name="Body Level One…"/>
-          <p:cNvSpPr txBox="1"/>
+          <p:cNvSpPr txBox="1">
+            <a:spLocks noGrp="1"/>
+          </p:cNvSpPr>
           <p:nvPr>
             <p:ph type="body" sz="quarter" idx="1"/>
           </p:nvPr>
@@ -2939,7 +3002,6 @@
             </a:lvl5pPr>
           </a:lstStyle>
           <a:p>
-            <a:pPr/>
             <a:r>
               <a:t>Body Level One</a:t>
             </a:r>
@@ -2973,7 +3035,9 @@
       <p:sp>
         <p:nvSpPr>
           <p:cNvPr id="53" name="Slide Number"/>
-          <p:cNvSpPr txBox="1"/>
+          <p:cNvSpPr txBox="1">
+            <a:spLocks noGrp="1"/>
+          </p:cNvSpPr>
           <p:nvPr>
             <p:ph type="sldNum" sz="quarter" idx="2"/>
           </p:nvPr>
@@ -2987,8 +3051,10 @@
           <a:bodyPr/>
           <a:lstStyle/>
           <a:p>
-            <a:pPr/>
-            <a:fld id="{86CB4B4D-7CA3-9044-876B-883B54F8677D}" type="slidenum"/>
+            <a:fld id="{86CB4B4D-7CA3-9044-876B-883B54F8677D}" type="slidenum">
+              <a:t>‹#›</a:t>
+            </a:fld>
+            <a:endParaRPr/>
           </a:p>
         </p:txBody>
       </p:sp>
@@ -2997,12 +3063,12 @@
   <p:clrMapOvr>
     <a:masterClrMapping/>
   </p:clrMapOvr>
-  <p:transition xmlns:p14="http://schemas.microsoft.com/office/powerpoint/2010/main" spd="med" advClick="1"/>
+  <p:transition spd="med"/>
 </p:sldLayout>
 </file>
 
 <file path=ppt/slideLayouts/slideLayout4.xml><?xml version="1.0" encoding="utf-8"?>
-<p:sldLayout xmlns:a="http://schemas.openxmlformats.org/drawingml/2006/main" xmlns:r="http://schemas.openxmlformats.org/officeDocument/2006/relationships" xmlns:p="http://schemas.openxmlformats.org/presentationml/2006/main" xmlns:m="http://schemas.openxmlformats.org/officeDocument/2006/math" xmlns:a14="http://schemas.microsoft.com/office/drawing/2010/main" type="tx" showMasterSp="1" showMasterPhAnim="1">
+<p:sldLayout xmlns:a="http://schemas.openxmlformats.org/drawingml/2006/main" xmlns:r="http://schemas.openxmlformats.org/officeDocument/2006/relationships" xmlns:p="http://schemas.openxmlformats.org/presentationml/2006/main" type="tx">
   <p:cSld name="Two Content">
     <p:spTree>
       <p:nvGrpSpPr>
@@ -3021,7 +3087,9 @@
       <p:sp>
         <p:nvSpPr>
           <p:cNvPr id="60" name="Title Text"/>
-          <p:cNvSpPr txBox="1"/>
+          <p:cNvSpPr txBox="1">
+            <a:spLocks noGrp="1"/>
+          </p:cNvSpPr>
           <p:nvPr>
             <p:ph type="title"/>
           </p:nvPr>
@@ -3039,7 +3107,6 @@
           <a:bodyPr/>
           <a:lstStyle/>
           <a:p>
-            <a:pPr/>
             <a:r>
               <a:t>Title Text</a:t>
             </a:r>
@@ -3049,7 +3116,9 @@
       <p:sp>
         <p:nvSpPr>
           <p:cNvPr id="61" name="Body Level One…"/>
-          <p:cNvSpPr txBox="1"/>
+          <p:cNvSpPr txBox="1">
+            <a:spLocks noGrp="1"/>
+          </p:cNvSpPr>
           <p:nvPr>
             <p:ph type="body" sz="quarter" idx="1"/>
           </p:nvPr>
@@ -3067,7 +3136,6 @@
           <a:bodyPr/>
           <a:lstStyle/>
           <a:p>
-            <a:pPr/>
             <a:r>
               <a:t>Body Level One</a:t>
             </a:r>
@@ -3101,7 +3169,9 @@
       <p:sp>
         <p:nvSpPr>
           <p:cNvPr id="62" name="Slide Number"/>
-          <p:cNvSpPr txBox="1"/>
+          <p:cNvSpPr txBox="1">
+            <a:spLocks noGrp="1"/>
+          </p:cNvSpPr>
           <p:nvPr>
             <p:ph type="sldNum" sz="quarter" idx="2"/>
           </p:nvPr>
@@ -3115,8 +3185,10 @@
           <a:bodyPr/>
           <a:lstStyle/>
           <a:p>
-            <a:pPr/>
-            <a:fld id="{86CB4B4D-7CA3-9044-876B-883B54F8677D}" type="slidenum"/>
+            <a:fld id="{86CB4B4D-7CA3-9044-876B-883B54F8677D}" type="slidenum">
+              <a:t>‹#›</a:t>
+            </a:fld>
+            <a:endParaRPr/>
           </a:p>
         </p:txBody>
       </p:sp>
@@ -3125,12 +3197,12 @@
   <p:clrMapOvr>
     <a:masterClrMapping/>
   </p:clrMapOvr>
-  <p:transition xmlns:p14="http://schemas.microsoft.com/office/powerpoint/2010/main" spd="med" advClick="1"/>
+  <p:transition spd="med"/>
 </p:sldLayout>
 </file>
 
 <file path=ppt/slideLayouts/slideLayout5.xml><?xml version="1.0" encoding="utf-8"?>
-<p:sldLayout xmlns:a="http://schemas.openxmlformats.org/drawingml/2006/main" xmlns:r="http://schemas.openxmlformats.org/officeDocument/2006/relationships" xmlns:p="http://schemas.openxmlformats.org/presentationml/2006/main" xmlns:m="http://schemas.openxmlformats.org/officeDocument/2006/math" xmlns:a14="http://schemas.microsoft.com/office/drawing/2010/main" type="tx" showMasterSp="1" showMasterPhAnim="1">
+<p:sldLayout xmlns:a="http://schemas.openxmlformats.org/drawingml/2006/main" xmlns:r="http://schemas.openxmlformats.org/officeDocument/2006/relationships" xmlns:p="http://schemas.openxmlformats.org/presentationml/2006/main" type="tx">
   <p:cSld name="Comparison">
     <p:spTree>
       <p:nvGrpSpPr>
@@ -3149,7 +3221,9 @@
       <p:sp>
         <p:nvSpPr>
           <p:cNvPr id="69" name="Title Text"/>
-          <p:cNvSpPr txBox="1"/>
+          <p:cNvSpPr txBox="1">
+            <a:spLocks noGrp="1"/>
+          </p:cNvSpPr>
           <p:nvPr>
             <p:ph type="title"/>
           </p:nvPr>
@@ -3167,7 +3241,6 @@
           <a:bodyPr/>
           <a:lstStyle/>
           <a:p>
-            <a:pPr/>
             <a:r>
               <a:t>Title Text</a:t>
             </a:r>
@@ -3177,7 +3250,9 @@
       <p:sp>
         <p:nvSpPr>
           <p:cNvPr id="70" name="Body Level One…"/>
-          <p:cNvSpPr txBox="1"/>
+          <p:cNvSpPr txBox="1">
+            <a:spLocks noGrp="1"/>
+          </p:cNvSpPr>
           <p:nvPr>
             <p:ph type="body" sz="quarter" idx="1"/>
           </p:nvPr>
@@ -3226,7 +3301,6 @@
             </a:lvl5pPr>
           </a:lstStyle>
           <a:p>
-            <a:pPr/>
             <a:r>
               <a:t>Body Level One</a:t>
             </a:r>
@@ -3260,7 +3334,9 @@
       <p:sp>
         <p:nvSpPr>
           <p:cNvPr id="71" name="Text Placeholder 4"/>
-          <p:cNvSpPr/>
+          <p:cNvSpPr>
+            <a:spLocks noGrp="1"/>
+          </p:cNvSpPr>
           <p:nvPr>
             <p:ph type="body" sz="quarter" idx="13"/>
           </p:nvPr>
@@ -3284,13 +3360,16 @@
               <a:buNone/>
               <a:defRPr sz="2400"/>
             </a:pPr>
+            <a:endParaRPr/>
           </a:p>
         </p:txBody>
       </p:sp>
       <p:sp>
         <p:nvSpPr>
           <p:cNvPr id="72" name="Slide Number"/>
-          <p:cNvSpPr txBox="1"/>
+          <p:cNvSpPr txBox="1">
+            <a:spLocks noGrp="1"/>
+          </p:cNvSpPr>
           <p:nvPr>
             <p:ph type="sldNum" sz="quarter" idx="2"/>
           </p:nvPr>
@@ -3304,8 +3383,10 @@
           <a:bodyPr/>
           <a:lstStyle/>
           <a:p>
-            <a:pPr/>
-            <a:fld id="{86CB4B4D-7CA3-9044-876B-883B54F8677D}" type="slidenum"/>
+            <a:fld id="{86CB4B4D-7CA3-9044-876B-883B54F8677D}" type="slidenum">
+              <a:t>‹#›</a:t>
+            </a:fld>
+            <a:endParaRPr/>
           </a:p>
         </p:txBody>
       </p:sp>
@@ -3314,12 +3395,12 @@
   <p:clrMapOvr>
     <a:masterClrMapping/>
   </p:clrMapOvr>
-  <p:transition xmlns:p14="http://schemas.microsoft.com/office/powerpoint/2010/main" spd="med" advClick="1"/>
+  <p:transition spd="med"/>
 </p:sldLayout>
 </file>
 
 <file path=ppt/slideLayouts/slideLayout6.xml><?xml version="1.0" encoding="utf-8"?>
-<p:sldLayout xmlns:a="http://schemas.openxmlformats.org/drawingml/2006/main" xmlns:r="http://schemas.openxmlformats.org/officeDocument/2006/relationships" xmlns:p="http://schemas.openxmlformats.org/presentationml/2006/main" xmlns:m="http://schemas.openxmlformats.org/officeDocument/2006/math" xmlns:a14="http://schemas.microsoft.com/office/drawing/2010/main" type="tx" showMasterSp="1" showMasterPhAnim="1">
+<p:sldLayout xmlns:a="http://schemas.openxmlformats.org/drawingml/2006/main" xmlns:r="http://schemas.openxmlformats.org/officeDocument/2006/relationships" xmlns:p="http://schemas.openxmlformats.org/presentationml/2006/main" type="tx">
   <p:cSld name="Title Only">
     <p:spTree>
       <p:nvGrpSpPr>
@@ -3338,7 +3419,9 @@
       <p:sp>
         <p:nvSpPr>
           <p:cNvPr id="79" name="Title Text"/>
-          <p:cNvSpPr txBox="1"/>
+          <p:cNvSpPr txBox="1">
+            <a:spLocks noGrp="1"/>
+          </p:cNvSpPr>
           <p:nvPr>
             <p:ph type="title"/>
           </p:nvPr>
@@ -3356,7 +3439,6 @@
           <a:bodyPr/>
           <a:lstStyle/>
           <a:p>
-            <a:pPr/>
             <a:r>
               <a:t>Title Text</a:t>
             </a:r>
@@ -3366,7 +3448,9 @@
       <p:sp>
         <p:nvSpPr>
           <p:cNvPr id="80" name="Slide Number"/>
-          <p:cNvSpPr txBox="1"/>
+          <p:cNvSpPr txBox="1">
+            <a:spLocks noGrp="1"/>
+          </p:cNvSpPr>
           <p:nvPr>
             <p:ph type="sldNum" sz="quarter" idx="2"/>
           </p:nvPr>
@@ -3380,8 +3464,10 @@
           <a:bodyPr/>
           <a:lstStyle/>
           <a:p>
-            <a:pPr/>
-            <a:fld id="{86CB4B4D-7CA3-9044-876B-883B54F8677D}" type="slidenum"/>
+            <a:fld id="{86CB4B4D-7CA3-9044-876B-883B54F8677D}" type="slidenum">
+              <a:t>‹#›</a:t>
+            </a:fld>
+            <a:endParaRPr/>
           </a:p>
         </p:txBody>
       </p:sp>
@@ -3390,12 +3476,12 @@
   <p:clrMapOvr>
     <a:masterClrMapping/>
   </p:clrMapOvr>
-  <p:transition xmlns:p14="http://schemas.microsoft.com/office/powerpoint/2010/main" spd="med" advClick="1"/>
+  <p:transition spd="med"/>
 </p:sldLayout>
 </file>
 
 <file path=ppt/slideLayouts/slideLayout7.xml><?xml version="1.0" encoding="utf-8"?>
-<p:sldLayout xmlns:a="http://schemas.openxmlformats.org/drawingml/2006/main" xmlns:r="http://schemas.openxmlformats.org/officeDocument/2006/relationships" xmlns:p="http://schemas.openxmlformats.org/presentationml/2006/main" xmlns:m="http://schemas.openxmlformats.org/officeDocument/2006/math" xmlns:a14="http://schemas.microsoft.com/office/drawing/2010/main" type="tx" showMasterSp="1" showMasterPhAnim="1">
+<p:sldLayout xmlns:a="http://schemas.openxmlformats.org/drawingml/2006/main" xmlns:r="http://schemas.openxmlformats.org/officeDocument/2006/relationships" xmlns:p="http://schemas.openxmlformats.org/presentationml/2006/main" type="tx">
   <p:cSld name="Blank">
     <p:spTree>
       <p:nvGrpSpPr>
@@ -3414,7 +3500,9 @@
       <p:sp>
         <p:nvSpPr>
           <p:cNvPr id="87" name="Slide Number"/>
-          <p:cNvSpPr txBox="1"/>
+          <p:cNvSpPr txBox="1">
+            <a:spLocks noGrp="1"/>
+          </p:cNvSpPr>
           <p:nvPr>
             <p:ph type="sldNum" sz="quarter" idx="2"/>
           </p:nvPr>
@@ -3428,8 +3516,10 @@
           <a:bodyPr/>
           <a:lstStyle/>
           <a:p>
-            <a:pPr/>
-            <a:fld id="{86CB4B4D-7CA3-9044-876B-883B54F8677D}" type="slidenum"/>
+            <a:fld id="{86CB4B4D-7CA3-9044-876B-883B54F8677D}" type="slidenum">
+              <a:t>‹#›</a:t>
+            </a:fld>
+            <a:endParaRPr/>
           </a:p>
         </p:txBody>
       </p:sp>
@@ -3438,12 +3528,12 @@
   <p:clrMapOvr>
     <a:masterClrMapping/>
   </p:clrMapOvr>
-  <p:transition xmlns:p14="http://schemas.microsoft.com/office/powerpoint/2010/main" spd="med" advClick="1"/>
+  <p:transition spd="med"/>
 </p:sldLayout>
 </file>
 
 <file path=ppt/slideLayouts/slideLayout8.xml><?xml version="1.0" encoding="utf-8"?>
-<p:sldLayout xmlns:a="http://schemas.openxmlformats.org/drawingml/2006/main" xmlns:r="http://schemas.openxmlformats.org/officeDocument/2006/relationships" xmlns:p="http://schemas.openxmlformats.org/presentationml/2006/main" xmlns:m="http://schemas.openxmlformats.org/officeDocument/2006/math" xmlns:a14="http://schemas.microsoft.com/office/drawing/2010/main" type="tx" showMasterSp="1" showMasterPhAnim="1">
+<p:sldLayout xmlns:a="http://schemas.openxmlformats.org/drawingml/2006/main" xmlns:r="http://schemas.openxmlformats.org/officeDocument/2006/relationships" xmlns:p="http://schemas.openxmlformats.org/presentationml/2006/main" type="tx">
   <p:cSld name="Content with Caption">
     <p:spTree>
       <p:nvGrpSpPr>
@@ -3462,7 +3552,9 @@
       <p:sp>
         <p:nvSpPr>
           <p:cNvPr id="94" name="Title Text"/>
-          <p:cNvSpPr txBox="1"/>
+          <p:cNvSpPr txBox="1">
+            <a:spLocks noGrp="1"/>
+          </p:cNvSpPr>
           <p:nvPr>
             <p:ph type="title"/>
           </p:nvPr>
@@ -3484,7 +3576,6 @@
             </a:lvl1pPr>
           </a:lstStyle>
           <a:p>
-            <a:pPr/>
             <a:r>
               <a:t>Title Text</a:t>
             </a:r>
@@ -3494,7 +3585,9 @@
       <p:sp>
         <p:nvSpPr>
           <p:cNvPr id="95" name="Body Level One…"/>
-          <p:cNvSpPr txBox="1"/>
+          <p:cNvSpPr txBox="1">
+            <a:spLocks noGrp="1"/>
+          </p:cNvSpPr>
           <p:nvPr>
             <p:ph type="body" sz="half" idx="1"/>
           </p:nvPr>
@@ -3512,7 +3605,6 @@
           <a:bodyPr/>
           <a:lstStyle/>
           <a:p>
-            <a:pPr/>
             <a:r>
               <a:t>Body Level One</a:t>
             </a:r>
@@ -3546,7 +3638,9 @@
       <p:sp>
         <p:nvSpPr>
           <p:cNvPr id="96" name="Text Placeholder 3"/>
-          <p:cNvSpPr/>
+          <p:cNvSpPr>
+            <a:spLocks noGrp="1"/>
+          </p:cNvSpPr>
           <p:nvPr>
             <p:ph type="body" sz="quarter" idx="13"/>
           </p:nvPr>
@@ -3570,13 +3664,16 @@
               <a:buNone/>
               <a:defRPr sz="1400"/>
             </a:pPr>
+            <a:endParaRPr/>
           </a:p>
         </p:txBody>
       </p:sp>
       <p:sp>
         <p:nvSpPr>
           <p:cNvPr id="97" name="Slide Number"/>
-          <p:cNvSpPr txBox="1"/>
+          <p:cNvSpPr txBox="1">
+            <a:spLocks noGrp="1"/>
+          </p:cNvSpPr>
           <p:nvPr>
             <p:ph type="sldNum" sz="quarter" idx="2"/>
           </p:nvPr>
@@ -3590,8 +3687,10 @@
           <a:bodyPr/>
           <a:lstStyle/>
           <a:p>
-            <a:pPr/>
-            <a:fld id="{86CB4B4D-7CA3-9044-876B-883B54F8677D}" type="slidenum"/>
+            <a:fld id="{86CB4B4D-7CA3-9044-876B-883B54F8677D}" type="slidenum">
+              <a:t>‹#›</a:t>
+            </a:fld>
+            <a:endParaRPr/>
           </a:p>
         </p:txBody>
       </p:sp>
@@ -3600,12 +3699,12 @@
   <p:clrMapOvr>
     <a:masterClrMapping/>
   </p:clrMapOvr>
-  <p:transition xmlns:p14="http://schemas.microsoft.com/office/powerpoint/2010/main" spd="med" advClick="1"/>
+  <p:transition spd="med"/>
 </p:sldLayout>
 </file>
 
 <file path=ppt/slideLayouts/slideLayout9.xml><?xml version="1.0" encoding="utf-8"?>
-<p:sldLayout xmlns:a="http://schemas.openxmlformats.org/drawingml/2006/main" xmlns:r="http://schemas.openxmlformats.org/officeDocument/2006/relationships" xmlns:p="http://schemas.openxmlformats.org/presentationml/2006/main" xmlns:m="http://schemas.openxmlformats.org/officeDocument/2006/math" xmlns:a14="http://schemas.microsoft.com/office/drawing/2010/main" type="tx" showMasterSp="1" showMasterPhAnim="1">
+<p:sldLayout xmlns:a="http://schemas.openxmlformats.org/drawingml/2006/main" xmlns:r="http://schemas.openxmlformats.org/officeDocument/2006/relationships" xmlns:p="http://schemas.openxmlformats.org/presentationml/2006/main" type="tx">
   <p:cSld name="Picture with Caption">
     <p:spTree>
       <p:nvGrpSpPr>
@@ -3624,7 +3723,9 @@
       <p:sp>
         <p:nvSpPr>
           <p:cNvPr id="104" name="Title Text"/>
-          <p:cNvSpPr txBox="1"/>
+          <p:cNvSpPr txBox="1">
+            <a:spLocks noGrp="1"/>
+          </p:cNvSpPr>
           <p:nvPr>
             <p:ph type="title"/>
           </p:nvPr>
@@ -3646,7 +3747,6 @@
             </a:lvl1pPr>
           </a:lstStyle>
           <a:p>
-            <a:pPr/>
             <a:r>
               <a:t>Title Text</a:t>
             </a:r>
@@ -3656,7 +3756,9 @@
       <p:sp>
         <p:nvSpPr>
           <p:cNvPr id="105" name="Picture Placeholder 2"/>
-          <p:cNvSpPr/>
+          <p:cNvSpPr>
+            <a:spLocks noGrp="1"/>
+          </p:cNvSpPr>
           <p:nvPr>
             <p:ph type="pic" sz="half" idx="13"/>
           </p:nvPr>
@@ -3676,14 +3778,16 @@
           </a:bodyPr>
           <a:lstStyle/>
           <a:p>
-            <a:pPr/>
+            <a:endParaRPr/>
           </a:p>
         </p:txBody>
       </p:sp>
       <p:sp>
         <p:nvSpPr>
           <p:cNvPr id="106" name="Body Level One…"/>
-          <p:cNvSpPr txBox="1"/>
+          <p:cNvSpPr txBox="1">
+            <a:spLocks noGrp="1"/>
+          </p:cNvSpPr>
           <p:nvPr>
             <p:ph type="body" sz="quarter" idx="1"/>
           </p:nvPr>
@@ -3732,7 +3836,6 @@
             </a:lvl5pPr>
           </a:lstStyle>
           <a:p>
-            <a:pPr/>
             <a:r>
               <a:t>Body Level One</a:t>
             </a:r>
@@ -3766,7 +3869,9 @@
       <p:sp>
         <p:nvSpPr>
           <p:cNvPr id="107" name="Slide Number"/>
-          <p:cNvSpPr txBox="1"/>
+          <p:cNvSpPr txBox="1">
+            <a:spLocks noGrp="1"/>
+          </p:cNvSpPr>
           <p:nvPr>
             <p:ph type="sldNum" sz="quarter" idx="2"/>
           </p:nvPr>
@@ -3780,8 +3885,10 @@
           <a:bodyPr/>
           <a:lstStyle/>
           <a:p>
-            <a:pPr/>
-            <a:fld id="{86CB4B4D-7CA3-9044-876B-883B54F8677D}" type="slidenum"/>
+            <a:fld id="{86CB4B4D-7CA3-9044-876B-883B54F8677D}" type="slidenum">
+              <a:t>‹#›</a:t>
+            </a:fld>
+            <a:endParaRPr/>
           </a:p>
         </p:txBody>
       </p:sp>
@@ -3790,18 +3897,19 @@
   <p:clrMapOvr>
     <a:masterClrMapping/>
   </p:clrMapOvr>
-  <p:transition xmlns:p14="http://schemas.microsoft.com/office/powerpoint/2010/main" spd="med" advClick="1"/>
+  <p:transition spd="med"/>
 </p:sldLayout>
 </file>
 
 <file path=ppt/slideMasters/slideMaster1.xml><?xml version="1.0" encoding="utf-8"?>
-<p:sldMaster xmlns:a="http://schemas.openxmlformats.org/drawingml/2006/main" xmlns:r="http://schemas.openxmlformats.org/officeDocument/2006/relationships" xmlns:p="http://schemas.openxmlformats.org/presentationml/2006/main" xmlns:m="http://schemas.openxmlformats.org/officeDocument/2006/math" xmlns:a14="http://schemas.microsoft.com/office/drawing/2010/main">
+<p:sldMaster xmlns:a="http://schemas.openxmlformats.org/drawingml/2006/main" xmlns:r="http://schemas.openxmlformats.org/officeDocument/2006/relationships" xmlns:p="http://schemas.openxmlformats.org/presentationml/2006/main">
   <p:cSld>
     <p:bg>
       <p:bgPr>
         <a:solidFill>
           <a:srgbClr val="FFFFFF"/>
         </a:solidFill>
+        <a:effectLst/>
       </p:bgPr>
     </p:bg>
     <p:spTree>
@@ -3862,7 +3970,7 @@
             </a:bodyPr>
             <a:lstStyle/>
             <a:p>
-              <a:pPr/>
+              <a:endParaRPr/>
             </a:p>
           </p:txBody>
         </p:sp>
@@ -3896,7 +4004,7 @@
             </a:bodyPr>
             <a:lstStyle/>
             <a:p>
-              <a:pPr/>
+              <a:endParaRPr/>
             </a:p>
           </p:txBody>
         </p:sp>
@@ -3931,7 +4039,7 @@
               </a:cxnLst>
               <a:rect l="0" t="0" r="r" b="b"/>
               <a:pathLst>
-                <a:path w="21600" h="21600" fill="norm" stroke="1" extrusionOk="0">
+                <a:path w="21600" h="21600" extrusionOk="0">
                   <a:moveTo>
                     <a:pt x="14692" y="0"/>
                   </a:moveTo>
@@ -3968,7 +4076,7 @@
             </a:bodyPr>
             <a:lstStyle/>
             <a:p>
-              <a:pPr/>
+              <a:endParaRPr/>
             </a:p>
           </p:txBody>
         </p:sp>
@@ -4003,7 +4111,7 @@
               </a:cxnLst>
               <a:rect l="0" t="0" r="r" b="b"/>
               <a:pathLst>
-                <a:path w="21600" h="21600" fill="norm" stroke="1" extrusionOk="0">
+                <a:path w="21600" h="21600" extrusionOk="0">
                   <a:moveTo>
                     <a:pt x="0" y="0"/>
                   </a:moveTo>
@@ -4040,7 +4148,7 @@
             </a:bodyPr>
             <a:lstStyle/>
             <a:p>
-              <a:pPr/>
+              <a:endParaRPr/>
             </a:p>
           </p:txBody>
         </p:sp>
@@ -4075,7 +4183,7 @@
               </a:cxnLst>
               <a:rect l="0" t="0" r="r" b="b"/>
               <a:pathLst>
-                <a:path w="21600" h="21600" fill="norm" stroke="1" extrusionOk="0">
+                <a:path w="21600" h="21600" extrusionOk="0">
                   <a:moveTo>
                     <a:pt x="0" y="21600"/>
                   </a:moveTo>
@@ -4106,7 +4214,7 @@
             </a:bodyPr>
             <a:lstStyle/>
             <a:p>
-              <a:pPr/>
+              <a:endParaRPr/>
             </a:p>
           </p:txBody>
         </p:sp>
@@ -4141,7 +4249,7 @@
               </a:cxnLst>
               <a:rect l="0" t="0" r="r" b="b"/>
               <a:pathLst>
-                <a:path w="21600" h="21600" fill="norm" stroke="1" extrusionOk="0">
+                <a:path w="21600" h="21600" extrusionOk="0">
                   <a:moveTo>
                     <a:pt x="0" y="0"/>
                   </a:moveTo>
@@ -4178,7 +4286,7 @@
             </a:bodyPr>
             <a:lstStyle/>
             <a:p>
-              <a:pPr/>
+              <a:endParaRPr/>
             </a:p>
           </p:txBody>
         </p:sp>
@@ -4213,7 +4321,7 @@
               </a:cxnLst>
               <a:rect l="0" t="0" r="r" b="b"/>
               <a:pathLst>
-                <a:path w="21600" h="21600" fill="norm" stroke="1" extrusionOk="0">
+                <a:path w="21600" h="21600" extrusionOk="0">
                   <a:moveTo>
                     <a:pt x="17073" y="0"/>
                   </a:moveTo>
@@ -4250,7 +4358,7 @@
             </a:bodyPr>
             <a:lstStyle/>
             <a:p>
-              <a:pPr/>
+              <a:endParaRPr/>
             </a:p>
           </p:txBody>
         </p:sp>
@@ -4285,7 +4393,7 @@
               </a:cxnLst>
               <a:rect l="0" t="0" r="r" b="b"/>
               <a:pathLst>
-                <a:path w="21600" h="21600" fill="norm" stroke="1" extrusionOk="0">
+                <a:path w="21600" h="21600" extrusionOk="0">
                   <a:moveTo>
                     <a:pt x="0" y="0"/>
                   </a:moveTo>
@@ -4322,7 +4430,7 @@
             </a:bodyPr>
             <a:lstStyle/>
             <a:p>
-              <a:pPr/>
+              <a:endParaRPr/>
             </a:p>
           </p:txBody>
         </p:sp>
@@ -4357,7 +4465,7 @@
               </a:cxnLst>
               <a:rect l="0" t="0" r="r" b="b"/>
               <a:pathLst>
-                <a:path w="21600" h="21600" fill="norm" stroke="1" extrusionOk="0">
+                <a:path w="21600" h="21600" extrusionOk="0">
                   <a:moveTo>
                     <a:pt x="0" y="21600"/>
                   </a:moveTo>
@@ -4388,7 +4496,7 @@
             </a:bodyPr>
             <a:lstStyle/>
             <a:p>
-              <a:pPr/>
+              <a:endParaRPr/>
             </a:p>
           </p:txBody>
         </p:sp>
@@ -4423,7 +4531,7 @@
               </a:cxnLst>
               <a:rect l="0" t="0" r="r" b="b"/>
               <a:pathLst>
-                <a:path w="21600" h="21600" fill="norm" stroke="1" extrusionOk="0">
+                <a:path w="21600" h="21600" extrusionOk="0">
                   <a:moveTo>
                     <a:pt x="0" y="21600"/>
                   </a:moveTo>
@@ -4454,7 +4562,7 @@
             </a:bodyPr>
             <a:lstStyle/>
             <a:p>
-              <a:pPr/>
+              <a:endParaRPr/>
             </a:p>
           </p:txBody>
         </p:sp>
@@ -4462,7 +4570,9 @@
       <p:sp>
         <p:nvSpPr>
           <p:cNvPr id="13" name="Title Text"/>
-          <p:cNvSpPr txBox="1"/>
+          <p:cNvSpPr txBox="1">
+            <a:spLocks noGrp="1"/>
+          </p:cNvSpPr>
           <p:nvPr>
             <p:ph type="title"/>
           </p:nvPr>
@@ -4480,17 +4590,16 @@
           </a:ln>
           <a:extLst>
             <a:ext uri="{C572A759-6A51-4108-AA02-DFA0A04FC94B}">
-              <ma14:wrappingTextBoxFlag xmlns:ma14="http://schemas.microsoft.com/office/mac/drawingml/2011/main" val="1"/>
+              <ma14:wrappingTextBoxFlag xmlns:ma14="http://schemas.microsoft.com/office/mac/drawingml/2011/main" xmlns:a14="http://schemas.microsoft.com/office/drawing/2010/main" xmlns:m="http://schemas.openxmlformats.org/officeDocument/2006/math" xmlns="" val="1"/>
             </a:ext>
           </a:extLst>
         </p:spPr>
         <p:txBody>
           <a:bodyPr lIns="45719" rIns="45719">
-            <a:normAutofit fontScale="100000" lnSpcReduction="0"/>
+            <a:normAutofit/>
           </a:bodyPr>
           <a:lstStyle/>
           <a:p>
-            <a:pPr/>
             <a:r>
               <a:t>Title Text</a:t>
             </a:r>
@@ -4500,7 +4609,9 @@
       <p:sp>
         <p:nvSpPr>
           <p:cNvPr id="14" name="Body Level One…"/>
-          <p:cNvSpPr txBox="1"/>
+          <p:cNvSpPr txBox="1">
+            <a:spLocks noGrp="1"/>
+          </p:cNvSpPr>
           <p:nvPr>
             <p:ph type="body" idx="1"/>
           </p:nvPr>
@@ -4518,17 +4629,16 @@
           </a:ln>
           <a:extLst>
             <a:ext uri="{C572A759-6A51-4108-AA02-DFA0A04FC94B}">
-              <ma14:wrappingTextBoxFlag xmlns:ma14="http://schemas.microsoft.com/office/mac/drawingml/2011/main" val="1"/>
+              <ma14:wrappingTextBoxFlag xmlns:ma14="http://schemas.microsoft.com/office/mac/drawingml/2011/main" xmlns:a14="http://schemas.microsoft.com/office/drawing/2010/main" xmlns:m="http://schemas.openxmlformats.org/officeDocument/2006/math" xmlns="" val="1"/>
             </a:ext>
           </a:extLst>
         </p:spPr>
         <p:txBody>
           <a:bodyPr lIns="45719" rIns="45719">
-            <a:normAutofit fontScale="100000" lnSpcReduction="0"/>
+            <a:normAutofit/>
           </a:bodyPr>
           <a:lstStyle/>
           <a:p>
-            <a:pPr/>
             <a:r>
               <a:t>Body Level One</a:t>
             </a:r>
@@ -4562,7 +4672,9 @@
       <p:sp>
         <p:nvSpPr>
           <p:cNvPr id="15" name="Slide Number"/>
-          <p:cNvSpPr txBox="1"/>
+          <p:cNvSpPr txBox="1">
+            <a:spLocks noGrp="1"/>
+          </p:cNvSpPr>
           <p:nvPr>
             <p:ph type="sldNum" sz="quarter" idx="2"/>
           </p:nvPr>
@@ -4593,8 +4705,10 @@
             </a:lvl1pPr>
           </a:lstStyle>
           <a:p>
-            <a:pPr/>
-            <a:fld id="{86CB4B4D-7CA3-9044-876B-883B54F8677D}" type="slidenum"/>
+            <a:fld id="{86CB4B4D-7CA3-9044-876B-883B54F8677D}" type="slidenum">
+              <a:t>‹#›</a:t>
+            </a:fld>
+            <a:endParaRPr/>
           </a:p>
         </p:txBody>
       </p:sp>
@@ -4602,24 +4716,24 @@
   </p:cSld>
   <p:clrMap bg1="lt1" tx1="dk1" bg2="lt2" tx2="dk2" accent1="accent1" accent2="accent2" accent3="accent3" accent4="accent4" accent5="accent5" accent6="accent6" hlink="hlink" folHlink="folHlink"/>
   <p:sldLayoutIdLst>
-    <p:sldLayoutId id="2147483649" r:id="rId2"/>
-    <p:sldLayoutId id="2147483650" r:id="rId3"/>
-    <p:sldLayoutId id="2147483651" r:id="rId4"/>
-    <p:sldLayoutId id="2147483652" r:id="rId5"/>
-    <p:sldLayoutId id="2147483653" r:id="rId6"/>
-    <p:sldLayoutId id="2147483654" r:id="rId7"/>
-    <p:sldLayoutId id="2147483655" r:id="rId8"/>
-    <p:sldLayoutId id="2147483656" r:id="rId9"/>
-    <p:sldLayoutId id="2147483657" r:id="rId10"/>
-    <p:sldLayoutId id="2147483658" r:id="rId11"/>
-    <p:sldLayoutId id="2147483659" r:id="rId12"/>
-    <p:sldLayoutId id="2147483660" r:id="rId13"/>
-    <p:sldLayoutId id="2147483661" r:id="rId14"/>
-    <p:sldLayoutId id="2147483662" r:id="rId15"/>
-    <p:sldLayoutId id="2147483663" r:id="rId16"/>
-    <p:sldLayoutId id="2147483664" r:id="rId17"/>
+    <p:sldLayoutId id="2147483649" r:id="rId1"/>
+    <p:sldLayoutId id="2147483650" r:id="rId2"/>
+    <p:sldLayoutId id="2147483651" r:id="rId3"/>
+    <p:sldLayoutId id="2147483652" r:id="rId4"/>
+    <p:sldLayoutId id="2147483653" r:id="rId5"/>
+    <p:sldLayoutId id="2147483654" r:id="rId6"/>
+    <p:sldLayoutId id="2147483655" r:id="rId7"/>
+    <p:sldLayoutId id="2147483656" r:id="rId8"/>
+    <p:sldLayoutId id="2147483657" r:id="rId9"/>
+    <p:sldLayoutId id="2147483658" r:id="rId10"/>
+    <p:sldLayoutId id="2147483659" r:id="rId11"/>
+    <p:sldLayoutId id="2147483660" r:id="rId12"/>
+    <p:sldLayoutId id="2147483661" r:id="rId13"/>
+    <p:sldLayoutId id="2147483662" r:id="rId14"/>
+    <p:sldLayoutId id="2147483663" r:id="rId15"/>
+    <p:sldLayoutId id="2147483664" r:id="rId16"/>
   </p:sldLayoutIdLst>
-  <p:transition xmlns:p14="http://schemas.microsoft.com/office/powerpoint/2010/main" spd="med" advClick="1"/>
+  <p:transition spd="med"/>
   <p:txStyles>
     <p:titleStyle>
       <a:lvl1pPr marL="0" marR="0" indent="0" algn="l" defTabSz="457200" rtl="0" latinLnBrk="0">
@@ -4637,7 +4751,7 @@
         <a:buFontTx/>
         <a:buNone/>
         <a:tabLst/>
-        <a:defRPr b="0" baseline="0" cap="none" i="0" spc="0" strike="noStrike" sz="3600" u="none">
+        <a:defRPr sz="3600" b="0" i="0" u="none" strike="noStrike" cap="none" spc="0" baseline="0">
           <a:ln>
             <a:noFill/>
           </a:ln>
@@ -4666,7 +4780,7 @@
         <a:buFontTx/>
         <a:buNone/>
         <a:tabLst/>
-        <a:defRPr b="0" baseline="0" cap="none" i="0" spc="0" strike="noStrike" sz="3600" u="none">
+        <a:defRPr sz="3600" b="0" i="0" u="none" strike="noStrike" cap="none" spc="0" baseline="0">
           <a:ln>
             <a:noFill/>
           </a:ln>
@@ -4695,7 +4809,7 @@
         <a:buFontTx/>
         <a:buNone/>
         <a:tabLst/>
-        <a:defRPr b="0" baseline="0" cap="none" i="0" spc="0" strike="noStrike" sz="3600" u="none">
+        <a:defRPr sz="3600" b="0" i="0" u="none" strike="noStrike" cap="none" spc="0" baseline="0">
           <a:ln>
             <a:noFill/>
           </a:ln>
@@ -4724,7 +4838,7 @@
         <a:buFontTx/>
         <a:buNone/>
         <a:tabLst/>
-        <a:defRPr b="0" baseline="0" cap="none" i="0" spc="0" strike="noStrike" sz="3600" u="none">
+        <a:defRPr sz="3600" b="0" i="0" u="none" strike="noStrike" cap="none" spc="0" baseline="0">
           <a:ln>
             <a:noFill/>
           </a:ln>
@@ -4753,7 +4867,7 @@
         <a:buFontTx/>
         <a:buNone/>
         <a:tabLst/>
-        <a:defRPr b="0" baseline="0" cap="none" i="0" spc="0" strike="noStrike" sz="3600" u="none">
+        <a:defRPr sz="3600" b="0" i="0" u="none" strike="noStrike" cap="none" spc="0" baseline="0">
           <a:ln>
             <a:noFill/>
           </a:ln>
@@ -4782,7 +4896,7 @@
         <a:buFontTx/>
         <a:buNone/>
         <a:tabLst/>
-        <a:defRPr b="0" baseline="0" cap="none" i="0" spc="0" strike="noStrike" sz="3600" u="none">
+        <a:defRPr sz="3600" b="0" i="0" u="none" strike="noStrike" cap="none" spc="0" baseline="0">
           <a:ln>
             <a:noFill/>
           </a:ln>
@@ -4811,7 +4925,7 @@
         <a:buFontTx/>
         <a:buNone/>
         <a:tabLst/>
-        <a:defRPr b="0" baseline="0" cap="none" i="0" spc="0" strike="noStrike" sz="3600" u="none">
+        <a:defRPr sz="3600" b="0" i="0" u="none" strike="noStrike" cap="none" spc="0" baseline="0">
           <a:ln>
             <a:noFill/>
           </a:ln>
@@ -4840,7 +4954,7 @@
         <a:buFontTx/>
         <a:buNone/>
         <a:tabLst/>
-        <a:defRPr b="0" baseline="0" cap="none" i="0" spc="0" strike="noStrike" sz="3600" u="none">
+        <a:defRPr sz="3600" b="0" i="0" u="none" strike="noStrike" cap="none" spc="0" baseline="0">
           <a:ln>
             <a:noFill/>
           </a:ln>
@@ -4869,7 +4983,7 @@
         <a:buFontTx/>
         <a:buNone/>
         <a:tabLst/>
-        <a:defRPr b="0" baseline="0" cap="none" i="0" spc="0" strike="noStrike" sz="3600" u="none">
+        <a:defRPr sz="3600" b="0" i="0" u="none" strike="noStrike" cap="none" spc="0" baseline="0">
           <a:ln>
             <a:noFill/>
           </a:ln>
@@ -4902,7 +5016,7 @@
         <a:buFontTx/>
         <a:buChar char=""/>
         <a:tabLst/>
-        <a:defRPr b="0" baseline="0" cap="none" i="0" spc="0" strike="noStrike" sz="1800" u="none">
+        <a:defRPr sz="1800" b="0" i="0" u="none" strike="noStrike" cap="none" spc="0" baseline="0">
           <a:ln>
             <a:noFill/>
           </a:ln>
@@ -4933,7 +5047,7 @@
         <a:buFontTx/>
         <a:buChar char=""/>
         <a:tabLst/>
-        <a:defRPr b="0" baseline="0" cap="none" i="0" spc="0" strike="noStrike" sz="1800" u="none">
+        <a:defRPr sz="1800" b="0" i="0" u="none" strike="noStrike" cap="none" spc="0" baseline="0">
           <a:ln>
             <a:noFill/>
           </a:ln>
@@ -4964,7 +5078,7 @@
         <a:buFontTx/>
         <a:buChar char=""/>
         <a:tabLst/>
-        <a:defRPr b="0" baseline="0" cap="none" i="0" spc="0" strike="noStrike" sz="1800" u="none">
+        <a:defRPr sz="1800" b="0" i="0" u="none" strike="noStrike" cap="none" spc="0" baseline="0">
           <a:ln>
             <a:noFill/>
           </a:ln>
@@ -4995,7 +5109,7 @@
         <a:buFontTx/>
         <a:buChar char=""/>
         <a:tabLst/>
-        <a:defRPr b="0" baseline="0" cap="none" i="0" spc="0" strike="noStrike" sz="1800" u="none">
+        <a:defRPr sz="1800" b="0" i="0" u="none" strike="noStrike" cap="none" spc="0" baseline="0">
           <a:ln>
             <a:noFill/>
           </a:ln>
@@ -5026,7 +5140,7 @@
         <a:buFontTx/>
         <a:buChar char=""/>
         <a:tabLst/>
-        <a:defRPr b="0" baseline="0" cap="none" i="0" spc="0" strike="noStrike" sz="1800" u="none">
+        <a:defRPr sz="1800" b="0" i="0" u="none" strike="noStrike" cap="none" spc="0" baseline="0">
           <a:ln>
             <a:noFill/>
           </a:ln>
@@ -5057,7 +5171,7 @@
         <a:buFontTx/>
         <a:buChar char=""/>
         <a:tabLst/>
-        <a:defRPr b="0" baseline="0" cap="none" i="0" spc="0" strike="noStrike" sz="1800" u="none">
+        <a:defRPr sz="1800" b="0" i="0" u="none" strike="noStrike" cap="none" spc="0" baseline="0">
           <a:ln>
             <a:noFill/>
           </a:ln>
@@ -5088,7 +5202,7 @@
         <a:buFontTx/>
         <a:buChar char=""/>
         <a:tabLst/>
-        <a:defRPr b="0" baseline="0" cap="none" i="0" spc="0" strike="noStrike" sz="1800" u="none">
+        <a:defRPr sz="1800" b="0" i="0" u="none" strike="noStrike" cap="none" spc="0" baseline="0">
           <a:ln>
             <a:noFill/>
           </a:ln>
@@ -5119,7 +5233,7 @@
         <a:buFontTx/>
         <a:buChar char=""/>
         <a:tabLst/>
-        <a:defRPr b="0" baseline="0" cap="none" i="0" spc="0" strike="noStrike" sz="1800" u="none">
+        <a:defRPr sz="1800" b="0" i="0" u="none" strike="noStrike" cap="none" spc="0" baseline="0">
           <a:ln>
             <a:noFill/>
           </a:ln>
@@ -5150,7 +5264,7 @@
         <a:buFontTx/>
         <a:buChar char=""/>
         <a:tabLst/>
-        <a:defRPr b="0" baseline="0" cap="none" i="0" spc="0" strike="noStrike" sz="1800" u="none">
+        <a:defRPr sz="1800" b="0" i="0" u="none" strike="noStrike" cap="none" spc="0" baseline="0">
           <a:ln>
             <a:noFill/>
           </a:ln>
@@ -5181,7 +5295,7 @@
         <a:buFontTx/>
         <a:buNone/>
         <a:tabLst/>
-        <a:defRPr b="0" baseline="0" cap="none" i="0" spc="0" strike="noStrike" sz="900" u="none">
+        <a:defRPr sz="900" b="0" i="0" u="none" strike="noStrike" cap="none" spc="0" baseline="0">
           <a:ln>
             <a:noFill/>
           </a:ln>
@@ -5210,7 +5324,7 @@
         <a:buFontTx/>
         <a:buNone/>
         <a:tabLst/>
-        <a:defRPr b="0" baseline="0" cap="none" i="0" spc="0" strike="noStrike" sz="900" u="none">
+        <a:defRPr sz="900" b="0" i="0" u="none" strike="noStrike" cap="none" spc="0" baseline="0">
           <a:ln>
             <a:noFill/>
           </a:ln>
@@ -5239,7 +5353,7 @@
         <a:buFontTx/>
         <a:buNone/>
         <a:tabLst/>
-        <a:defRPr b="0" baseline="0" cap="none" i="0" spc="0" strike="noStrike" sz="900" u="none">
+        <a:defRPr sz="900" b="0" i="0" u="none" strike="noStrike" cap="none" spc="0" baseline="0">
           <a:ln>
             <a:noFill/>
           </a:ln>
@@ -5268,7 +5382,7 @@
         <a:buFontTx/>
         <a:buNone/>
         <a:tabLst/>
-        <a:defRPr b="0" baseline="0" cap="none" i="0" spc="0" strike="noStrike" sz="900" u="none">
+        <a:defRPr sz="900" b="0" i="0" u="none" strike="noStrike" cap="none" spc="0" baseline="0">
           <a:ln>
             <a:noFill/>
           </a:ln>
@@ -5297,7 +5411,7 @@
         <a:buFontTx/>
         <a:buNone/>
         <a:tabLst/>
-        <a:defRPr b="0" baseline="0" cap="none" i="0" spc="0" strike="noStrike" sz="900" u="none">
+        <a:defRPr sz="900" b="0" i="0" u="none" strike="noStrike" cap="none" spc="0" baseline="0">
           <a:ln>
             <a:noFill/>
           </a:ln>
@@ -5326,7 +5440,7 @@
         <a:buFontTx/>
         <a:buNone/>
         <a:tabLst/>
-        <a:defRPr b="0" baseline="0" cap="none" i="0" spc="0" strike="noStrike" sz="900" u="none">
+        <a:defRPr sz="900" b="0" i="0" u="none" strike="noStrike" cap="none" spc="0" baseline="0">
           <a:ln>
             <a:noFill/>
           </a:ln>
@@ -5355,7 +5469,7 @@
         <a:buFontTx/>
         <a:buNone/>
         <a:tabLst/>
-        <a:defRPr b="0" baseline="0" cap="none" i="0" spc="0" strike="noStrike" sz="900" u="none">
+        <a:defRPr sz="900" b="0" i="0" u="none" strike="noStrike" cap="none" spc="0" baseline="0">
           <a:ln>
             <a:noFill/>
           </a:ln>
@@ -5384,7 +5498,7 @@
         <a:buFontTx/>
         <a:buNone/>
         <a:tabLst/>
-        <a:defRPr b="0" baseline="0" cap="none" i="0" spc="0" strike="noStrike" sz="900" u="none">
+        <a:defRPr sz="900" b="0" i="0" u="none" strike="noStrike" cap="none" spc="0" baseline="0">
           <a:ln>
             <a:noFill/>
           </a:ln>
@@ -5413,7 +5527,7 @@
         <a:buFontTx/>
         <a:buNone/>
         <a:tabLst/>
-        <a:defRPr b="0" baseline="0" cap="none" i="0" spc="0" strike="noStrike" sz="900" u="none">
+        <a:defRPr sz="900" b="0" i="0" u="none" strike="noStrike" cap="none" spc="0" baseline="0">
           <a:ln>
             <a:noFill/>
           </a:ln>
@@ -5433,7 +5547,7 @@
 </file>
 
 <file path=ppt/slides/slide1.xml><?xml version="1.0" encoding="utf-8"?>
-<p:sld xmlns:a="http://schemas.openxmlformats.org/drawingml/2006/main" xmlns:r="http://schemas.openxmlformats.org/officeDocument/2006/relationships" xmlns:p="http://schemas.openxmlformats.org/presentationml/2006/main" xmlns:m="http://schemas.openxmlformats.org/officeDocument/2006/math" xmlns:a14="http://schemas.microsoft.com/office/drawing/2010/main" showMasterSp="1" showMasterPhAnim="1">
+<p:sld xmlns:a="http://schemas.openxmlformats.org/drawingml/2006/main" xmlns:r="http://schemas.openxmlformats.org/officeDocument/2006/relationships" xmlns:p="http://schemas.openxmlformats.org/presentationml/2006/main">
   <p:cSld>
     <p:spTree>
       <p:nvGrpSpPr>
@@ -5452,7 +5566,9 @@
       <p:sp>
         <p:nvSpPr>
           <p:cNvPr id="186" name="Title 1"/>
-          <p:cNvSpPr txBox="1"/>
+          <p:cNvSpPr txBox="1">
+            <a:spLocks noGrp="1"/>
+          </p:cNvSpPr>
           <p:nvPr>
             <p:ph type="ctrTitle"/>
           </p:nvPr>
@@ -5463,14 +5579,15 @@
           </a:prstGeom>
         </p:spPr>
         <p:txBody>
-          <a:bodyPr/>
+          <a:bodyPr>
+            <a:normAutofit fontScale="90000"/>
+          </a:bodyPr>
           <a:lstStyle>
             <a:lvl1pPr defTabSz="434340">
               <a:defRPr sz="5130"/>
             </a:lvl1pPr>
           </a:lstStyle>
           <a:p>
-            <a:pPr/>
             <a:r>
               <a:t>CZ 3003 Software Systems Analysis and Design</a:t>
             </a:r>
@@ -5480,7 +5597,9 @@
       <p:sp>
         <p:nvSpPr>
           <p:cNvPr id="187" name="Subtitle 2"/>
-          <p:cNvSpPr txBox="1"/>
+          <p:cNvSpPr txBox="1">
+            <a:spLocks noGrp="1"/>
+          </p:cNvSpPr>
           <p:nvPr>
             <p:ph type="subTitle" sz="quarter" idx="1"/>
           </p:nvPr>
@@ -5494,7 +5613,6 @@
           <a:bodyPr/>
           <a:lstStyle/>
           <a:p>
-            <a:pPr/>
             <a:r>
               <a:t>Presentation of Crisis Management System by team 8Pax</a:t>
             </a:r>
@@ -5506,354 +5624,12 @@
   <p:clrMapOvr>
     <a:masterClrMapping/>
   </p:clrMapOvr>
-  <p:transition xmlns:p14="http://schemas.microsoft.com/office/powerpoint/2010/main" spd="med" advClick="1"/>
-</p:sld>
-</file>
-
-<file path=ppt/slides/slide10.xml><?xml version="1.0" encoding="utf-8"?>
-<p:sld xmlns:a="http://schemas.openxmlformats.org/drawingml/2006/main" xmlns:r="http://schemas.openxmlformats.org/officeDocument/2006/relationships" xmlns:p="http://schemas.openxmlformats.org/presentationml/2006/main" xmlns:m="http://schemas.openxmlformats.org/officeDocument/2006/math" xmlns:a14="http://schemas.microsoft.com/office/drawing/2010/main" showMasterSp="1" showMasterPhAnim="1">
-  <p:cSld>
-    <p:spTree>
-      <p:nvGrpSpPr>
-        <p:cNvPr id="1" name=""/>
-        <p:cNvGrpSpPr/>
-        <p:nvPr/>
-      </p:nvGrpSpPr>
-      <p:grpSpPr>
-        <a:xfrm>
-          <a:off x="0" y="0"/>
-          <a:ext cx="0" cy="0"/>
-          <a:chOff x="0" y="0"/>
-          <a:chExt cx="0" cy="0"/>
-        </a:xfrm>
-      </p:grpSpPr>
-      <p:sp>
-        <p:nvSpPr>
-          <p:cNvPr id="213" name="Title 1"/>
-          <p:cNvSpPr txBox="1"/>
-          <p:nvPr>
-            <p:ph type="title"/>
-          </p:nvPr>
-        </p:nvSpPr>
-        <p:spPr>
-          <a:xfrm>
-            <a:off x="677333" y="609600"/>
-            <a:ext cx="8596670" cy="1320800"/>
-          </a:xfrm>
-          <a:prstGeom prst="rect">
-            <a:avLst/>
-          </a:prstGeom>
-        </p:spPr>
-        <p:txBody>
-          <a:bodyPr/>
-          <a:lstStyle/>
-          <a:p>
-            <a:pPr/>
-            <a:r>
-              <a:t>Subsystem 2: Information Management</a:t>
-            </a:r>
-          </a:p>
-        </p:txBody>
-      </p:sp>
-      <p:pic>
-        <p:nvPicPr>
-          <p:cNvPr id="214" name="Content Placeholder 4" descr="Content Placeholder 4"/>
-          <p:cNvPicPr>
-            <a:picLocks noChangeAspect="1"/>
-          </p:cNvPicPr>
-          <p:nvPr/>
-        </p:nvPicPr>
-        <p:blipFill>
-          <a:blip r:embed="rId2">
-            <a:extLst/>
-          </a:blip>
-          <a:stretch>
-            <a:fillRect/>
-          </a:stretch>
-        </p:blipFill>
-        <p:spPr>
-          <a:xfrm>
-            <a:off x="944880" y="1615439"/>
-            <a:ext cx="8428550" cy="4426586"/>
-          </a:xfrm>
-          <a:prstGeom prst="rect">
-            <a:avLst/>
-          </a:prstGeom>
-          <a:ln w="12700">
-            <a:miter lim="400000"/>
-          </a:ln>
-        </p:spPr>
-      </p:pic>
-    </p:spTree>
-  </p:cSld>
-  <p:clrMapOvr>
-    <a:masterClrMapping/>
-  </p:clrMapOvr>
-  <p:transition xmlns:p14="http://schemas.microsoft.com/office/powerpoint/2010/main" spd="med" advClick="1"/>
-</p:sld>
-</file>
-
-<file path=ppt/slides/slide11.xml><?xml version="1.0" encoding="utf-8"?>
-<p:sld xmlns:a="http://schemas.openxmlformats.org/drawingml/2006/main" xmlns:r="http://schemas.openxmlformats.org/officeDocument/2006/relationships" xmlns:p="http://schemas.openxmlformats.org/presentationml/2006/main" xmlns:m="http://schemas.openxmlformats.org/officeDocument/2006/math" xmlns:a14="http://schemas.microsoft.com/office/drawing/2010/main" showMasterSp="1" showMasterPhAnim="1">
-  <p:cSld>
-    <p:spTree>
-      <p:nvGrpSpPr>
-        <p:cNvPr id="1" name=""/>
-        <p:cNvGrpSpPr/>
-        <p:nvPr/>
-      </p:nvGrpSpPr>
-      <p:grpSpPr>
-        <a:xfrm>
-          <a:off x="0" y="0"/>
-          <a:ext cx="0" cy="0"/>
-          <a:chOff x="0" y="0"/>
-          <a:chExt cx="0" cy="0"/>
-        </a:xfrm>
-      </p:grpSpPr>
-      <p:sp>
-        <p:nvSpPr>
-          <p:cNvPr id="216" name="Title 1"/>
-          <p:cNvSpPr txBox="1"/>
-          <p:nvPr>
-            <p:ph type="title"/>
-          </p:nvPr>
-        </p:nvSpPr>
-        <p:spPr>
-          <a:xfrm>
-            <a:off x="677333" y="609600"/>
-            <a:ext cx="8596670" cy="1320800"/>
-          </a:xfrm>
-          <a:prstGeom prst="rect">
-            <a:avLst/>
-          </a:prstGeom>
-        </p:spPr>
-        <p:txBody>
-          <a:bodyPr/>
-          <a:lstStyle/>
-          <a:p>
-            <a:pPr/>
-            <a:r>
-              <a:t>Subsystem 3: Information Distribution</a:t>
-            </a:r>
-          </a:p>
-        </p:txBody>
-      </p:sp>
-      <p:sp>
-        <p:nvSpPr>
-          <p:cNvPr id="217" name="Content Placeholder 6"/>
-          <p:cNvSpPr txBox="1"/>
-          <p:nvPr>
-            <p:ph type="body" sz="half" idx="1"/>
-          </p:nvPr>
-        </p:nvSpPr>
-        <p:spPr>
-          <a:xfrm>
-            <a:off x="677333" y="2160589"/>
-            <a:ext cx="8596670" cy="3880773"/>
-          </a:xfrm>
-          <a:prstGeom prst="rect">
-            <a:avLst/>
-          </a:prstGeom>
-        </p:spPr>
-        <p:txBody>
-          <a:bodyPr/>
-          <a:lstStyle/>
-          <a:p>
-            <a:pPr/>
-            <a:r>
-              <a:t>Takes Information of the incident from Call Centre</a:t>
-            </a:r>
-          </a:p>
-          <a:p>
-            <a:pPr/>
-            <a:r>
-              <a:t>Sends the info to the corresponding departments</a:t>
-            </a:r>
-          </a:p>
-          <a:p>
-            <a:pPr/>
-            <a:r>
-              <a:t>Generates a Status Report for High Ranking officials i.e. Prime Minister</a:t>
-            </a:r>
-          </a:p>
-          <a:p>
-            <a:pPr/>
-            <a:r>
-              <a:t>Sends updates about incidents to subscribers via SMS, Email, Social Media </a:t>
-            </a:r>
-          </a:p>
-        </p:txBody>
-      </p:sp>
-    </p:spTree>
-  </p:cSld>
-  <p:clrMapOvr>
-    <a:masterClrMapping/>
-  </p:clrMapOvr>
-  <p:transition xmlns:p14="http://schemas.microsoft.com/office/powerpoint/2010/main" spd="med" advClick="1"/>
-</p:sld>
-</file>
-
-<file path=ppt/slides/slide12.xml><?xml version="1.0" encoding="utf-8"?>
-<p:sld xmlns:a="http://schemas.openxmlformats.org/drawingml/2006/main" xmlns:r="http://schemas.openxmlformats.org/officeDocument/2006/relationships" xmlns:p="http://schemas.openxmlformats.org/presentationml/2006/main" xmlns:m="http://schemas.openxmlformats.org/officeDocument/2006/math" xmlns:a14="http://schemas.microsoft.com/office/drawing/2010/main" showMasterSp="1" showMasterPhAnim="1">
-  <p:cSld>
-    <p:spTree>
-      <p:nvGrpSpPr>
-        <p:cNvPr id="1" name=""/>
-        <p:cNvGrpSpPr/>
-        <p:nvPr/>
-      </p:nvGrpSpPr>
-      <p:grpSpPr>
-        <a:xfrm>
-          <a:off x="0" y="0"/>
-          <a:ext cx="0" cy="0"/>
-          <a:chOff x="0" y="0"/>
-          <a:chExt cx="0" cy="0"/>
-        </a:xfrm>
-      </p:grpSpPr>
-      <p:sp>
-        <p:nvSpPr>
-          <p:cNvPr id="219" name="Title 1"/>
-          <p:cNvSpPr txBox="1"/>
-          <p:nvPr>
-            <p:ph type="title"/>
-          </p:nvPr>
-        </p:nvSpPr>
-        <p:spPr>
-          <a:xfrm>
-            <a:off x="677333" y="609600"/>
-            <a:ext cx="8596670" cy="1320800"/>
-          </a:xfrm>
-          <a:prstGeom prst="rect">
-            <a:avLst/>
-          </a:prstGeom>
-        </p:spPr>
-        <p:txBody>
-          <a:bodyPr/>
-          <a:lstStyle/>
-          <a:p>
-            <a:pPr/>
-            <a:r>
-              <a:t>Subsystem 3: Information Distribution</a:t>
-            </a:r>
-          </a:p>
-        </p:txBody>
-      </p:sp>
-      <p:pic>
-        <p:nvPicPr>
-          <p:cNvPr id="220" name="Subsystem3ArchitechtureDiagram.png" descr="Subsystem3ArchitechtureDiagram.png"/>
-          <p:cNvPicPr>
-            <a:picLocks noChangeAspect="1"/>
-          </p:cNvPicPr>
-          <p:nvPr/>
-        </p:nvPicPr>
-        <p:blipFill>
-          <a:blip r:embed="rId2">
-            <a:extLst/>
-          </a:blip>
-          <a:stretch>
-            <a:fillRect/>
-          </a:stretch>
-        </p:blipFill>
-        <p:spPr>
-          <a:xfrm>
-            <a:off x="353144" y="1655888"/>
-            <a:ext cx="9074450" cy="4214434"/>
-          </a:xfrm>
-          <a:prstGeom prst="rect">
-            <a:avLst/>
-          </a:prstGeom>
-          <a:ln w="12700">
-            <a:miter lim="400000"/>
-          </a:ln>
-        </p:spPr>
-      </p:pic>
-    </p:spTree>
-  </p:cSld>
-  <p:clrMapOvr>
-    <a:masterClrMapping/>
-  </p:clrMapOvr>
-  <p:transition xmlns:p14="http://schemas.microsoft.com/office/powerpoint/2010/main" spd="med" advClick="1"/>
-</p:sld>
-</file>
-
-<file path=ppt/slides/slide13.xml><?xml version="1.0" encoding="utf-8"?>
-<p:sld xmlns:a="http://schemas.openxmlformats.org/drawingml/2006/main" xmlns:r="http://schemas.openxmlformats.org/officeDocument/2006/relationships" xmlns:p="http://schemas.openxmlformats.org/presentationml/2006/main" xmlns:m="http://schemas.openxmlformats.org/officeDocument/2006/math" xmlns:a14="http://schemas.microsoft.com/office/drawing/2010/main" showMasterSp="1" showMasterPhAnim="1">
-  <p:cSld>
-    <p:spTree>
-      <p:nvGrpSpPr>
-        <p:cNvPr id="1" name=""/>
-        <p:cNvGrpSpPr/>
-        <p:nvPr/>
-      </p:nvGrpSpPr>
-      <p:grpSpPr>
-        <a:xfrm>
-          <a:off x="0" y="0"/>
-          <a:ext cx="0" cy="0"/>
-          <a:chOff x="0" y="0"/>
-          <a:chExt cx="0" cy="0"/>
-        </a:xfrm>
-      </p:grpSpPr>
-      <p:sp>
-        <p:nvSpPr>
-          <p:cNvPr id="222" name="Title 1"/>
-          <p:cNvSpPr txBox="1"/>
-          <p:nvPr>
-            <p:ph type="title"/>
-          </p:nvPr>
-        </p:nvSpPr>
-        <p:spPr>
-          <a:xfrm>
-            <a:off x="677333" y="609600"/>
-            <a:ext cx="8596670" cy="1320800"/>
-          </a:xfrm>
-          <a:prstGeom prst="rect">
-            <a:avLst/>
-          </a:prstGeom>
-        </p:spPr>
-        <p:txBody>
-          <a:bodyPr/>
-          <a:lstStyle/>
-          <a:p>
-            <a:pPr/>
-          </a:p>
-        </p:txBody>
-      </p:sp>
-      <p:sp>
-        <p:nvSpPr>
-          <p:cNvPr id="223" name="Content Placeholder 2"/>
-          <p:cNvSpPr txBox="1"/>
-          <p:nvPr>
-            <p:ph type="body" sz="half" idx="1"/>
-          </p:nvPr>
-        </p:nvSpPr>
-        <p:spPr>
-          <a:xfrm>
-            <a:off x="677333" y="2160589"/>
-            <a:ext cx="8596670" cy="3880773"/>
-          </a:xfrm>
-          <a:prstGeom prst="rect">
-            <a:avLst/>
-          </a:prstGeom>
-        </p:spPr>
-        <p:txBody>
-          <a:bodyPr/>
-          <a:lstStyle/>
-          <a:p>
-            <a:pPr/>
-          </a:p>
-        </p:txBody>
-      </p:sp>
-    </p:spTree>
-  </p:cSld>
-  <p:clrMapOvr>
-    <a:masterClrMapping/>
-  </p:clrMapOvr>
-  <p:transition xmlns:p14="http://schemas.microsoft.com/office/powerpoint/2010/main" spd="med" advClick="1"/>
+  <p:transition spd="med"/>
 </p:sld>
 </file>
 
 <file path=ppt/slides/slide2.xml><?xml version="1.0" encoding="utf-8"?>
-<p:sld xmlns:a="http://schemas.openxmlformats.org/drawingml/2006/main" xmlns:r="http://schemas.openxmlformats.org/officeDocument/2006/relationships" xmlns:p="http://schemas.openxmlformats.org/presentationml/2006/main" xmlns:m="http://schemas.openxmlformats.org/officeDocument/2006/math" xmlns:a14="http://schemas.microsoft.com/office/drawing/2010/main" showMasterSp="1" showMasterPhAnim="1">
+<p:sld xmlns:a="http://schemas.openxmlformats.org/drawingml/2006/main" xmlns:r="http://schemas.openxmlformats.org/officeDocument/2006/relationships" xmlns:p="http://schemas.openxmlformats.org/presentationml/2006/main">
   <p:cSld>
     <p:spTree>
       <p:nvGrpSpPr>
@@ -5872,7 +5648,9 @@
       <p:sp>
         <p:nvSpPr>
           <p:cNvPr id="189" name="Title 1"/>
-          <p:cNvSpPr txBox="1"/>
+          <p:cNvSpPr txBox="1">
+            <a:spLocks noGrp="1"/>
+          </p:cNvSpPr>
           <p:nvPr>
             <p:ph type="title"/>
           </p:nvPr>
@@ -5890,7 +5668,6 @@
           <a:bodyPr/>
           <a:lstStyle/>
           <a:p>
-            <a:pPr/>
             <a:r>
               <a:t>Product Scope</a:t>
             </a:r>
@@ -5900,7 +5677,9 @@
       <p:sp>
         <p:nvSpPr>
           <p:cNvPr id="190" name="Content Placeholder 6"/>
-          <p:cNvSpPr txBox="1"/>
+          <p:cNvSpPr txBox="1">
+            <a:spLocks noGrp="1"/>
+          </p:cNvSpPr>
           <p:nvPr>
             <p:ph type="body" sz="half" idx="1"/>
           </p:nvPr>
@@ -5918,7 +5697,6 @@
           <a:bodyPr/>
           <a:lstStyle/>
           <a:p>
-            <a:pPr/>
             <a:r>
               <a:t>The </a:t>
             </a:r>
@@ -5937,12 +5715,12 @@
   <p:clrMapOvr>
     <a:masterClrMapping/>
   </p:clrMapOvr>
-  <p:transition xmlns:p14="http://schemas.microsoft.com/office/powerpoint/2010/main" spd="med" advClick="1"/>
+  <p:transition spd="med"/>
 </p:sld>
 </file>
 
 <file path=ppt/slides/slide3.xml><?xml version="1.0" encoding="utf-8"?>
-<p:sld xmlns:a="http://schemas.openxmlformats.org/drawingml/2006/main" xmlns:r="http://schemas.openxmlformats.org/officeDocument/2006/relationships" xmlns:p="http://schemas.openxmlformats.org/presentationml/2006/main" xmlns:m="http://schemas.openxmlformats.org/officeDocument/2006/math" xmlns:a14="http://schemas.microsoft.com/office/drawing/2010/main" showMasterSp="1" showMasterPhAnim="1">
+<p:sld xmlns:a="http://schemas.openxmlformats.org/drawingml/2006/main" xmlns:r="http://schemas.openxmlformats.org/officeDocument/2006/relationships" xmlns:p="http://schemas.openxmlformats.org/presentationml/2006/main">
   <p:cSld>
     <p:spTree>
       <p:nvGrpSpPr>
@@ -5961,7 +5739,9 @@
       <p:sp>
         <p:nvSpPr>
           <p:cNvPr id="192" name="Title 1"/>
-          <p:cNvSpPr txBox="1"/>
+          <p:cNvSpPr txBox="1">
+            <a:spLocks noGrp="1"/>
+          </p:cNvSpPr>
           <p:nvPr>
             <p:ph type="title"/>
           </p:nvPr>
@@ -5979,7 +5759,6 @@
           <a:bodyPr/>
           <a:lstStyle/>
           <a:p>
-            <a:pPr/>
             <a:r>
               <a:t>What should it do?</a:t>
             </a:r>
@@ -5989,7 +5768,9 @@
       <p:sp>
         <p:nvSpPr>
           <p:cNvPr id="193" name="Content Placeholder 2"/>
-          <p:cNvSpPr txBox="1"/>
+          <p:cNvSpPr txBox="1">
+            <a:spLocks noGrp="1"/>
+          </p:cNvSpPr>
           <p:nvPr>
             <p:ph type="body" sz="half" idx="1"/>
           </p:nvPr>
@@ -6007,19 +5788,16 @@
           <a:bodyPr/>
           <a:lstStyle/>
           <a:p>
-            <a:pPr/>
             <a:r>
               <a:t>Users make reports regarding incidents that occur at their location i.e. fires, epidemic, accidents</a:t>
             </a:r>
           </a:p>
           <a:p>
-            <a:pPr/>
             <a:r>
               <a:t>Reports will be sent to the Call Centre and from there, the information is sent to the corresponding departments</a:t>
             </a:r>
           </a:p>
           <a:p>
-            <a:pPr/>
             <a:r>
               <a:t>Subscribers of the CMS social media, SMS list will be notified about the updates on the incidents that are in their Area</a:t>
             </a:r>
@@ -6031,12 +5809,12 @@
   <p:clrMapOvr>
     <a:masterClrMapping/>
   </p:clrMapOvr>
-  <p:transition xmlns:p14="http://schemas.microsoft.com/office/powerpoint/2010/main" spd="med" advClick="1"/>
+  <p:transition spd="med"/>
 </p:sld>
 </file>
 
 <file path=ppt/slides/slide4.xml><?xml version="1.0" encoding="utf-8"?>
-<p:sld xmlns:a="http://schemas.openxmlformats.org/drawingml/2006/main" xmlns:r="http://schemas.openxmlformats.org/officeDocument/2006/relationships" xmlns:p="http://schemas.openxmlformats.org/presentationml/2006/main" xmlns:m="http://schemas.openxmlformats.org/officeDocument/2006/math" xmlns:a14="http://schemas.microsoft.com/office/drawing/2010/main" showMasterSp="1" showMasterPhAnim="1">
+<p:sld xmlns:a="http://schemas.openxmlformats.org/drawingml/2006/main" xmlns:r="http://schemas.openxmlformats.org/officeDocument/2006/relationships" xmlns:p="http://schemas.openxmlformats.org/presentationml/2006/main">
   <p:cSld>
     <p:spTree>
       <p:nvGrpSpPr>
@@ -6055,7 +5833,9 @@
       <p:sp>
         <p:nvSpPr>
           <p:cNvPr id="195" name="Title 1"/>
-          <p:cNvSpPr txBox="1"/>
+          <p:cNvSpPr txBox="1">
+            <a:spLocks noGrp="1"/>
+          </p:cNvSpPr>
           <p:nvPr>
             <p:ph type="title"/>
           </p:nvPr>
@@ -6073,7 +5853,6 @@
           <a:bodyPr/>
           <a:lstStyle/>
           <a:p>
-            <a:pPr/>
             <a:r>
               <a:t>How it should work</a:t>
             </a:r>
@@ -6114,12 +5893,12 @@
   <p:clrMapOvr>
     <a:masterClrMapping/>
   </p:clrMapOvr>
-  <p:transition xmlns:p14="http://schemas.microsoft.com/office/powerpoint/2010/main" spd="med" advClick="1"/>
+  <p:transition spd="med"/>
 </p:sld>
 </file>
 
 <file path=ppt/slides/slide5.xml><?xml version="1.0" encoding="utf-8"?>
-<p:sld xmlns:a="http://schemas.openxmlformats.org/drawingml/2006/main" xmlns:r="http://schemas.openxmlformats.org/officeDocument/2006/relationships" xmlns:p="http://schemas.openxmlformats.org/presentationml/2006/main" xmlns:m="http://schemas.openxmlformats.org/officeDocument/2006/math" xmlns:a14="http://schemas.microsoft.com/office/drawing/2010/main" showMasterSp="1" showMasterPhAnim="1">
+<p:sld xmlns:a="http://schemas.openxmlformats.org/drawingml/2006/main" xmlns:r="http://schemas.openxmlformats.org/officeDocument/2006/relationships" xmlns:p="http://schemas.openxmlformats.org/presentationml/2006/main">
   <p:cSld>
     <p:spTree>
       <p:nvGrpSpPr>
@@ -6138,7 +5917,9 @@
       <p:sp>
         <p:nvSpPr>
           <p:cNvPr id="198" name="Title 1"/>
-          <p:cNvSpPr txBox="1"/>
+          <p:cNvSpPr txBox="1">
+            <a:spLocks noGrp="1"/>
+          </p:cNvSpPr>
           <p:nvPr>
             <p:ph type="title"/>
           </p:nvPr>
@@ -6156,8 +5937,8 @@
           <a:bodyPr/>
           <a:lstStyle/>
           <a:p>
-            <a:pPr/>
-            <a:r>
+            <a:r>
+              <a:rPr dirty="0"/>
               <a:t>Overall CMS System</a:t>
             </a:r>
           </a:p>
@@ -6165,7 +5946,13 @@
       </p:sp>
       <p:pic>
         <p:nvPicPr>
-          <p:cNvPr id="199" name="Content Placeholder 4" descr="Content Placeholder 4"/>
+          <p:cNvPr id="3" name="Picture 2" descr="A close up of a map&#10;&#10;Description automatically generated">
+            <a:extLst>
+              <a:ext uri="{FF2B5EF4-FFF2-40B4-BE49-F238E27FC236}">
+                <a16:creationId xmlns:a16="http://schemas.microsoft.com/office/drawing/2014/main" id="{69E3CE5C-5072-4F57-B694-56324A6E9352}"/>
+              </a:ext>
+            </a:extLst>
+          </p:cNvPr>
           <p:cNvPicPr>
             <a:picLocks noChangeAspect="1"/>
           </p:cNvPicPr>
@@ -6173,7 +5960,11 @@
         </p:nvPicPr>
         <p:blipFill>
           <a:blip r:embed="rId2">
-            <a:extLst/>
+            <a:extLst>
+              <a:ext uri="{28A0092B-C50C-407E-A947-70E740481C1C}">
+                <a14:useLocalDpi xmlns:a14="http://schemas.microsoft.com/office/drawing/2010/main" val="0"/>
+              </a:ext>
+            </a:extLst>
           </a:blip>
           <a:stretch>
             <a:fillRect/>
@@ -6181,15 +5972,12 @@
         </p:blipFill>
         <p:spPr>
           <a:xfrm>
-            <a:off x="1127760" y="1412239"/>
-            <a:ext cx="8146243" cy="4907281"/>
+            <a:off x="1389431" y="1201751"/>
+            <a:ext cx="9413137" cy="5046649"/>
           </a:xfrm>
           <a:prstGeom prst="rect">
             <a:avLst/>
           </a:prstGeom>
-          <a:ln w="12700">
-            <a:miter lim="400000"/>
-          </a:ln>
         </p:spPr>
       </p:pic>
     </p:spTree>
@@ -6197,226 +5985,12 @@
   <p:clrMapOvr>
     <a:masterClrMapping/>
   </p:clrMapOvr>
-  <p:transition xmlns:p14="http://schemas.microsoft.com/office/powerpoint/2010/main" spd="med" advClick="1"/>
+  <p:transition spd="med"/>
 </p:sld>
 </file>
 
 <file path=ppt/slides/slide6.xml><?xml version="1.0" encoding="utf-8"?>
-<p:sld xmlns:a="http://schemas.openxmlformats.org/drawingml/2006/main" xmlns:r="http://schemas.openxmlformats.org/officeDocument/2006/relationships" xmlns:p="http://schemas.openxmlformats.org/presentationml/2006/main" xmlns:m="http://schemas.openxmlformats.org/officeDocument/2006/math" xmlns:a14="http://schemas.microsoft.com/office/drawing/2010/main" showMasterSp="1" showMasterPhAnim="1">
-  <p:cSld>
-    <p:spTree>
-      <p:nvGrpSpPr>
-        <p:cNvPr id="1" name=""/>
-        <p:cNvGrpSpPr/>
-        <p:nvPr/>
-      </p:nvGrpSpPr>
-      <p:grpSpPr>
-        <a:xfrm>
-          <a:off x="0" y="0"/>
-          <a:ext cx="0" cy="0"/>
-          <a:chOff x="0" y="0"/>
-          <a:chExt cx="0" cy="0"/>
-        </a:xfrm>
-      </p:grpSpPr>
-      <p:sp>
-        <p:nvSpPr>
-          <p:cNvPr id="201" name="Title 1"/>
-          <p:cNvSpPr txBox="1"/>
-          <p:nvPr>
-            <p:ph type="title"/>
-          </p:nvPr>
-        </p:nvSpPr>
-        <p:spPr>
-          <a:xfrm>
-            <a:off x="677333" y="609600"/>
-            <a:ext cx="8596670" cy="1320800"/>
-          </a:xfrm>
-          <a:prstGeom prst="rect">
-            <a:avLst/>
-          </a:prstGeom>
-        </p:spPr>
-        <p:txBody>
-          <a:bodyPr/>
-          <a:lstStyle/>
-          <a:p>
-            <a:pPr/>
-            <a:r>
-              <a:t>System Architecture</a:t>
-            </a:r>
-          </a:p>
-        </p:txBody>
-      </p:sp>
-      <p:sp>
-        <p:nvSpPr>
-          <p:cNvPr id="202" name="Content Placeholder 2"/>
-          <p:cNvSpPr txBox="1"/>
-          <p:nvPr>
-            <p:ph type="body" sz="half" idx="1"/>
-          </p:nvPr>
-        </p:nvSpPr>
-        <p:spPr>
-          <a:xfrm>
-            <a:off x="677333" y="2160589"/>
-            <a:ext cx="8596670" cy="3880773"/>
-          </a:xfrm>
-          <a:prstGeom prst="rect">
-            <a:avLst/>
-          </a:prstGeom>
-        </p:spPr>
-        <p:txBody>
-          <a:bodyPr/>
-          <a:lstStyle/>
-          <a:p>
-            <a:pPr>
-              <a:defRPr b="1" i="1" sz="2000" u="sng"/>
-            </a:pPr>
-            <a:r>
-              <a:t>Consist of 3 subsystems </a:t>
-            </a:r>
-          </a:p>
-          <a:p>
-            <a:pPr>
-              <a:defRPr sz="2000"/>
-            </a:pPr>
-            <a:r>
-              <a:t>Information Display</a:t>
-            </a:r>
-          </a:p>
-          <a:p>
-            <a:pPr>
-              <a:defRPr sz="2000"/>
-            </a:pPr>
-            <a:r>
-              <a:t>Information Management(Call Centre)</a:t>
-            </a:r>
-          </a:p>
-          <a:p>
-            <a:pPr>
-              <a:defRPr sz="2000"/>
-            </a:pPr>
-            <a:r>
-              <a:t>Information Distribution</a:t>
-            </a:r>
-          </a:p>
-        </p:txBody>
-      </p:sp>
-    </p:spTree>
-  </p:cSld>
-  <p:clrMapOvr>
-    <a:masterClrMapping/>
-  </p:clrMapOvr>
-  <p:transition xmlns:p14="http://schemas.microsoft.com/office/powerpoint/2010/main" spd="med" advClick="1"/>
-</p:sld>
-</file>
-
-<file path=ppt/slides/slide7.xml><?xml version="1.0" encoding="utf-8"?>
-<p:sld xmlns:a="http://schemas.openxmlformats.org/drawingml/2006/main" xmlns:r="http://schemas.openxmlformats.org/officeDocument/2006/relationships" xmlns:p="http://schemas.openxmlformats.org/presentationml/2006/main" xmlns:m="http://schemas.openxmlformats.org/officeDocument/2006/math" xmlns:a14="http://schemas.microsoft.com/office/drawing/2010/main" showMasterSp="1" showMasterPhAnim="1">
-  <p:cSld>
-    <p:spTree>
-      <p:nvGrpSpPr>
-        <p:cNvPr id="1" name=""/>
-        <p:cNvGrpSpPr/>
-        <p:nvPr/>
-      </p:nvGrpSpPr>
-      <p:grpSpPr>
-        <a:xfrm>
-          <a:off x="0" y="0"/>
-          <a:ext cx="0" cy="0"/>
-          <a:chOff x="0" y="0"/>
-          <a:chExt cx="0" cy="0"/>
-        </a:xfrm>
-      </p:grpSpPr>
-      <p:sp>
-        <p:nvSpPr>
-          <p:cNvPr id="204" name="Title 1"/>
-          <p:cNvSpPr txBox="1"/>
-          <p:nvPr>
-            <p:ph type="title"/>
-          </p:nvPr>
-        </p:nvSpPr>
-        <p:spPr>
-          <a:xfrm>
-            <a:off x="677333" y="609600"/>
-            <a:ext cx="8596670" cy="1320800"/>
-          </a:xfrm>
-          <a:prstGeom prst="rect">
-            <a:avLst/>
-          </a:prstGeom>
-        </p:spPr>
-        <p:txBody>
-          <a:bodyPr/>
-          <a:lstStyle/>
-          <a:p>
-            <a:pPr/>
-            <a:r>
-              <a:t>Subsystem 1: Information Display</a:t>
-            </a:r>
-          </a:p>
-        </p:txBody>
-      </p:sp>
-      <p:sp>
-        <p:nvSpPr>
-          <p:cNvPr id="205" name="Content Placeholder 6"/>
-          <p:cNvSpPr txBox="1"/>
-          <p:nvPr>
-            <p:ph type="body" sz="half" idx="1"/>
-          </p:nvPr>
-        </p:nvSpPr>
-        <p:spPr>
-          <a:xfrm>
-            <a:off x="677333" y="2160589"/>
-            <a:ext cx="8596670" cy="3880773"/>
-          </a:xfrm>
-          <a:prstGeom prst="rect">
-            <a:avLst/>
-          </a:prstGeom>
-        </p:spPr>
-        <p:txBody>
-          <a:bodyPr/>
-          <a:lstStyle/>
-          <a:p>
-            <a:pPr/>
-            <a:r>
-              <a:t>Get the type of incident and location</a:t>
-            </a:r>
-          </a:p>
-          <a:p>
-            <a:pPr/>
-            <a:r>
-              <a:t>Find the location using google maps API</a:t>
-            </a:r>
-          </a:p>
-          <a:p>
-            <a:pPr/>
-            <a:r>
-              <a:t>Display it on a map on the website</a:t>
-            </a:r>
-          </a:p>
-          <a:p>
-            <a:pPr/>
-            <a:r>
-              <a:t>Display useful information i.e. closest shelter</a:t>
-            </a:r>
-          </a:p>
-          <a:p>
-            <a:pPr/>
-            <a:r>
-              <a:t>Display incident information</a:t>
-            </a:r>
-          </a:p>
-        </p:txBody>
-      </p:sp>
-    </p:spTree>
-  </p:cSld>
-  <p:clrMapOvr>
-    <a:masterClrMapping/>
-  </p:clrMapOvr>
-  <p:transition xmlns:p14="http://schemas.microsoft.com/office/powerpoint/2010/main" spd="med" advClick="1"/>
-</p:sld>
-</file>
-
-<file path=ppt/slides/slide8.xml><?xml version="1.0" encoding="utf-8"?>
-<p:sld xmlns:a="http://schemas.openxmlformats.org/drawingml/2006/main" xmlns:r="http://schemas.openxmlformats.org/officeDocument/2006/relationships" xmlns:p="http://schemas.openxmlformats.org/presentationml/2006/main" xmlns:m="http://schemas.openxmlformats.org/officeDocument/2006/math" xmlns:a14="http://schemas.microsoft.com/office/drawing/2010/main" showMasterSp="1" showMasterPhAnim="1">
+<p:sld xmlns:a="http://schemas.openxmlformats.org/drawingml/2006/main" xmlns:r="http://schemas.openxmlformats.org/officeDocument/2006/relationships" xmlns:p="http://schemas.openxmlformats.org/presentationml/2006/main">
   <p:cSld>
     <p:spTree>
       <p:nvGrpSpPr>
@@ -6435,7 +6009,9 @@
       <p:sp>
         <p:nvSpPr>
           <p:cNvPr id="207" name="Title 1"/>
-          <p:cNvSpPr txBox="1"/>
+          <p:cNvSpPr txBox="1">
+            <a:spLocks noGrp="1"/>
+          </p:cNvSpPr>
           <p:nvPr>
             <p:ph type="title"/>
           </p:nvPr>
@@ -6453,16 +6029,27 @@
           <a:bodyPr/>
           <a:lstStyle/>
           <a:p>
-            <a:pPr/>
-            <a:r>
-              <a:t>Subsystem 1: Information Display</a:t>
-            </a:r>
+            <a:r>
+              <a:rPr dirty="0"/>
+              <a:t>Subsystem 1: </a:t>
+            </a:r>
+            <a:r>
+              <a:rPr lang="en-SG" dirty="0"/>
+              <a:t>Map Information Display</a:t>
+            </a:r>
+            <a:endParaRPr dirty="0"/>
           </a:p>
         </p:txBody>
       </p:sp>
       <p:pic>
         <p:nvPicPr>
-          <p:cNvPr id="208" name="Content Placeholder 3" descr="Content Placeholder 3"/>
+          <p:cNvPr id="3" name="Picture 2" descr="A screenshot of a cell phone&#10;&#10;Description automatically generated">
+            <a:extLst>
+              <a:ext uri="{FF2B5EF4-FFF2-40B4-BE49-F238E27FC236}">
+                <a16:creationId xmlns:a16="http://schemas.microsoft.com/office/drawing/2014/main" id="{3C7E0098-2432-4263-B947-457857EC3A7E}"/>
+              </a:ext>
+            </a:extLst>
+          </p:cNvPr>
           <p:cNvPicPr>
             <a:picLocks noChangeAspect="1"/>
           </p:cNvPicPr>
@@ -6470,7 +6057,11 @@
         </p:nvPicPr>
         <p:blipFill>
           <a:blip r:embed="rId2">
-            <a:extLst/>
+            <a:extLst>
+              <a:ext uri="{28A0092B-C50C-407E-A947-70E740481C1C}">
+                <a14:useLocalDpi xmlns:a14="http://schemas.microsoft.com/office/drawing/2010/main" val="0"/>
+              </a:ext>
+            </a:extLst>
           </a:blip>
           <a:stretch>
             <a:fillRect/>
@@ -6478,15 +6069,12 @@
         </p:blipFill>
         <p:spPr>
           <a:xfrm>
-            <a:off x="677862" y="2275839"/>
-            <a:ext cx="8596313" cy="2964398"/>
+            <a:off x="956412" y="1713584"/>
+            <a:ext cx="9320555" cy="4318000"/>
           </a:xfrm>
           <a:prstGeom prst="rect">
             <a:avLst/>
           </a:prstGeom>
-          <a:ln w="12700">
-            <a:miter lim="400000"/>
-          </a:ln>
         </p:spPr>
       </p:pic>
     </p:spTree>
@@ -6494,12 +6082,12 @@
   <p:clrMapOvr>
     <a:masterClrMapping/>
   </p:clrMapOvr>
-  <p:transition xmlns:p14="http://schemas.microsoft.com/office/powerpoint/2010/main" spd="med" advClick="1"/>
+  <p:transition spd="med"/>
 </p:sld>
 </file>
 
-<file path=ppt/slides/slide9.xml><?xml version="1.0" encoding="utf-8"?>
-<p:sld xmlns:a="http://schemas.openxmlformats.org/drawingml/2006/main" xmlns:r="http://schemas.openxmlformats.org/officeDocument/2006/relationships" xmlns:p="http://schemas.openxmlformats.org/presentationml/2006/main" xmlns:m="http://schemas.openxmlformats.org/officeDocument/2006/math" xmlns:a14="http://schemas.microsoft.com/office/drawing/2010/main" showMasterSp="1" showMasterPhAnim="1">
+<file path=ppt/slides/slide7.xml><?xml version="1.0" encoding="utf-8"?>
+<p:sld xmlns:a="http://schemas.openxmlformats.org/drawingml/2006/main" xmlns:r="http://schemas.openxmlformats.org/officeDocument/2006/relationships" xmlns:p="http://schemas.openxmlformats.org/presentationml/2006/main">
   <p:cSld>
     <p:spTree>
       <p:nvGrpSpPr>
@@ -6517,8 +6105,107 @@
       </p:grpSpPr>
       <p:sp>
         <p:nvSpPr>
-          <p:cNvPr id="210" name="Title 1"/>
-          <p:cNvSpPr txBox="1"/>
+          <p:cNvPr id="213" name="Title 1"/>
+          <p:cNvSpPr txBox="1">
+            <a:spLocks noGrp="1"/>
+          </p:cNvSpPr>
+          <p:nvPr>
+            <p:ph type="title"/>
+          </p:nvPr>
+        </p:nvSpPr>
+        <p:spPr>
+          <a:xfrm>
+            <a:off x="696186" y="619026"/>
+            <a:ext cx="10653686" cy="1320800"/>
+          </a:xfrm>
+          <a:prstGeom prst="rect">
+            <a:avLst/>
+          </a:prstGeom>
+        </p:spPr>
+        <p:txBody>
+          <a:bodyPr/>
+          <a:lstStyle/>
+          <a:p>
+            <a:r>
+              <a:rPr dirty="0"/>
+              <a:t>Subsystem 2: </a:t>
+            </a:r>
+            <a:r>
+              <a:rPr lang="en-SG" dirty="0"/>
+              <a:t>Incident Information Management</a:t>
+            </a:r>
+            <a:endParaRPr dirty="0"/>
+          </a:p>
+        </p:txBody>
+      </p:sp>
+      <p:pic>
+        <p:nvPicPr>
+          <p:cNvPr id="3" name="Picture 2" descr="A picture containing screenshot&#10;&#10;Description automatically generated">
+            <a:extLst>
+              <a:ext uri="{FF2B5EF4-FFF2-40B4-BE49-F238E27FC236}">
+                <a16:creationId xmlns:a16="http://schemas.microsoft.com/office/drawing/2014/main" id="{876615DA-17AA-4F96-9930-799118819F18}"/>
+              </a:ext>
+            </a:extLst>
+          </p:cNvPr>
+          <p:cNvPicPr>
+            <a:picLocks noChangeAspect="1"/>
+          </p:cNvPicPr>
+          <p:nvPr/>
+        </p:nvPicPr>
+        <p:blipFill>
+          <a:blip r:embed="rId2">
+            <a:extLst>
+              <a:ext uri="{28A0092B-C50C-407E-A947-70E740481C1C}">
+                <a14:useLocalDpi xmlns:a14="http://schemas.microsoft.com/office/drawing/2010/main" val="0"/>
+              </a:ext>
+            </a:extLst>
+          </a:blip>
+          <a:stretch>
+            <a:fillRect/>
+          </a:stretch>
+        </p:blipFill>
+        <p:spPr>
+          <a:xfrm>
+            <a:off x="1027521" y="1433308"/>
+            <a:ext cx="9784902" cy="5290621"/>
+          </a:xfrm>
+          <a:prstGeom prst="rect">
+            <a:avLst/>
+          </a:prstGeom>
+        </p:spPr>
+      </p:pic>
+    </p:spTree>
+  </p:cSld>
+  <p:clrMapOvr>
+    <a:masterClrMapping/>
+  </p:clrMapOvr>
+  <p:transition spd="med"/>
+</p:sld>
+</file>
+
+<file path=ppt/slides/slide8.xml><?xml version="1.0" encoding="utf-8"?>
+<p:sld xmlns:a="http://schemas.openxmlformats.org/drawingml/2006/main" xmlns:r="http://schemas.openxmlformats.org/officeDocument/2006/relationships" xmlns:p="http://schemas.openxmlformats.org/presentationml/2006/main">
+  <p:cSld>
+    <p:spTree>
+      <p:nvGrpSpPr>
+        <p:cNvPr id="1" name=""/>
+        <p:cNvGrpSpPr/>
+        <p:nvPr/>
+      </p:nvGrpSpPr>
+      <p:grpSpPr>
+        <a:xfrm>
+          <a:off x="0" y="0"/>
+          <a:ext cx="0" cy="0"/>
+          <a:chOff x="0" y="0"/>
+          <a:chExt cx="0" cy="0"/>
+        </a:xfrm>
+      </p:grpSpPr>
+      <p:sp>
+        <p:nvSpPr>
+          <p:cNvPr id="219" name="Title 1"/>
+          <p:cNvSpPr txBox="1">
+            <a:spLocks noGrp="1"/>
+          </p:cNvSpPr>
           <p:nvPr>
             <p:ph type="title"/>
           </p:nvPr>
@@ -6536,17 +6223,100 @@
           <a:bodyPr/>
           <a:lstStyle/>
           <a:p>
-            <a:pPr/>
-            <a:r>
-              <a:t>Subsystem 2: Information Management</a:t>
-            </a:r>
+            <a:r>
+              <a:t>Subsystem 3: Information Distribution</a:t>
+            </a:r>
+          </a:p>
+        </p:txBody>
+      </p:sp>
+      <p:pic>
+        <p:nvPicPr>
+          <p:cNvPr id="220" name="Subsystem3ArchitechtureDiagram.png" descr="Subsystem3ArchitechtureDiagram.png"/>
+          <p:cNvPicPr>
+            <a:picLocks noChangeAspect="1"/>
+          </p:cNvPicPr>
+          <p:nvPr/>
+        </p:nvPicPr>
+        <p:blipFill>
+          <a:blip r:embed="rId2">
+            <a:extLst/>
+          </a:blip>
+          <a:stretch>
+            <a:fillRect/>
+          </a:stretch>
+        </p:blipFill>
+        <p:spPr>
+          <a:xfrm>
+            <a:off x="1342958" y="1769009"/>
+            <a:ext cx="9074450" cy="4214434"/>
+          </a:xfrm>
+          <a:prstGeom prst="rect">
+            <a:avLst/>
+          </a:prstGeom>
+          <a:ln w="12700">
+            <a:miter lim="400000"/>
+          </a:ln>
+        </p:spPr>
+      </p:pic>
+    </p:spTree>
+  </p:cSld>
+  <p:clrMapOvr>
+    <a:masterClrMapping/>
+  </p:clrMapOvr>
+  <p:transition spd="med"/>
+</p:sld>
+</file>
+
+<file path=ppt/slides/slide9.xml><?xml version="1.0" encoding="utf-8"?>
+<p:sld xmlns:a="http://schemas.openxmlformats.org/drawingml/2006/main" xmlns:r="http://schemas.openxmlformats.org/officeDocument/2006/relationships" xmlns:p="http://schemas.openxmlformats.org/presentationml/2006/main">
+  <p:cSld>
+    <p:spTree>
+      <p:nvGrpSpPr>
+        <p:cNvPr id="1" name=""/>
+        <p:cNvGrpSpPr/>
+        <p:nvPr/>
+      </p:nvGrpSpPr>
+      <p:grpSpPr>
+        <a:xfrm>
+          <a:off x="0" y="0"/>
+          <a:ext cx="0" cy="0"/>
+          <a:chOff x="0" y="0"/>
+          <a:chExt cx="0" cy="0"/>
+        </a:xfrm>
+      </p:grpSpPr>
+      <p:sp>
+        <p:nvSpPr>
+          <p:cNvPr id="222" name="Title 1"/>
+          <p:cNvSpPr txBox="1">
+            <a:spLocks noGrp="1"/>
+          </p:cNvSpPr>
+          <p:nvPr>
+            <p:ph type="title"/>
+          </p:nvPr>
+        </p:nvSpPr>
+        <p:spPr>
+          <a:xfrm>
+            <a:off x="677333" y="609600"/>
+            <a:ext cx="8596670" cy="1320800"/>
+          </a:xfrm>
+          <a:prstGeom prst="rect">
+            <a:avLst/>
+          </a:prstGeom>
+        </p:spPr>
+        <p:txBody>
+          <a:bodyPr/>
+          <a:lstStyle/>
+          <a:p>
+            <a:endParaRPr/>
           </a:p>
         </p:txBody>
       </p:sp>
       <p:sp>
         <p:nvSpPr>
-          <p:cNvPr id="211" name="Content Placeholder 6"/>
-          <p:cNvSpPr txBox="1"/>
+          <p:cNvPr id="223" name="Content Placeholder 2"/>
+          <p:cNvSpPr txBox="1">
+            <a:spLocks noGrp="1"/>
+          </p:cNvSpPr>
           <p:nvPr>
             <p:ph type="body" sz="half" idx="1"/>
           </p:nvPr>
@@ -6564,22 +6334,7 @@
           <a:bodyPr/>
           <a:lstStyle/>
           <a:p>
-            <a:pPr/>
-            <a:r>
-              <a:t>Allows the call centre operator to edit and change information regarding the incidents</a:t>
-            </a:r>
-          </a:p>
-          <a:p>
-            <a:pPr/>
-            <a:r>
-              <a:t>Stores info of the reported incidents into a database</a:t>
-            </a:r>
-          </a:p>
-          <a:p>
-            <a:pPr/>
-            <a:r>
-              <a:t>Allows Updates on the incident status, tracking of the incident status</a:t>
-            </a:r>
+            <a:endParaRPr/>
           </a:p>
         </p:txBody>
       </p:sp>
@@ -6588,12 +6343,12 @@
   <p:clrMapOvr>
     <a:masterClrMapping/>
   </p:clrMapOvr>
-  <p:transition xmlns:p14="http://schemas.microsoft.com/office/powerpoint/2010/main" spd="med" advClick="1"/>
+  <p:transition spd="med"/>
 </p:sld>
 </file>
 
 <file path=ppt/theme/theme1.xml><?xml version="1.0" encoding="utf-8"?>
-<a:theme xmlns:a="http://schemas.openxmlformats.org/drawingml/2006/main" xmlns:r="http://schemas.openxmlformats.org/officeDocument/2006/relationships" name="Facet">
+<a:theme xmlns:a="http://schemas.openxmlformats.org/drawingml/2006/main" name="Facet">
   <a:themeElements>
     <a:clrScheme name="Facet">
       <a:dk1>
@@ -6719,7 +6474,7 @@
       <a:effectStyleLst>
         <a:effectStyle>
           <a:effectLst>
-            <a:outerShdw sx="100000" sy="100000" kx="0" ky="0" algn="b" rotWithShape="0" blurRad="38100" dist="25400" dir="5400000">
+            <a:outerShdw blurRad="38100" dist="25400" dir="5400000" rotWithShape="0">
               <a:srgbClr val="000000">
                 <a:alpha val="35000"/>
               </a:srgbClr>
@@ -6728,7 +6483,7 @@
         </a:effectStyle>
         <a:effectStyle>
           <a:effectLst>
-            <a:outerShdw sx="100000" sy="100000" kx="0" ky="0" algn="b" rotWithShape="0" blurRad="38100" dist="25400" dir="5400000">
+            <a:outerShdw blurRad="38100" dist="25400" dir="5400000" rotWithShape="0">
               <a:srgbClr val="000000">
                 <a:alpha val="35000"/>
               </a:srgbClr>
@@ -6805,7 +6560,7 @@
           <a:round/>
         </a:ln>
         <a:effectLst>
-          <a:outerShdw sx="100000" sy="100000" kx="0" ky="0" algn="b" rotWithShape="0" blurRad="38100" dist="25400" dir="5400000">
+          <a:outerShdw blurRad="38100" dist="25400" dir="5400000" rotWithShape="0">
             <a:srgbClr val="000000">
               <a:alpha val="35000"/>
             </a:srgbClr>
@@ -6813,7 +6568,7 @@
         </a:effectLst>
         <a:sp3d/>
       </a:spPr>
-      <a:bodyPr rot="0" spcFirstLastPara="1" vertOverflow="overflow" horzOverflow="overflow" vert="horz" wrap="square" lIns="45719" tIns="45719" rIns="45719" bIns="45719" numCol="1" spcCol="38100" rtlCol="0" anchor="ctr" upright="0">
+      <a:bodyPr rot="0" spcFirstLastPara="1" vertOverflow="overflow" horzOverflow="overflow" vert="horz" wrap="square" lIns="45719" tIns="45719" rIns="45719" bIns="45719" numCol="1" spcCol="38100" rtlCol="0" anchor="ctr">
         <a:spAutoFit/>
       </a:bodyPr>
       <a:lstStyle>
@@ -6832,7 +6587,7 @@
           <a:buFontTx/>
           <a:buNone/>
           <a:tabLst/>
-          <a:defRPr b="0" baseline="0" cap="none" i="0" spc="0" strike="noStrike" sz="1800" u="none" kumimoji="0" normalizeH="0">
+          <a:defRPr kumimoji="0" sz="1800" b="0" i="0" u="none" strike="noStrike" cap="none" spc="0" normalizeH="0" baseline="0">
             <a:ln>
               <a:noFill/>
             </a:ln>
@@ -6862,7 +6617,7 @@
           <a:buFontTx/>
           <a:buNone/>
           <a:tabLst/>
-          <a:defRPr b="0" baseline="0" cap="none" i="0" spc="0" strike="noStrike" sz="1800" u="none" kumimoji="0" normalizeH="0">
+          <a:defRPr kumimoji="0" sz="1800" b="0" i="0" u="none" strike="noStrike" cap="none" spc="0" normalizeH="0" baseline="0">
             <a:ln>
               <a:noFill/>
             </a:ln>
@@ -6888,7 +6643,7 @@
           <a:buFontTx/>
           <a:buNone/>
           <a:tabLst/>
-          <a:defRPr b="0" baseline="0" cap="none" i="0" spc="0" strike="noStrike" sz="1800" u="none" kumimoji="0" normalizeH="0">
+          <a:defRPr kumimoji="0" sz="1800" b="0" i="0" u="none" strike="noStrike" cap="none" spc="0" normalizeH="0" baseline="0">
             <a:ln>
               <a:noFill/>
             </a:ln>
@@ -6914,7 +6669,7 @@
           <a:buFontTx/>
           <a:buNone/>
           <a:tabLst/>
-          <a:defRPr b="0" baseline="0" cap="none" i="0" spc="0" strike="noStrike" sz="1800" u="none" kumimoji="0" normalizeH="0">
+          <a:defRPr kumimoji="0" sz="1800" b="0" i="0" u="none" strike="noStrike" cap="none" spc="0" normalizeH="0" baseline="0">
             <a:ln>
               <a:noFill/>
             </a:ln>
@@ -6940,7 +6695,7 @@
           <a:buFontTx/>
           <a:buNone/>
           <a:tabLst/>
-          <a:defRPr b="0" baseline="0" cap="none" i="0" spc="0" strike="noStrike" sz="1800" u="none" kumimoji="0" normalizeH="0">
+          <a:defRPr kumimoji="0" sz="1800" b="0" i="0" u="none" strike="noStrike" cap="none" spc="0" normalizeH="0" baseline="0">
             <a:ln>
               <a:noFill/>
             </a:ln>
@@ -6966,7 +6721,7 @@
           <a:buFontTx/>
           <a:buNone/>
           <a:tabLst/>
-          <a:defRPr b="0" baseline="0" cap="none" i="0" spc="0" strike="noStrike" sz="1800" u="none" kumimoji="0" normalizeH="0">
+          <a:defRPr kumimoji="0" sz="1800" b="0" i="0" u="none" strike="noStrike" cap="none" spc="0" normalizeH="0" baseline="0">
             <a:ln>
               <a:noFill/>
             </a:ln>
@@ -6992,7 +6747,7 @@
           <a:buFontTx/>
           <a:buNone/>
           <a:tabLst/>
-          <a:defRPr b="0" baseline="0" cap="none" i="0" spc="0" strike="noStrike" sz="1800" u="none" kumimoji="0" normalizeH="0">
+          <a:defRPr kumimoji="0" sz="1800" b="0" i="0" u="none" strike="noStrike" cap="none" spc="0" normalizeH="0" baseline="0">
             <a:ln>
               <a:noFill/>
             </a:ln>
@@ -7018,7 +6773,7 @@
           <a:buFontTx/>
           <a:buNone/>
           <a:tabLst/>
-          <a:defRPr b="0" baseline="0" cap="none" i="0" spc="0" strike="noStrike" sz="1800" u="none" kumimoji="0" normalizeH="0">
+          <a:defRPr kumimoji="0" sz="1800" b="0" i="0" u="none" strike="noStrike" cap="none" spc="0" normalizeH="0" baseline="0">
             <a:ln>
               <a:noFill/>
             </a:ln>
@@ -7044,7 +6799,7 @@
           <a:buFontTx/>
           <a:buNone/>
           <a:tabLst/>
-          <a:defRPr b="0" baseline="0" cap="none" i="0" spc="0" strike="noStrike" sz="1800" u="none" kumimoji="0" normalizeH="0">
+          <a:defRPr kumimoji="0" sz="1800" b="0" i="0" u="none" strike="noStrike" cap="none" spc="0" normalizeH="0" baseline="0">
             <a:ln>
               <a:noFill/>
             </a:ln>
@@ -7070,7 +6825,7 @@
           <a:buFontTx/>
           <a:buNone/>
           <a:tabLst/>
-          <a:defRPr b="0" baseline="0" cap="none" i="0" spc="0" strike="noStrike" sz="1800" u="none" kumimoji="0" normalizeH="0">
+          <a:defRPr kumimoji="0" sz="1800" b="0" i="0" u="none" strike="noStrike" cap="none" spc="0" normalizeH="0" baseline="0">
             <a:ln>
               <a:noFill/>
             </a:ln>
@@ -7083,9 +6838,15 @@
         </a:lvl9pPr>
       </a:lstStyle>
       <a:style>
-        <a:lnRef idx="0"/>
-        <a:fillRef idx="0"/>
-        <a:effectRef idx="0"/>
+        <a:lnRef idx="0">
+          <a:scrgbClr r="0" g="0" b="0"/>
+        </a:lnRef>
+        <a:fillRef idx="0">
+          <a:scrgbClr r="0" g="0" b="0"/>
+        </a:fillRef>
+        <a:effectRef idx="0">
+          <a:scrgbClr r="0" g="0" b="0"/>
+        </a:effectRef>
         <a:fontRef idx="none"/>
       </a:style>
     </a:spDef>
@@ -7102,7 +6863,7 @@
         <a:effectLst/>
         <a:sp3d/>
       </a:spPr>
-      <a:bodyPr rot="0" spcFirstLastPara="1" vertOverflow="overflow" horzOverflow="overflow" vert="horz" wrap="square" lIns="91439" tIns="45719" rIns="91439" bIns="45719" numCol="1" spcCol="38100" rtlCol="0" anchor="t" upright="0">
+      <a:bodyPr rot="0" spcFirstLastPara="1" vertOverflow="overflow" horzOverflow="overflow" vert="horz" wrap="square" lIns="91439" tIns="45719" rIns="91439" bIns="45719" numCol="1" spcCol="38100" rtlCol="0" anchor="t">
         <a:noAutofit/>
       </a:bodyPr>
       <a:lstStyle>
@@ -7121,7 +6882,7 @@
           <a:buFontTx/>
           <a:buNone/>
           <a:tabLst/>
-          <a:defRPr b="0" baseline="0" cap="none" i="0" spc="0" strike="noStrike" sz="1800" u="none" kumimoji="0" normalizeH="0">
+          <a:defRPr kumimoji="0" sz="1800" b="0" i="0" u="none" strike="noStrike" cap="none" spc="0" normalizeH="0" baseline="0">
             <a:ln>
               <a:noFill/>
             </a:ln>
@@ -7147,7 +6908,7 @@
           <a:buFontTx/>
           <a:buNone/>
           <a:tabLst/>
-          <a:defRPr b="0" baseline="0" cap="none" i="0" spc="0" strike="noStrike" sz="1800" u="none" kumimoji="0" normalizeH="0">
+          <a:defRPr kumimoji="0" sz="1800" b="0" i="0" u="none" strike="noStrike" cap="none" spc="0" normalizeH="0" baseline="0">
             <a:ln>
               <a:noFill/>
             </a:ln>
@@ -7173,7 +6934,7 @@
           <a:buFontTx/>
           <a:buNone/>
           <a:tabLst/>
-          <a:defRPr b="0" baseline="0" cap="none" i="0" spc="0" strike="noStrike" sz="1800" u="none" kumimoji="0" normalizeH="0">
+          <a:defRPr kumimoji="0" sz="1800" b="0" i="0" u="none" strike="noStrike" cap="none" spc="0" normalizeH="0" baseline="0">
             <a:ln>
               <a:noFill/>
             </a:ln>
@@ -7199,7 +6960,7 @@
           <a:buFontTx/>
           <a:buNone/>
           <a:tabLst/>
-          <a:defRPr b="0" baseline="0" cap="none" i="0" spc="0" strike="noStrike" sz="1800" u="none" kumimoji="0" normalizeH="0">
+          <a:defRPr kumimoji="0" sz="1800" b="0" i="0" u="none" strike="noStrike" cap="none" spc="0" normalizeH="0" baseline="0">
             <a:ln>
               <a:noFill/>
             </a:ln>
@@ -7225,7 +6986,7 @@
           <a:buFontTx/>
           <a:buNone/>
           <a:tabLst/>
-          <a:defRPr b="0" baseline="0" cap="none" i="0" spc="0" strike="noStrike" sz="1800" u="none" kumimoji="0" normalizeH="0">
+          <a:defRPr kumimoji="0" sz="1800" b="0" i="0" u="none" strike="noStrike" cap="none" spc="0" normalizeH="0" baseline="0">
             <a:ln>
               <a:noFill/>
             </a:ln>
@@ -7251,7 +7012,7 @@
           <a:buFontTx/>
           <a:buNone/>
           <a:tabLst/>
-          <a:defRPr b="0" baseline="0" cap="none" i="0" spc="0" strike="noStrike" sz="1800" u="none" kumimoji="0" normalizeH="0">
+          <a:defRPr kumimoji="0" sz="1800" b="0" i="0" u="none" strike="noStrike" cap="none" spc="0" normalizeH="0" baseline="0">
             <a:ln>
               <a:noFill/>
             </a:ln>
@@ -7277,7 +7038,7 @@
           <a:buFontTx/>
           <a:buNone/>
           <a:tabLst/>
-          <a:defRPr b="0" baseline="0" cap="none" i="0" spc="0" strike="noStrike" sz="1800" u="none" kumimoji="0" normalizeH="0">
+          <a:defRPr kumimoji="0" sz="1800" b="0" i="0" u="none" strike="noStrike" cap="none" spc="0" normalizeH="0" baseline="0">
             <a:ln>
               <a:noFill/>
             </a:ln>
@@ -7303,7 +7064,7 @@
           <a:buFontTx/>
           <a:buNone/>
           <a:tabLst/>
-          <a:defRPr b="0" baseline="0" cap="none" i="0" spc="0" strike="noStrike" sz="1800" u="none" kumimoji="0" normalizeH="0">
+          <a:defRPr kumimoji="0" sz="1800" b="0" i="0" u="none" strike="noStrike" cap="none" spc="0" normalizeH="0" baseline="0">
             <a:ln>
               <a:noFill/>
             </a:ln>
@@ -7329,7 +7090,7 @@
           <a:buFontTx/>
           <a:buNone/>
           <a:tabLst/>
-          <a:defRPr b="0" baseline="0" cap="none" i="0" spc="0" strike="noStrike" sz="1800" u="none" kumimoji="0" normalizeH="0">
+          <a:defRPr kumimoji="0" sz="1800" b="0" i="0" u="none" strike="noStrike" cap="none" spc="0" normalizeH="0" baseline="0">
             <a:ln>
               <a:noFill/>
             </a:ln>
@@ -7355,7 +7116,7 @@
           <a:buFontTx/>
           <a:buNone/>
           <a:tabLst/>
-          <a:defRPr b="0" baseline="0" cap="none" i="0" spc="0" strike="noStrike" sz="1800" u="none" kumimoji="0" normalizeH="0">
+          <a:defRPr kumimoji="0" sz="1800" b="0" i="0" u="none" strike="noStrike" cap="none" spc="0" normalizeH="0" baseline="0">
             <a:ln>
               <a:noFill/>
             </a:ln>
@@ -7368,9 +7129,15 @@
         </a:lvl9pPr>
       </a:lstStyle>
       <a:style>
-        <a:lnRef idx="0"/>
-        <a:fillRef idx="0"/>
-        <a:effectRef idx="0"/>
+        <a:lnRef idx="0">
+          <a:scrgbClr r="0" g="0" b="0"/>
+        </a:lnRef>
+        <a:fillRef idx="0">
+          <a:scrgbClr r="0" g="0" b="0"/>
+        </a:fillRef>
+        <a:effectRef idx="0">
+          <a:scrgbClr r="0" g="0" b="0"/>
+        </a:effectRef>
         <a:fontRef idx="none"/>
       </a:style>
     </a:lnDef>
@@ -7384,7 +7151,7 @@
         <a:effectLst/>
         <a:sp3d/>
       </a:spPr>
-      <a:bodyPr rot="0" spcFirstLastPara="1" vertOverflow="overflow" horzOverflow="overflow" vert="horz" wrap="square" lIns="45719" tIns="45719" rIns="45719" bIns="45719" numCol="1" spcCol="38100" rtlCol="0" anchor="t" upright="0">
+      <a:bodyPr rot="0" spcFirstLastPara="1" vertOverflow="overflow" horzOverflow="overflow" vert="horz" wrap="square" lIns="45719" tIns="45719" rIns="45719" bIns="45719" numCol="1" spcCol="38100" rtlCol="0" anchor="t">
         <a:spAutoFit/>
       </a:bodyPr>
       <a:lstStyle>
@@ -7403,7 +7170,7 @@
           <a:buFontTx/>
           <a:buNone/>
           <a:tabLst/>
-          <a:defRPr b="0" baseline="0" cap="none" i="0" spc="0" strike="noStrike" sz="1800" u="none" kumimoji="0" normalizeH="0">
+          <a:defRPr kumimoji="0" sz="1800" b="0" i="0" u="none" strike="noStrike" cap="none" spc="0" normalizeH="0" baseline="0">
             <a:ln>
               <a:noFill/>
             </a:ln>
@@ -7433,7 +7200,7 @@
           <a:buFontTx/>
           <a:buNone/>
           <a:tabLst/>
-          <a:defRPr b="0" baseline="0" cap="none" i="0" spc="0" strike="noStrike" sz="1800" u="none" kumimoji="0" normalizeH="0">
+          <a:defRPr kumimoji="0" sz="1800" b="0" i="0" u="none" strike="noStrike" cap="none" spc="0" normalizeH="0" baseline="0">
             <a:ln>
               <a:noFill/>
             </a:ln>
@@ -7459,7 +7226,7 @@
           <a:buFontTx/>
           <a:buNone/>
           <a:tabLst/>
-          <a:defRPr b="0" baseline="0" cap="none" i="0" spc="0" strike="noStrike" sz="1800" u="none" kumimoji="0" normalizeH="0">
+          <a:defRPr kumimoji="0" sz="1800" b="0" i="0" u="none" strike="noStrike" cap="none" spc="0" normalizeH="0" baseline="0">
             <a:ln>
               <a:noFill/>
             </a:ln>
@@ -7485,7 +7252,7 @@
           <a:buFontTx/>
           <a:buNone/>
           <a:tabLst/>
-          <a:defRPr b="0" baseline="0" cap="none" i="0" spc="0" strike="noStrike" sz="1800" u="none" kumimoji="0" normalizeH="0">
+          <a:defRPr kumimoji="0" sz="1800" b="0" i="0" u="none" strike="noStrike" cap="none" spc="0" normalizeH="0" baseline="0">
             <a:ln>
               <a:noFill/>
             </a:ln>
@@ -7511,7 +7278,7 @@
           <a:buFontTx/>
           <a:buNone/>
           <a:tabLst/>
-          <a:defRPr b="0" baseline="0" cap="none" i="0" spc="0" strike="noStrike" sz="1800" u="none" kumimoji="0" normalizeH="0">
+          <a:defRPr kumimoji="0" sz="1800" b="0" i="0" u="none" strike="noStrike" cap="none" spc="0" normalizeH="0" baseline="0">
             <a:ln>
               <a:noFill/>
             </a:ln>
@@ -7537,7 +7304,7 @@
           <a:buFontTx/>
           <a:buNone/>
           <a:tabLst/>
-          <a:defRPr b="0" baseline="0" cap="none" i="0" spc="0" strike="noStrike" sz="1800" u="none" kumimoji="0" normalizeH="0">
+          <a:defRPr kumimoji="0" sz="1800" b="0" i="0" u="none" strike="noStrike" cap="none" spc="0" normalizeH="0" baseline="0">
             <a:ln>
               <a:noFill/>
             </a:ln>
@@ -7563,7 +7330,7 @@
           <a:buFontTx/>
           <a:buNone/>
           <a:tabLst/>
-          <a:defRPr b="0" baseline="0" cap="none" i="0" spc="0" strike="noStrike" sz="1800" u="none" kumimoji="0" normalizeH="0">
+          <a:defRPr kumimoji="0" sz="1800" b="0" i="0" u="none" strike="noStrike" cap="none" spc="0" normalizeH="0" baseline="0">
             <a:ln>
               <a:noFill/>
             </a:ln>
@@ -7589,7 +7356,7 @@
           <a:buFontTx/>
           <a:buNone/>
           <a:tabLst/>
-          <a:defRPr b="0" baseline="0" cap="none" i="0" spc="0" strike="noStrike" sz="1800" u="none" kumimoji="0" normalizeH="0">
+          <a:defRPr kumimoji="0" sz="1800" b="0" i="0" u="none" strike="noStrike" cap="none" spc="0" normalizeH="0" baseline="0">
             <a:ln>
               <a:noFill/>
             </a:ln>
@@ -7615,7 +7382,7 @@
           <a:buFontTx/>
           <a:buNone/>
           <a:tabLst/>
-          <a:defRPr b="0" baseline="0" cap="none" i="0" spc="0" strike="noStrike" sz="1800" u="none" kumimoji="0" normalizeH="0">
+          <a:defRPr kumimoji="0" sz="1800" b="0" i="0" u="none" strike="noStrike" cap="none" spc="0" normalizeH="0" baseline="0">
             <a:ln>
               <a:noFill/>
             </a:ln>
@@ -7641,7 +7408,7 @@
           <a:buFontTx/>
           <a:buNone/>
           <a:tabLst/>
-          <a:defRPr b="0" baseline="0" cap="none" i="0" spc="0" strike="noStrike" sz="1800" u="none" kumimoji="0" normalizeH="0">
+          <a:defRPr kumimoji="0" sz="1800" b="0" i="0" u="none" strike="noStrike" cap="none" spc="0" normalizeH="0" baseline="0">
             <a:ln>
               <a:noFill/>
             </a:ln>
@@ -7654,18 +7421,25 @@
         </a:lvl9pPr>
       </a:lstStyle>
       <a:style>
-        <a:lnRef idx="0"/>
-        <a:fillRef idx="0"/>
-        <a:effectRef idx="0"/>
+        <a:lnRef idx="0">
+          <a:scrgbClr r="0" g="0" b="0"/>
+        </a:lnRef>
+        <a:fillRef idx="0">
+          <a:scrgbClr r="0" g="0" b="0"/>
+        </a:fillRef>
+        <a:effectRef idx="0">
+          <a:scrgbClr r="0" g="0" b="0"/>
+        </a:effectRef>
         <a:fontRef idx="none"/>
       </a:style>
     </a:txDef>
   </a:objectDefaults>
+  <a:extraClrSchemeLst/>
 </a:theme>
 </file>
 
 <file path=ppt/theme/theme2.xml><?xml version="1.0" encoding="utf-8"?>
-<a:theme xmlns:a="http://schemas.openxmlformats.org/drawingml/2006/main" xmlns:r="http://schemas.openxmlformats.org/officeDocument/2006/relationships" name="Facet">
+<a:theme xmlns:a="http://schemas.openxmlformats.org/drawingml/2006/main" name="Facet">
   <a:themeElements>
     <a:clrScheme name="Facet">
       <a:dk1>
@@ -7791,7 +7565,7 @@
       <a:effectStyleLst>
         <a:effectStyle>
           <a:effectLst>
-            <a:outerShdw sx="100000" sy="100000" kx="0" ky="0" algn="b" rotWithShape="0" blurRad="38100" dist="25400" dir="5400000">
+            <a:outerShdw blurRad="38100" dist="25400" dir="5400000" rotWithShape="0">
               <a:srgbClr val="000000">
                 <a:alpha val="35000"/>
               </a:srgbClr>
@@ -7800,7 +7574,7 @@
         </a:effectStyle>
         <a:effectStyle>
           <a:effectLst>
-            <a:outerShdw sx="100000" sy="100000" kx="0" ky="0" algn="b" rotWithShape="0" blurRad="38100" dist="25400" dir="5400000">
+            <a:outerShdw blurRad="38100" dist="25400" dir="5400000" rotWithShape="0">
               <a:srgbClr val="000000">
                 <a:alpha val="35000"/>
               </a:srgbClr>
@@ -7877,7 +7651,7 @@
           <a:round/>
         </a:ln>
         <a:effectLst>
-          <a:outerShdw sx="100000" sy="100000" kx="0" ky="0" algn="b" rotWithShape="0" blurRad="38100" dist="25400" dir="5400000">
+          <a:outerShdw blurRad="38100" dist="25400" dir="5400000" rotWithShape="0">
             <a:srgbClr val="000000">
               <a:alpha val="35000"/>
             </a:srgbClr>
@@ -7885,7 +7659,7 @@
         </a:effectLst>
         <a:sp3d/>
       </a:spPr>
-      <a:bodyPr rot="0" spcFirstLastPara="1" vertOverflow="overflow" horzOverflow="overflow" vert="horz" wrap="square" lIns="45719" tIns="45719" rIns="45719" bIns="45719" numCol="1" spcCol="38100" rtlCol="0" anchor="ctr" upright="0">
+      <a:bodyPr rot="0" spcFirstLastPara="1" vertOverflow="overflow" horzOverflow="overflow" vert="horz" wrap="square" lIns="45719" tIns="45719" rIns="45719" bIns="45719" numCol="1" spcCol="38100" rtlCol="0" anchor="ctr">
         <a:spAutoFit/>
       </a:bodyPr>
       <a:lstStyle>
@@ -7904,7 +7678,7 @@
           <a:buFontTx/>
           <a:buNone/>
           <a:tabLst/>
-          <a:defRPr b="0" baseline="0" cap="none" i="0" spc="0" strike="noStrike" sz="1800" u="none" kumimoji="0" normalizeH="0">
+          <a:defRPr kumimoji="0" sz="1800" b="0" i="0" u="none" strike="noStrike" cap="none" spc="0" normalizeH="0" baseline="0">
             <a:ln>
               <a:noFill/>
             </a:ln>
@@ -7934,7 +7708,7 @@
           <a:buFontTx/>
           <a:buNone/>
           <a:tabLst/>
-          <a:defRPr b="0" baseline="0" cap="none" i="0" spc="0" strike="noStrike" sz="1800" u="none" kumimoji="0" normalizeH="0">
+          <a:defRPr kumimoji="0" sz="1800" b="0" i="0" u="none" strike="noStrike" cap="none" spc="0" normalizeH="0" baseline="0">
             <a:ln>
               <a:noFill/>
             </a:ln>
@@ -7960,7 +7734,7 @@
           <a:buFontTx/>
           <a:buNone/>
           <a:tabLst/>
-          <a:defRPr b="0" baseline="0" cap="none" i="0" spc="0" strike="noStrike" sz="1800" u="none" kumimoji="0" normalizeH="0">
+          <a:defRPr kumimoji="0" sz="1800" b="0" i="0" u="none" strike="noStrike" cap="none" spc="0" normalizeH="0" baseline="0">
             <a:ln>
               <a:noFill/>
             </a:ln>
@@ -7986,7 +7760,7 @@
           <a:buFontTx/>
           <a:buNone/>
           <a:tabLst/>
-          <a:defRPr b="0" baseline="0" cap="none" i="0" spc="0" strike="noStrike" sz="1800" u="none" kumimoji="0" normalizeH="0">
+          <a:defRPr kumimoji="0" sz="1800" b="0" i="0" u="none" strike="noStrike" cap="none" spc="0" normalizeH="0" baseline="0">
             <a:ln>
               <a:noFill/>
             </a:ln>
@@ -8012,7 +7786,7 @@
           <a:buFontTx/>
           <a:buNone/>
           <a:tabLst/>
-          <a:defRPr b="0" baseline="0" cap="none" i="0" spc="0" strike="noStrike" sz="1800" u="none" kumimoji="0" normalizeH="0">
+          <a:defRPr kumimoji="0" sz="1800" b="0" i="0" u="none" strike="noStrike" cap="none" spc="0" normalizeH="0" baseline="0">
             <a:ln>
               <a:noFill/>
             </a:ln>
@@ -8038,7 +7812,7 @@
           <a:buFontTx/>
           <a:buNone/>
           <a:tabLst/>
-          <a:defRPr b="0" baseline="0" cap="none" i="0" spc="0" strike="noStrike" sz="1800" u="none" kumimoji="0" normalizeH="0">
+          <a:defRPr kumimoji="0" sz="1800" b="0" i="0" u="none" strike="noStrike" cap="none" spc="0" normalizeH="0" baseline="0">
             <a:ln>
               <a:noFill/>
             </a:ln>
@@ -8064,7 +7838,7 @@
           <a:buFontTx/>
           <a:buNone/>
           <a:tabLst/>
-          <a:defRPr b="0" baseline="0" cap="none" i="0" spc="0" strike="noStrike" sz="1800" u="none" kumimoji="0" normalizeH="0">
+          <a:defRPr kumimoji="0" sz="1800" b="0" i="0" u="none" strike="noStrike" cap="none" spc="0" normalizeH="0" baseline="0">
             <a:ln>
               <a:noFill/>
             </a:ln>
@@ -8090,7 +7864,7 @@
           <a:buFontTx/>
           <a:buNone/>
           <a:tabLst/>
-          <a:defRPr b="0" baseline="0" cap="none" i="0" spc="0" strike="noStrike" sz="1800" u="none" kumimoji="0" normalizeH="0">
+          <a:defRPr kumimoji="0" sz="1800" b="0" i="0" u="none" strike="noStrike" cap="none" spc="0" normalizeH="0" baseline="0">
             <a:ln>
               <a:noFill/>
             </a:ln>
@@ -8116,7 +7890,7 @@
           <a:buFontTx/>
           <a:buNone/>
           <a:tabLst/>
-          <a:defRPr b="0" baseline="0" cap="none" i="0" spc="0" strike="noStrike" sz="1800" u="none" kumimoji="0" normalizeH="0">
+          <a:defRPr kumimoji="0" sz="1800" b="0" i="0" u="none" strike="noStrike" cap="none" spc="0" normalizeH="0" baseline="0">
             <a:ln>
               <a:noFill/>
             </a:ln>
@@ -8142,7 +7916,7 @@
           <a:buFontTx/>
           <a:buNone/>
           <a:tabLst/>
-          <a:defRPr b="0" baseline="0" cap="none" i="0" spc="0" strike="noStrike" sz="1800" u="none" kumimoji="0" normalizeH="0">
+          <a:defRPr kumimoji="0" sz="1800" b="0" i="0" u="none" strike="noStrike" cap="none" spc="0" normalizeH="0" baseline="0">
             <a:ln>
               <a:noFill/>
             </a:ln>
@@ -8155,9 +7929,15 @@
         </a:lvl9pPr>
       </a:lstStyle>
       <a:style>
-        <a:lnRef idx="0"/>
-        <a:fillRef idx="0"/>
-        <a:effectRef idx="0"/>
+        <a:lnRef idx="0">
+          <a:scrgbClr r="0" g="0" b="0"/>
+        </a:lnRef>
+        <a:fillRef idx="0">
+          <a:scrgbClr r="0" g="0" b="0"/>
+        </a:fillRef>
+        <a:effectRef idx="0">
+          <a:scrgbClr r="0" g="0" b="0"/>
+        </a:effectRef>
         <a:fontRef idx="none"/>
       </a:style>
     </a:spDef>
@@ -8174,7 +7954,7 @@
         <a:effectLst/>
         <a:sp3d/>
       </a:spPr>
-      <a:bodyPr rot="0" spcFirstLastPara="1" vertOverflow="overflow" horzOverflow="overflow" vert="horz" wrap="square" lIns="91439" tIns="45719" rIns="91439" bIns="45719" numCol="1" spcCol="38100" rtlCol="0" anchor="t" upright="0">
+      <a:bodyPr rot="0" spcFirstLastPara="1" vertOverflow="overflow" horzOverflow="overflow" vert="horz" wrap="square" lIns="91439" tIns="45719" rIns="91439" bIns="45719" numCol="1" spcCol="38100" rtlCol="0" anchor="t">
         <a:noAutofit/>
       </a:bodyPr>
       <a:lstStyle>
@@ -8193,7 +7973,7 @@
           <a:buFontTx/>
           <a:buNone/>
           <a:tabLst/>
-          <a:defRPr b="0" baseline="0" cap="none" i="0" spc="0" strike="noStrike" sz="1800" u="none" kumimoji="0" normalizeH="0">
+          <a:defRPr kumimoji="0" sz="1800" b="0" i="0" u="none" strike="noStrike" cap="none" spc="0" normalizeH="0" baseline="0">
             <a:ln>
               <a:noFill/>
             </a:ln>
@@ -8219,7 +7999,7 @@
           <a:buFontTx/>
           <a:buNone/>
           <a:tabLst/>
-          <a:defRPr b="0" baseline="0" cap="none" i="0" spc="0" strike="noStrike" sz="1800" u="none" kumimoji="0" normalizeH="0">
+          <a:defRPr kumimoji="0" sz="1800" b="0" i="0" u="none" strike="noStrike" cap="none" spc="0" normalizeH="0" baseline="0">
             <a:ln>
               <a:noFill/>
             </a:ln>
@@ -8245,7 +8025,7 @@
           <a:buFontTx/>
           <a:buNone/>
           <a:tabLst/>
-          <a:defRPr b="0" baseline="0" cap="none" i="0" spc="0" strike="noStrike" sz="1800" u="none" kumimoji="0" normalizeH="0">
+          <a:defRPr kumimoji="0" sz="1800" b="0" i="0" u="none" strike="noStrike" cap="none" spc="0" normalizeH="0" baseline="0">
             <a:ln>
               <a:noFill/>
             </a:ln>
@@ -8271,7 +8051,7 @@
           <a:buFontTx/>
           <a:buNone/>
           <a:tabLst/>
-          <a:defRPr b="0" baseline="0" cap="none" i="0" spc="0" strike="noStrike" sz="1800" u="none" kumimoji="0" normalizeH="0">
+          <a:defRPr kumimoji="0" sz="1800" b="0" i="0" u="none" strike="noStrike" cap="none" spc="0" normalizeH="0" baseline="0">
             <a:ln>
               <a:noFill/>
             </a:ln>
@@ -8297,7 +8077,7 @@
           <a:buFontTx/>
           <a:buNone/>
           <a:tabLst/>
-          <a:defRPr b="0" baseline="0" cap="none" i="0" spc="0" strike="noStrike" sz="1800" u="none" kumimoji="0" normalizeH="0">
+          <a:defRPr kumimoji="0" sz="1800" b="0" i="0" u="none" strike="noStrike" cap="none" spc="0" normalizeH="0" baseline="0">
             <a:ln>
               <a:noFill/>
             </a:ln>
@@ -8323,7 +8103,7 @@
           <a:buFontTx/>
           <a:buNone/>
           <a:tabLst/>
-          <a:defRPr b="0" baseline="0" cap="none" i="0" spc="0" strike="noStrike" sz="1800" u="none" kumimoji="0" normalizeH="0">
+          <a:defRPr kumimoji="0" sz="1800" b="0" i="0" u="none" strike="noStrike" cap="none" spc="0" normalizeH="0" baseline="0">
             <a:ln>
               <a:noFill/>
             </a:ln>
@@ -8349,7 +8129,7 @@
           <a:buFontTx/>
           <a:buNone/>
           <a:tabLst/>
-          <a:defRPr b="0" baseline="0" cap="none" i="0" spc="0" strike="noStrike" sz="1800" u="none" kumimoji="0" normalizeH="0">
+          <a:defRPr kumimoji="0" sz="1800" b="0" i="0" u="none" strike="noStrike" cap="none" spc="0" normalizeH="0" baseline="0">
             <a:ln>
               <a:noFill/>
             </a:ln>
@@ -8375,7 +8155,7 @@
           <a:buFontTx/>
           <a:buNone/>
           <a:tabLst/>
-          <a:defRPr b="0" baseline="0" cap="none" i="0" spc="0" strike="noStrike" sz="1800" u="none" kumimoji="0" normalizeH="0">
+          <a:defRPr kumimoji="0" sz="1800" b="0" i="0" u="none" strike="noStrike" cap="none" spc="0" normalizeH="0" baseline="0">
             <a:ln>
               <a:noFill/>
             </a:ln>
@@ -8401,7 +8181,7 @@
           <a:buFontTx/>
           <a:buNone/>
           <a:tabLst/>
-          <a:defRPr b="0" baseline="0" cap="none" i="0" spc="0" strike="noStrike" sz="1800" u="none" kumimoji="0" normalizeH="0">
+          <a:defRPr kumimoji="0" sz="1800" b="0" i="0" u="none" strike="noStrike" cap="none" spc="0" normalizeH="0" baseline="0">
             <a:ln>
               <a:noFill/>
             </a:ln>
@@ -8427,7 +8207,7 @@
           <a:buFontTx/>
           <a:buNone/>
           <a:tabLst/>
-          <a:defRPr b="0" baseline="0" cap="none" i="0" spc="0" strike="noStrike" sz="1800" u="none" kumimoji="0" normalizeH="0">
+          <a:defRPr kumimoji="0" sz="1800" b="0" i="0" u="none" strike="noStrike" cap="none" spc="0" normalizeH="0" baseline="0">
             <a:ln>
               <a:noFill/>
             </a:ln>
@@ -8440,9 +8220,15 @@
         </a:lvl9pPr>
       </a:lstStyle>
       <a:style>
-        <a:lnRef idx="0"/>
-        <a:fillRef idx="0"/>
-        <a:effectRef idx="0"/>
+        <a:lnRef idx="0">
+          <a:scrgbClr r="0" g="0" b="0"/>
+        </a:lnRef>
+        <a:fillRef idx="0">
+          <a:scrgbClr r="0" g="0" b="0"/>
+        </a:fillRef>
+        <a:effectRef idx="0">
+          <a:scrgbClr r="0" g="0" b="0"/>
+        </a:effectRef>
         <a:fontRef idx="none"/>
       </a:style>
     </a:lnDef>
@@ -8456,7 +8242,7 @@
         <a:effectLst/>
         <a:sp3d/>
       </a:spPr>
-      <a:bodyPr rot="0" spcFirstLastPara="1" vertOverflow="overflow" horzOverflow="overflow" vert="horz" wrap="square" lIns="45719" tIns="45719" rIns="45719" bIns="45719" numCol="1" spcCol="38100" rtlCol="0" anchor="t" upright="0">
+      <a:bodyPr rot="0" spcFirstLastPara="1" vertOverflow="overflow" horzOverflow="overflow" vert="horz" wrap="square" lIns="45719" tIns="45719" rIns="45719" bIns="45719" numCol="1" spcCol="38100" rtlCol="0" anchor="t">
         <a:spAutoFit/>
       </a:bodyPr>
       <a:lstStyle>
@@ -8475,7 +8261,7 @@
           <a:buFontTx/>
           <a:buNone/>
           <a:tabLst/>
-          <a:defRPr b="0" baseline="0" cap="none" i="0" spc="0" strike="noStrike" sz="1800" u="none" kumimoji="0" normalizeH="0">
+          <a:defRPr kumimoji="0" sz="1800" b="0" i="0" u="none" strike="noStrike" cap="none" spc="0" normalizeH="0" baseline="0">
             <a:ln>
               <a:noFill/>
             </a:ln>
@@ -8505,7 +8291,7 @@
           <a:buFontTx/>
           <a:buNone/>
           <a:tabLst/>
-          <a:defRPr b="0" baseline="0" cap="none" i="0" spc="0" strike="noStrike" sz="1800" u="none" kumimoji="0" normalizeH="0">
+          <a:defRPr kumimoji="0" sz="1800" b="0" i="0" u="none" strike="noStrike" cap="none" spc="0" normalizeH="0" baseline="0">
             <a:ln>
               <a:noFill/>
             </a:ln>
@@ -8531,7 +8317,7 @@
           <a:buFontTx/>
           <a:buNone/>
           <a:tabLst/>
-          <a:defRPr b="0" baseline="0" cap="none" i="0" spc="0" strike="noStrike" sz="1800" u="none" kumimoji="0" normalizeH="0">
+          <a:defRPr kumimoji="0" sz="1800" b="0" i="0" u="none" strike="noStrike" cap="none" spc="0" normalizeH="0" baseline="0">
             <a:ln>
               <a:noFill/>
             </a:ln>
@@ -8557,7 +8343,7 @@
           <a:buFontTx/>
           <a:buNone/>
           <a:tabLst/>
-          <a:defRPr b="0" baseline="0" cap="none" i="0" spc="0" strike="noStrike" sz="1800" u="none" kumimoji="0" normalizeH="0">
+          <a:defRPr kumimoji="0" sz="1800" b="0" i="0" u="none" strike="noStrike" cap="none" spc="0" normalizeH="0" baseline="0">
             <a:ln>
               <a:noFill/>
             </a:ln>
@@ -8583,7 +8369,7 @@
           <a:buFontTx/>
           <a:buNone/>
           <a:tabLst/>
-          <a:defRPr b="0" baseline="0" cap="none" i="0" spc="0" strike="noStrike" sz="1800" u="none" kumimoji="0" normalizeH="0">
+          <a:defRPr kumimoji="0" sz="1800" b="0" i="0" u="none" strike="noStrike" cap="none" spc="0" normalizeH="0" baseline="0">
             <a:ln>
               <a:noFill/>
             </a:ln>
@@ -8609,7 +8395,7 @@
           <a:buFontTx/>
           <a:buNone/>
           <a:tabLst/>
-          <a:defRPr b="0" baseline="0" cap="none" i="0" spc="0" strike="noStrike" sz="1800" u="none" kumimoji="0" normalizeH="0">
+          <a:defRPr kumimoji="0" sz="1800" b="0" i="0" u="none" strike="noStrike" cap="none" spc="0" normalizeH="0" baseline="0">
             <a:ln>
               <a:noFill/>
             </a:ln>
@@ -8635,7 +8421,7 @@
           <a:buFontTx/>
           <a:buNone/>
           <a:tabLst/>
-          <a:defRPr b="0" baseline="0" cap="none" i="0" spc="0" strike="noStrike" sz="1800" u="none" kumimoji="0" normalizeH="0">
+          <a:defRPr kumimoji="0" sz="1800" b="0" i="0" u="none" strike="noStrike" cap="none" spc="0" normalizeH="0" baseline="0">
             <a:ln>
               <a:noFill/>
             </a:ln>
@@ -8661,7 +8447,7 @@
           <a:buFontTx/>
           <a:buNone/>
           <a:tabLst/>
-          <a:defRPr b="0" baseline="0" cap="none" i="0" spc="0" strike="noStrike" sz="1800" u="none" kumimoji="0" normalizeH="0">
+          <a:defRPr kumimoji="0" sz="1800" b="0" i="0" u="none" strike="noStrike" cap="none" spc="0" normalizeH="0" baseline="0">
             <a:ln>
               <a:noFill/>
             </a:ln>
@@ -8687,7 +8473,7 @@
           <a:buFontTx/>
           <a:buNone/>
           <a:tabLst/>
-          <a:defRPr b="0" baseline="0" cap="none" i="0" spc="0" strike="noStrike" sz="1800" u="none" kumimoji="0" normalizeH="0">
+          <a:defRPr kumimoji="0" sz="1800" b="0" i="0" u="none" strike="noStrike" cap="none" spc="0" normalizeH="0" baseline="0">
             <a:ln>
               <a:noFill/>
             </a:ln>
@@ -8713,7 +8499,7 @@
           <a:buFontTx/>
           <a:buNone/>
           <a:tabLst/>
-          <a:defRPr b="0" baseline="0" cap="none" i="0" spc="0" strike="noStrike" sz="1800" u="none" kumimoji="0" normalizeH="0">
+          <a:defRPr kumimoji="0" sz="1800" b="0" i="0" u="none" strike="noStrike" cap="none" spc="0" normalizeH="0" baseline="0">
             <a:ln>
               <a:noFill/>
             </a:ln>
@@ -8726,12 +8512,19 @@
         </a:lvl9pPr>
       </a:lstStyle>
       <a:style>
-        <a:lnRef idx="0"/>
-        <a:fillRef idx="0"/>
-        <a:effectRef idx="0"/>
+        <a:lnRef idx="0">
+          <a:scrgbClr r="0" g="0" b="0"/>
+        </a:lnRef>
+        <a:fillRef idx="0">
+          <a:scrgbClr r="0" g="0" b="0"/>
+        </a:fillRef>
+        <a:effectRef idx="0">
+          <a:scrgbClr r="0" g="0" b="0"/>
+        </a:effectRef>
         <a:fontRef idx="none"/>
       </a:style>
     </a:txDef>
   </a:objectDefaults>
+  <a:extraClrSchemeLst/>
 </a:theme>
 </file>
--- a/Presentation Slides new.pptx
+++ b/Presentation Slides new.pptx
@@ -318,6 +318,11 @@
       </a:defRPr>
     </a:lvl9pPr>
   </p:defaultTextStyle>
+  <p:extLst>
+    <p:ext uri="{EFAFB233-063F-42B5-8137-9DF3F51BA10A}">
+      <p15:sldGuideLst xmlns:p15="http://schemas.microsoft.com/office/powerpoint/2012/main"/>
+    </p:ext>
+  </p:extLst>
 </p:presentation>
 </file>
 
@@ -1676,7 +1681,7 @@
           </a:ln>
           <a:extLst>
             <a:ext uri="{C572A759-6A51-4108-AA02-DFA0A04FC94B}">
-              <ma14:wrappingTextBoxFlag xmlns:ma14="http://schemas.microsoft.com/office/mac/drawingml/2011/main" xmlns:a14="http://schemas.microsoft.com/office/drawing/2010/main" xmlns:m="http://schemas.openxmlformats.org/officeDocument/2006/math" xmlns="" val="1"/>
+              <ma14:wrappingTextBoxFlag xmlns="" xmlns:m="http://schemas.openxmlformats.org/officeDocument/2006/math" xmlns:a14="http://schemas.microsoft.com/office/drawing/2010/main" xmlns:ma14="http://schemas.microsoft.com/office/mac/drawingml/2011/main" val="1"/>
             </a:ext>
           </a:extLst>
         </p:spPr>
@@ -1723,7 +1728,7 @@
           </a:ln>
           <a:extLst>
             <a:ext uri="{C572A759-6A51-4108-AA02-DFA0A04FC94B}">
-              <ma14:wrappingTextBoxFlag xmlns:ma14="http://schemas.microsoft.com/office/mac/drawingml/2011/main" xmlns:a14="http://schemas.microsoft.com/office/drawing/2010/main" xmlns:m="http://schemas.openxmlformats.org/officeDocument/2006/math" xmlns="" val="1"/>
+              <ma14:wrappingTextBoxFlag xmlns="" xmlns:m="http://schemas.openxmlformats.org/officeDocument/2006/math" xmlns:a14="http://schemas.microsoft.com/office/drawing/2010/main" xmlns:ma14="http://schemas.microsoft.com/office/mac/drawingml/2011/main" val="1"/>
             </a:ext>
           </a:extLst>
         </p:spPr>
@@ -2140,7 +2145,7 @@
           </a:ln>
           <a:extLst>
             <a:ext uri="{C572A759-6A51-4108-AA02-DFA0A04FC94B}">
-              <ma14:wrappingTextBoxFlag xmlns:ma14="http://schemas.microsoft.com/office/mac/drawingml/2011/main" xmlns:a14="http://schemas.microsoft.com/office/drawing/2010/main" xmlns:m="http://schemas.openxmlformats.org/officeDocument/2006/math" xmlns="" val="1"/>
+              <ma14:wrappingTextBoxFlag xmlns="" xmlns:m="http://schemas.openxmlformats.org/officeDocument/2006/math" xmlns:a14="http://schemas.microsoft.com/office/drawing/2010/main" xmlns:ma14="http://schemas.microsoft.com/office/mac/drawingml/2011/main" val="1"/>
             </a:ext>
           </a:extLst>
         </p:spPr>
@@ -2187,7 +2192,7 @@
           </a:ln>
           <a:extLst>
             <a:ext uri="{C572A759-6A51-4108-AA02-DFA0A04FC94B}">
-              <ma14:wrappingTextBoxFlag xmlns:ma14="http://schemas.microsoft.com/office/mac/drawingml/2011/main" xmlns:a14="http://schemas.microsoft.com/office/drawing/2010/main" xmlns:m="http://schemas.openxmlformats.org/officeDocument/2006/math" xmlns="" val="1"/>
+              <ma14:wrappingTextBoxFlag xmlns="" xmlns:m="http://schemas.openxmlformats.org/officeDocument/2006/math" xmlns:a14="http://schemas.microsoft.com/office/drawing/2010/main" xmlns:ma14="http://schemas.microsoft.com/office/mac/drawingml/2011/main" val="1"/>
             </a:ext>
           </a:extLst>
         </p:spPr>
@@ -4590,7 +4595,7 @@
           </a:ln>
           <a:extLst>
             <a:ext uri="{C572A759-6A51-4108-AA02-DFA0A04FC94B}">
-              <ma14:wrappingTextBoxFlag xmlns:ma14="http://schemas.microsoft.com/office/mac/drawingml/2011/main" xmlns:a14="http://schemas.microsoft.com/office/drawing/2010/main" xmlns:m="http://schemas.openxmlformats.org/officeDocument/2006/math" xmlns="" val="1"/>
+              <ma14:wrappingTextBoxFlag xmlns="" xmlns:m="http://schemas.openxmlformats.org/officeDocument/2006/math" xmlns:a14="http://schemas.microsoft.com/office/drawing/2010/main" xmlns:ma14="http://schemas.microsoft.com/office/mac/drawingml/2011/main" val="1"/>
             </a:ext>
           </a:extLst>
         </p:spPr>
@@ -4629,7 +4634,7 @@
           </a:ln>
           <a:extLst>
             <a:ext uri="{C572A759-6A51-4108-AA02-DFA0A04FC94B}">
-              <ma14:wrappingTextBoxFlag xmlns:ma14="http://schemas.microsoft.com/office/mac/drawingml/2011/main" xmlns:a14="http://schemas.microsoft.com/office/drawing/2010/main" xmlns:m="http://schemas.openxmlformats.org/officeDocument/2006/math" xmlns="" val="1"/>
+              <ma14:wrappingTextBoxFlag xmlns="" xmlns:m="http://schemas.openxmlformats.org/officeDocument/2006/math" xmlns:a14="http://schemas.microsoft.com/office/drawing/2010/main" xmlns:ma14="http://schemas.microsoft.com/office/mac/drawingml/2011/main" val="1"/>
             </a:ext>
           </a:extLst>
         </p:spPr>
@@ -6307,7 +6312,11 @@
           <a:bodyPr/>
           <a:lstStyle/>
           <a:p>
-            <a:endParaRPr/>
+            <a:r>
+              <a:rPr lang="en-US" dirty="0"/>
+              <a:t>Architecture Rationale</a:t>
+            </a:r>
+            <a:endParaRPr dirty="0"/>
           </a:p>
         </p:txBody>
       </p:sp>
@@ -6334,7 +6343,37 @@
           <a:bodyPr/>
           <a:lstStyle/>
           <a:p>
-            <a:endParaRPr/>
+            <a:r>
+              <a:rPr lang="en-SG" dirty="0"/>
+              <a:t>Low coupling, high cohesion</a:t>
+            </a:r>
+          </a:p>
+          <a:p>
+            <a:r>
+              <a:rPr lang="en-SG" dirty="0"/>
+              <a:t>Data flow and implicit invocation</a:t>
+            </a:r>
+          </a:p>
+          <a:p>
+            <a:pPr lvl="1"/>
+            <a:r>
+              <a:rPr lang="en-SG" dirty="0"/>
+              <a:t>Reliability</a:t>
+            </a:r>
+          </a:p>
+          <a:p>
+            <a:pPr lvl="1"/>
+            <a:r>
+              <a:rPr lang="en-SG" dirty="0"/>
+              <a:t>Flexibility</a:t>
+            </a:r>
+          </a:p>
+          <a:p>
+            <a:pPr lvl="1"/>
+            <a:r>
+              <a:rPr lang="en-SG"/>
+              <a:t>Reusability</a:t>
+            </a:r>
           </a:p>
         </p:txBody>
       </p:sp>

--- a/Presentation Slides new.pptx
+++ b/Presentation Slides new.pptx
@@ -5,7 +5,7 @@
     <p:sldMasterId id="2147483648" r:id="rId1"/>
   </p:sldMasterIdLst>
   <p:notesMasterIdLst>
-    <p:notesMasterId r:id="rId11"/>
+    <p:notesMasterId r:id="rId12"/>
   </p:notesMasterIdLst>
   <p:sldIdLst>
     <p:sldId id="256" r:id="rId2"/>
@@ -17,6 +17,7 @@
     <p:sldId id="265" r:id="rId8"/>
     <p:sldId id="267" r:id="rId9"/>
     <p:sldId id="268" r:id="rId10"/>
+    <p:sldId id="269" r:id="rId11"/>
   </p:sldIdLst>
   <p:sldSz cx="12192000" cy="6858000"/>
   <p:notesSz cx="6858000" cy="9144000"/>
@@ -1681,7 +1682,7 @@
           </a:ln>
           <a:extLst>
             <a:ext uri="{C572A759-6A51-4108-AA02-DFA0A04FC94B}">
-              <ma14:wrappingTextBoxFlag xmlns="" xmlns:m="http://schemas.openxmlformats.org/officeDocument/2006/math" xmlns:a14="http://schemas.microsoft.com/office/drawing/2010/main" xmlns:ma14="http://schemas.microsoft.com/office/mac/drawingml/2011/main" val="1"/>
+              <ma14:wrappingTextBoxFlag xmlns:ma14="http://schemas.microsoft.com/office/mac/drawingml/2011/main" xmlns:a14="http://schemas.microsoft.com/office/drawing/2010/main" xmlns:m="http://schemas.openxmlformats.org/officeDocument/2006/math" xmlns="" val="1"/>
             </a:ext>
           </a:extLst>
         </p:spPr>
@@ -1728,7 +1729,7 @@
           </a:ln>
           <a:extLst>
             <a:ext uri="{C572A759-6A51-4108-AA02-DFA0A04FC94B}">
-              <ma14:wrappingTextBoxFlag xmlns="" xmlns:m="http://schemas.openxmlformats.org/officeDocument/2006/math" xmlns:a14="http://schemas.microsoft.com/office/drawing/2010/main" xmlns:ma14="http://schemas.microsoft.com/office/mac/drawingml/2011/main" val="1"/>
+              <ma14:wrappingTextBoxFlag xmlns:ma14="http://schemas.microsoft.com/office/mac/drawingml/2011/main" xmlns:a14="http://schemas.microsoft.com/office/drawing/2010/main" xmlns:m="http://schemas.openxmlformats.org/officeDocument/2006/math" xmlns="" val="1"/>
             </a:ext>
           </a:extLst>
         </p:spPr>
@@ -2145,7 +2146,7 @@
           </a:ln>
           <a:extLst>
             <a:ext uri="{C572A759-6A51-4108-AA02-DFA0A04FC94B}">
-              <ma14:wrappingTextBoxFlag xmlns="" xmlns:m="http://schemas.openxmlformats.org/officeDocument/2006/math" xmlns:a14="http://schemas.microsoft.com/office/drawing/2010/main" xmlns:ma14="http://schemas.microsoft.com/office/mac/drawingml/2011/main" val="1"/>
+              <ma14:wrappingTextBoxFlag xmlns:ma14="http://schemas.microsoft.com/office/mac/drawingml/2011/main" xmlns:a14="http://schemas.microsoft.com/office/drawing/2010/main" xmlns:m="http://schemas.openxmlformats.org/officeDocument/2006/math" xmlns="" val="1"/>
             </a:ext>
           </a:extLst>
         </p:spPr>
@@ -2192,7 +2193,7 @@
           </a:ln>
           <a:extLst>
             <a:ext uri="{C572A759-6A51-4108-AA02-DFA0A04FC94B}">
-              <ma14:wrappingTextBoxFlag xmlns="" xmlns:m="http://schemas.openxmlformats.org/officeDocument/2006/math" xmlns:a14="http://schemas.microsoft.com/office/drawing/2010/main" xmlns:ma14="http://schemas.microsoft.com/office/mac/drawingml/2011/main" val="1"/>
+              <ma14:wrappingTextBoxFlag xmlns:ma14="http://schemas.microsoft.com/office/mac/drawingml/2011/main" xmlns:a14="http://schemas.microsoft.com/office/drawing/2010/main" xmlns:m="http://schemas.openxmlformats.org/officeDocument/2006/math" xmlns="" val="1"/>
             </a:ext>
           </a:extLst>
         </p:spPr>
@@ -4595,7 +4596,7 @@
           </a:ln>
           <a:extLst>
             <a:ext uri="{C572A759-6A51-4108-AA02-DFA0A04FC94B}">
-              <ma14:wrappingTextBoxFlag xmlns="" xmlns:m="http://schemas.openxmlformats.org/officeDocument/2006/math" xmlns:a14="http://schemas.microsoft.com/office/drawing/2010/main" xmlns:ma14="http://schemas.microsoft.com/office/mac/drawingml/2011/main" val="1"/>
+              <ma14:wrappingTextBoxFlag xmlns:ma14="http://schemas.microsoft.com/office/mac/drawingml/2011/main" xmlns:a14="http://schemas.microsoft.com/office/drawing/2010/main" xmlns:m="http://schemas.openxmlformats.org/officeDocument/2006/math" xmlns="" val="1"/>
             </a:ext>
           </a:extLst>
         </p:spPr>
@@ -4634,7 +4635,7 @@
           </a:ln>
           <a:extLst>
             <a:ext uri="{C572A759-6A51-4108-AA02-DFA0A04FC94B}">
-              <ma14:wrappingTextBoxFlag xmlns="" xmlns:m="http://schemas.openxmlformats.org/officeDocument/2006/math" xmlns:a14="http://schemas.microsoft.com/office/drawing/2010/main" xmlns:ma14="http://schemas.microsoft.com/office/mac/drawingml/2011/main" val="1"/>
+              <ma14:wrappingTextBoxFlag xmlns:ma14="http://schemas.microsoft.com/office/mac/drawingml/2011/main" xmlns:a14="http://schemas.microsoft.com/office/drawing/2010/main" xmlns:m="http://schemas.openxmlformats.org/officeDocument/2006/math" xmlns="" val="1"/>
             </a:ext>
           </a:extLst>
         </p:spPr>
@@ -5633,6 +5634,123 @@
 </p:sld>
 </file>
 
+<file path=ppt/slides/slide10.xml><?xml version="1.0" encoding="utf-8"?>
+<p:sld xmlns:a="http://schemas.openxmlformats.org/drawingml/2006/main" xmlns:r="http://schemas.openxmlformats.org/officeDocument/2006/relationships" xmlns:p="http://schemas.openxmlformats.org/presentationml/2006/main">
+  <p:cSld>
+    <p:spTree>
+      <p:nvGrpSpPr>
+        <p:cNvPr id="1" name=""/>
+        <p:cNvGrpSpPr/>
+        <p:nvPr/>
+      </p:nvGrpSpPr>
+      <p:grpSpPr>
+        <a:xfrm>
+          <a:off x="0" y="0"/>
+          <a:ext cx="0" cy="0"/>
+          <a:chOff x="0" y="0"/>
+          <a:chExt cx="0" cy="0"/>
+        </a:xfrm>
+      </p:grpSpPr>
+      <p:sp>
+        <p:nvSpPr>
+          <p:cNvPr id="2" name="Title 1">
+            <a:extLst>
+              <a:ext uri="{FF2B5EF4-FFF2-40B4-BE49-F238E27FC236}">
+                <a16:creationId xmlns:a16="http://schemas.microsoft.com/office/drawing/2014/main" id="{D319B8E9-1C9A-4382-8B86-199D95A602AF}"/>
+              </a:ext>
+            </a:extLst>
+          </p:cNvPr>
+          <p:cNvSpPr>
+            <a:spLocks noGrp="1"/>
+          </p:cNvSpPr>
+          <p:nvPr>
+            <p:ph type="title"/>
+          </p:nvPr>
+        </p:nvSpPr>
+        <p:spPr/>
+        <p:txBody>
+          <a:bodyPr/>
+          <a:lstStyle/>
+          <a:p>
+            <a:r>
+              <a:rPr lang="en-SG" dirty="0"/>
+              <a:t>Django Web Framework</a:t>
+            </a:r>
+          </a:p>
+        </p:txBody>
+      </p:sp>
+      <p:sp>
+        <p:nvSpPr>
+          <p:cNvPr id="3" name="Text Placeholder 2">
+            <a:extLst>
+              <a:ext uri="{FF2B5EF4-FFF2-40B4-BE49-F238E27FC236}">
+                <a16:creationId xmlns:a16="http://schemas.microsoft.com/office/drawing/2014/main" id="{230170B1-095F-4C3B-97FB-F426E219B294}"/>
+              </a:ext>
+            </a:extLst>
+          </p:cNvPr>
+          <p:cNvSpPr>
+            <a:spLocks noGrp="1"/>
+          </p:cNvSpPr>
+          <p:nvPr>
+            <p:ph type="body" sz="half" idx="1"/>
+          </p:nvPr>
+        </p:nvSpPr>
+        <p:spPr/>
+        <p:txBody>
+          <a:bodyPr/>
+          <a:lstStyle/>
+          <a:p>
+            <a:r>
+              <a:rPr lang="en-SG" b="1" dirty="0"/>
+              <a:t>Security:</a:t>
+            </a:r>
+            <a:r>
+              <a:rPr lang="en-SG" i="1" dirty="0"/>
+              <a:t> Django ensured that developers don’t commit any mistakes related to security. Some of the common mistakes include SQL injection, cross-site request forgery, clickjacking and cross-site scripting. Django adopts the authentication system to manage effectively usernames and passwords.</a:t>
+            </a:r>
+            <a:endParaRPr lang="en-SG" dirty="0"/>
+          </a:p>
+          <a:p>
+            <a:r>
+              <a:rPr lang="en-SG" b="1" dirty="0"/>
+              <a:t>Scalability:</a:t>
+            </a:r>
+            <a:r>
+              <a:rPr lang="en-SG" i="1" dirty="0"/>
+              <a:t> To meet the heaviest traffic demand, the benefits of Django framework can be seen. Therefore, the busiest sites use this medium to quickly meet the traffic demands.</a:t>
+            </a:r>
+            <a:endParaRPr lang="en-SG" dirty="0"/>
+          </a:p>
+          <a:p>
+            <a:r>
+              <a:rPr lang="en-SG" b="1"/>
+              <a:t>Versatility:</a:t>
+            </a:r>
+            <a:r>
+              <a:rPr lang="en-SG" i="1" dirty="0"/>
+              <a:t> Content management, scientific computing platforms, and even big organizations, all these aspects are very efficiently managed by the use of Django.</a:t>
+            </a:r>
+            <a:endParaRPr lang="en-SG" dirty="0"/>
+          </a:p>
+          <a:p>
+            <a:endParaRPr lang="en-SG" dirty="0"/>
+          </a:p>
+        </p:txBody>
+      </p:sp>
+    </p:spTree>
+    <p:extLst>
+      <p:ext uri="{BB962C8B-B14F-4D97-AF65-F5344CB8AC3E}">
+        <p14:creationId xmlns:p14="http://schemas.microsoft.com/office/powerpoint/2010/main" val="3961874491"/>
+      </p:ext>
+    </p:extLst>
+  </p:cSld>
+  <p:clrMapOvr>
+    <a:masterClrMapping/>
+  </p:clrMapOvr>
+  <p:transition spd="med"/>
+</p:sld>
+</file>
+
 <file path=ppt/slides/slide2.xml><?xml version="1.0" encoding="utf-8"?>
 <p:sld xmlns:a="http://schemas.openxmlformats.org/drawingml/2006/main" xmlns:r="http://schemas.openxmlformats.org/officeDocument/2006/relationships" xmlns:p="http://schemas.openxmlformats.org/presentationml/2006/main">
   <p:cSld>

--- a/Presentation Slides new.pptx
+++ b/Presentation Slides new.pptx
@@ -6069,10 +6069,10 @@
       </p:sp>
       <p:pic>
         <p:nvPicPr>
-          <p:cNvPr id="3" name="Picture 2" descr="A close up of a map&#10;&#10;Description automatically generated">
+          <p:cNvPr id="3" name="Picture 2" descr="A close up of text on a white background&#10;&#10;Description automatically generated">
             <a:extLst>
               <a:ext uri="{FF2B5EF4-FFF2-40B4-BE49-F238E27FC236}">
-                <a16:creationId xmlns:a16="http://schemas.microsoft.com/office/drawing/2014/main" id="{69E3CE5C-5072-4F57-B694-56324A6E9352}"/>
+                <a16:creationId xmlns:a16="http://schemas.microsoft.com/office/drawing/2014/main" id="{123C612D-0513-4C4F-B95C-B8A585111A2D}"/>
               </a:ext>
             </a:extLst>
           </p:cNvPr>
@@ -6095,8 +6095,8 @@
         </p:blipFill>
         <p:spPr>
           <a:xfrm>
-            <a:off x="1389431" y="1201751"/>
-            <a:ext cx="9413137" cy="5046649"/>
+            <a:off x="2122099" y="1573399"/>
+            <a:ext cx="7022958" cy="5060313"/>
           </a:xfrm>
           <a:prstGeom prst="rect">
             <a:avLst/>
@@ -6166,10 +6166,10 @@
       </p:sp>
       <p:pic>
         <p:nvPicPr>
-          <p:cNvPr id="3" name="Picture 2" descr="A screenshot of a cell phone&#10;&#10;Description automatically generated">
+          <p:cNvPr id="4" name="Picture 3" descr="A screenshot of a cell phone&#10;&#10;Description automatically generated">
             <a:extLst>
               <a:ext uri="{FF2B5EF4-FFF2-40B4-BE49-F238E27FC236}">
-                <a16:creationId xmlns:a16="http://schemas.microsoft.com/office/drawing/2014/main" id="{3C7E0098-2432-4263-B947-457857EC3A7E}"/>
+                <a16:creationId xmlns:a16="http://schemas.microsoft.com/office/drawing/2014/main" id="{FED8010C-628C-40B1-97DE-BA609639CB03}"/>
               </a:ext>
             </a:extLst>
           </p:cNvPr>
@@ -6192,8 +6192,8 @@
         </p:blipFill>
         <p:spPr>
           <a:xfrm>
-            <a:off x="956412" y="1713584"/>
-            <a:ext cx="9320555" cy="4318000"/>
+            <a:off x="677333" y="2076270"/>
+            <a:ext cx="10844684" cy="3895884"/>
           </a:xfrm>
           <a:prstGeom prst="rect">
             <a:avLst/>
@@ -6263,10 +6263,10 @@
       </p:sp>
       <p:pic>
         <p:nvPicPr>
-          <p:cNvPr id="3" name="Picture 2" descr="A picture containing screenshot&#10;&#10;Description automatically generated">
+          <p:cNvPr id="6" name="Picture 5" descr="A screenshot of a social media post&#10;&#10;Description automatically generated">
             <a:extLst>
               <a:ext uri="{FF2B5EF4-FFF2-40B4-BE49-F238E27FC236}">
-                <a16:creationId xmlns:a16="http://schemas.microsoft.com/office/drawing/2014/main" id="{876615DA-17AA-4F96-9930-799118819F18}"/>
+                <a16:creationId xmlns:a16="http://schemas.microsoft.com/office/drawing/2014/main" id="{3CF01297-CE06-4B07-9392-6CD0DAEABEFF}"/>
               </a:ext>
             </a:extLst>
           </p:cNvPr>
@@ -6289,8 +6289,8 @@
         </p:blipFill>
         <p:spPr>
           <a:xfrm>
-            <a:off x="1027521" y="1433308"/>
-            <a:ext cx="9784902" cy="5290621"/>
+            <a:off x="1078302" y="1828737"/>
+            <a:ext cx="10035396" cy="4410237"/>
           </a:xfrm>
           <a:prstGeom prst="rect">
             <a:avLst/>
